--- a/ClimateHackathon_Submission_Nov132022.pptx
+++ b/ClimateHackathon_Submission_Nov132022.pptx
@@ -15,7 +15,6 @@
     <p:sldId id="262" r:id="rId10"/>
     <p:sldId id="263" r:id="rId11"/>
     <p:sldId id="264" r:id="rId12"/>
-    <p:sldId id="265" r:id="rId13"/>
   </p:sldIdLst>
   <p:sldSz cx="12192000" cy="6858000"/>
   <p:notesSz cx="7772400" cy="10058400"/>
@@ -46,7 +45,7 @@
             <a:spLocks noGrp="1"/>
           </p:cNvSpPr>
           <p:nvPr>
-            <p:ph type="ftr" idx="2"/>
+            <p:ph type="ftr" idx="1"/>
           </p:nvPr>
         </p:nvSpPr>
         <p:spPr/>
@@ -66,14 +65,14 @@
             <a:spLocks noGrp="1"/>
           </p:cNvSpPr>
           <p:nvPr>
-            <p:ph type="sldNum" idx="3"/>
+            <p:ph type="sldNum" idx="2"/>
           </p:nvPr>
         </p:nvSpPr>
         <p:spPr/>
         <p:txBody>
           <a:bodyPr/>
           <a:p>
-            <a:fld id="{59CADB46-EEB5-46C0-88DF-61905B70E97D}" type="slidenum">
+            <a:fld id="{0DB390F3-61CD-4DFC-9FF3-C2A19F5D1B91}" type="slidenum">
               <a:t>&lt;#&gt;</a:t>
             </a:fld>
           </a:p>
@@ -86,7 +85,7 @@
             <a:spLocks noGrp="1"/>
           </p:cNvSpPr>
           <p:nvPr>
-            <p:ph type="dt" idx="1"/>
+            <p:ph type="dt" idx="3"/>
           </p:nvPr>
         </p:nvSpPr>
         <p:spPr/>
@@ -134,8 +133,8 @@
         </p:nvSpPr>
         <p:spPr>
           <a:xfrm>
-            <a:off x="838080" y="365040"/>
-            <a:ext cx="10515240" cy="1325160"/>
+            <a:off x="609480" y="273600"/>
+            <a:ext cx="10972440" cy="1144800"/>
           </a:xfrm>
           <a:prstGeom prst="rect">
             <a:avLst/>
@@ -150,14 +149,14 @@
             <a:noAutofit/>
           </a:bodyPr>
           <a:p>
-            <a:pPr indent="0">
-              <a:buNone/>
-            </a:pPr>
-            <a:endParaRPr b="0" lang="en-US" sz="1800" spc="-1" strike="noStrike">
-              <a:solidFill>
-                <a:srgbClr val="000000"/>
-              </a:solidFill>
-              <a:latin typeface="Calibri"/>
+            <a:pPr indent="0" algn="ctr">
+              <a:buNone/>
+            </a:pPr>
+            <a:endParaRPr b="0" lang="en-US" sz="4400" spc="-1" strike="noStrike">
+              <a:solidFill>
+                <a:srgbClr val="000000"/>
+              </a:solidFill>
+              <a:latin typeface="Arial"/>
             </a:endParaRPr>
           </a:p>
         </p:txBody>
@@ -174,8 +173,8 @@
         </p:nvSpPr>
         <p:spPr>
           <a:xfrm>
-            <a:off x="838080" y="1825560"/>
-            <a:ext cx="10515240" cy="2075040"/>
+            <a:off x="609480" y="1604520"/>
+            <a:ext cx="10972440" cy="1896840"/>
           </a:xfrm>
           <a:prstGeom prst="rect">
             <a:avLst/>
@@ -191,19 +190,16 @@
           </a:bodyPr>
           <a:p>
             <a:pPr indent="0">
-              <a:lnSpc>
-                <a:spcPct val="90000"/>
-              </a:lnSpc>
               <a:spcBef>
                 <a:spcPts val="1417"/>
               </a:spcBef>
               <a:buNone/>
             </a:pPr>
-            <a:endParaRPr b="0" lang="en-US" sz="2800" spc="-1" strike="noStrike">
-              <a:solidFill>
-                <a:srgbClr val="000000"/>
-              </a:solidFill>
-              <a:latin typeface="Calibri"/>
+            <a:endParaRPr b="0" lang="en-US" sz="3200" spc="-1" strike="noStrike">
+              <a:solidFill>
+                <a:srgbClr val="000000"/>
+              </a:solidFill>
+              <a:latin typeface="Arial"/>
             </a:endParaRPr>
           </a:p>
         </p:txBody>
@@ -220,8 +216,8 @@
         </p:nvSpPr>
         <p:spPr>
           <a:xfrm>
-            <a:off x="838080" y="4098240"/>
-            <a:ext cx="10515240" cy="2075040"/>
+            <a:off x="609480" y="3682080"/>
+            <a:ext cx="10972440" cy="1896840"/>
           </a:xfrm>
           <a:prstGeom prst="rect">
             <a:avLst/>
@@ -237,19 +233,16 @@
           </a:bodyPr>
           <a:p>
             <a:pPr indent="0">
-              <a:lnSpc>
-                <a:spcPct val="90000"/>
-              </a:lnSpc>
               <a:spcBef>
                 <a:spcPts val="1417"/>
               </a:spcBef>
               <a:buNone/>
             </a:pPr>
-            <a:endParaRPr b="0" lang="en-US" sz="2800" spc="-1" strike="noStrike">
-              <a:solidFill>
-                <a:srgbClr val="000000"/>
-              </a:solidFill>
-              <a:latin typeface="Calibri"/>
+            <a:endParaRPr b="0" lang="en-US" sz="3200" spc="-1" strike="noStrike">
+              <a:solidFill>
+                <a:srgbClr val="000000"/>
+              </a:solidFill>
+              <a:latin typeface="Arial"/>
             </a:endParaRPr>
           </a:p>
         </p:txBody>
@@ -261,7 +254,7 @@
             <a:spLocks noGrp="1"/>
           </p:cNvSpPr>
           <p:nvPr>
-            <p:ph type="ftr" idx="2"/>
+            <p:ph type="ftr" idx="1"/>
           </p:nvPr>
         </p:nvSpPr>
         <p:spPr/>
@@ -281,14 +274,14 @@
             <a:spLocks noGrp="1"/>
           </p:cNvSpPr>
           <p:nvPr>
-            <p:ph type="sldNum" idx="3"/>
+            <p:ph type="sldNum" idx="2"/>
           </p:nvPr>
         </p:nvSpPr>
         <p:spPr/>
         <p:txBody>
           <a:bodyPr/>
           <a:p>
-            <a:fld id="{61BC20F4-920D-4F64-AFDD-A72A9A4E98EC}" type="slidenum">
+            <a:fld id="{A582416D-68F1-4FC9-8D82-74234ABA8CFE}" type="slidenum">
               <a:t>&lt;#&gt;</a:t>
             </a:fld>
           </a:p>
@@ -301,7 +294,7 @@
             <a:spLocks noGrp="1"/>
           </p:cNvSpPr>
           <p:nvPr>
-            <p:ph type="dt" idx="1"/>
+            <p:ph type="dt" idx="3"/>
           </p:nvPr>
         </p:nvSpPr>
         <p:spPr/>
@@ -349,8 +342,8 @@
         </p:nvSpPr>
         <p:spPr>
           <a:xfrm>
-            <a:off x="838080" y="365040"/>
-            <a:ext cx="10515240" cy="1325160"/>
+            <a:off x="609480" y="273600"/>
+            <a:ext cx="10972440" cy="1144800"/>
           </a:xfrm>
           <a:prstGeom prst="rect">
             <a:avLst/>
@@ -365,14 +358,14 @@
             <a:noAutofit/>
           </a:bodyPr>
           <a:p>
-            <a:pPr indent="0">
-              <a:buNone/>
-            </a:pPr>
-            <a:endParaRPr b="0" lang="en-US" sz="1800" spc="-1" strike="noStrike">
-              <a:solidFill>
-                <a:srgbClr val="000000"/>
-              </a:solidFill>
-              <a:latin typeface="Calibri"/>
+            <a:pPr indent="0" algn="ctr">
+              <a:buNone/>
+            </a:pPr>
+            <a:endParaRPr b="0" lang="en-US" sz="4400" spc="-1" strike="noStrike">
+              <a:solidFill>
+                <a:srgbClr val="000000"/>
+              </a:solidFill>
+              <a:latin typeface="Arial"/>
             </a:endParaRPr>
           </a:p>
         </p:txBody>
@@ -389,8 +382,8 @@
         </p:nvSpPr>
         <p:spPr>
           <a:xfrm>
-            <a:off x="838080" y="1825560"/>
-            <a:ext cx="5131080" cy="2075040"/>
+            <a:off x="609480" y="1604520"/>
+            <a:ext cx="5354280" cy="1896840"/>
           </a:xfrm>
           <a:prstGeom prst="rect">
             <a:avLst/>
@@ -406,19 +399,16 @@
           </a:bodyPr>
           <a:p>
             <a:pPr indent="0">
-              <a:lnSpc>
-                <a:spcPct val="90000"/>
-              </a:lnSpc>
               <a:spcBef>
                 <a:spcPts val="1417"/>
               </a:spcBef>
               <a:buNone/>
             </a:pPr>
-            <a:endParaRPr b="0" lang="en-US" sz="2800" spc="-1" strike="noStrike">
-              <a:solidFill>
-                <a:srgbClr val="000000"/>
-              </a:solidFill>
-              <a:latin typeface="Calibri"/>
+            <a:endParaRPr b="0" lang="en-US" sz="3200" spc="-1" strike="noStrike">
+              <a:solidFill>
+                <a:srgbClr val="000000"/>
+              </a:solidFill>
+              <a:latin typeface="Arial"/>
             </a:endParaRPr>
           </a:p>
         </p:txBody>
@@ -435,8 +425,8 @@
         </p:nvSpPr>
         <p:spPr>
           <a:xfrm>
-            <a:off x="6226200" y="1825560"/>
-            <a:ext cx="5131080" cy="2075040"/>
+            <a:off x="6231960" y="1604520"/>
+            <a:ext cx="5354280" cy="1896840"/>
           </a:xfrm>
           <a:prstGeom prst="rect">
             <a:avLst/>
@@ -452,19 +442,16 @@
           </a:bodyPr>
           <a:p>
             <a:pPr indent="0">
-              <a:lnSpc>
-                <a:spcPct val="90000"/>
-              </a:lnSpc>
               <a:spcBef>
                 <a:spcPts val="1417"/>
               </a:spcBef>
               <a:buNone/>
             </a:pPr>
-            <a:endParaRPr b="0" lang="en-US" sz="2800" spc="-1" strike="noStrike">
-              <a:solidFill>
-                <a:srgbClr val="000000"/>
-              </a:solidFill>
-              <a:latin typeface="Calibri"/>
+            <a:endParaRPr b="0" lang="en-US" sz="3200" spc="-1" strike="noStrike">
+              <a:solidFill>
+                <a:srgbClr val="000000"/>
+              </a:solidFill>
+              <a:latin typeface="Arial"/>
             </a:endParaRPr>
           </a:p>
         </p:txBody>
@@ -481,8 +468,8 @@
         </p:nvSpPr>
         <p:spPr>
           <a:xfrm>
-            <a:off x="838080" y="4098240"/>
-            <a:ext cx="5131080" cy="2075040"/>
+            <a:off x="609480" y="3682080"/>
+            <a:ext cx="5354280" cy="1896840"/>
           </a:xfrm>
           <a:prstGeom prst="rect">
             <a:avLst/>
@@ -498,19 +485,16 @@
           </a:bodyPr>
           <a:p>
             <a:pPr indent="0">
-              <a:lnSpc>
-                <a:spcPct val="90000"/>
-              </a:lnSpc>
               <a:spcBef>
                 <a:spcPts val="1417"/>
               </a:spcBef>
               <a:buNone/>
             </a:pPr>
-            <a:endParaRPr b="0" lang="en-US" sz="2800" spc="-1" strike="noStrike">
-              <a:solidFill>
-                <a:srgbClr val="000000"/>
-              </a:solidFill>
-              <a:latin typeface="Calibri"/>
+            <a:endParaRPr b="0" lang="en-US" sz="3200" spc="-1" strike="noStrike">
+              <a:solidFill>
+                <a:srgbClr val="000000"/>
+              </a:solidFill>
+              <a:latin typeface="Arial"/>
             </a:endParaRPr>
           </a:p>
         </p:txBody>
@@ -527,8 +511,8 @@
         </p:nvSpPr>
         <p:spPr>
           <a:xfrm>
-            <a:off x="6226200" y="4098240"/>
-            <a:ext cx="5131080" cy="2075040"/>
+            <a:off x="6231960" y="3682080"/>
+            <a:ext cx="5354280" cy="1896840"/>
           </a:xfrm>
           <a:prstGeom prst="rect">
             <a:avLst/>
@@ -544,19 +528,16 @@
           </a:bodyPr>
           <a:p>
             <a:pPr indent="0">
-              <a:lnSpc>
-                <a:spcPct val="90000"/>
-              </a:lnSpc>
               <a:spcBef>
                 <a:spcPts val="1417"/>
               </a:spcBef>
               <a:buNone/>
             </a:pPr>
-            <a:endParaRPr b="0" lang="en-US" sz="2800" spc="-1" strike="noStrike">
-              <a:solidFill>
-                <a:srgbClr val="000000"/>
-              </a:solidFill>
-              <a:latin typeface="Calibri"/>
+            <a:endParaRPr b="0" lang="en-US" sz="3200" spc="-1" strike="noStrike">
+              <a:solidFill>
+                <a:srgbClr val="000000"/>
+              </a:solidFill>
+              <a:latin typeface="Arial"/>
             </a:endParaRPr>
           </a:p>
         </p:txBody>
@@ -568,7 +549,7 @@
             <a:spLocks noGrp="1"/>
           </p:cNvSpPr>
           <p:nvPr>
-            <p:ph type="ftr" idx="2"/>
+            <p:ph type="ftr" idx="1"/>
           </p:nvPr>
         </p:nvSpPr>
         <p:spPr/>
@@ -588,14 +569,14 @@
             <a:spLocks noGrp="1"/>
           </p:cNvSpPr>
           <p:nvPr>
-            <p:ph type="sldNum" idx="3"/>
+            <p:ph type="sldNum" idx="2"/>
           </p:nvPr>
         </p:nvSpPr>
         <p:spPr/>
         <p:txBody>
           <a:bodyPr/>
           <a:p>
-            <a:fld id="{A7C25A7D-E29D-463F-9182-475EFC96E0F0}" type="slidenum">
+            <a:fld id="{23C90AB7-3D56-4A25-8A50-25473519878B}" type="slidenum">
               <a:t>&lt;#&gt;</a:t>
             </a:fld>
           </a:p>
@@ -608,7 +589,7 @@
             <a:spLocks noGrp="1"/>
           </p:cNvSpPr>
           <p:nvPr>
-            <p:ph type="dt" idx="1"/>
+            <p:ph type="dt" idx="3"/>
           </p:nvPr>
         </p:nvSpPr>
         <p:spPr/>
@@ -656,8 +637,8 @@
         </p:nvSpPr>
         <p:spPr>
           <a:xfrm>
-            <a:off x="838080" y="365040"/>
-            <a:ext cx="10515240" cy="1325160"/>
+            <a:off x="609480" y="273600"/>
+            <a:ext cx="10972440" cy="1144800"/>
           </a:xfrm>
           <a:prstGeom prst="rect">
             <a:avLst/>
@@ -672,14 +653,14 @@
             <a:noAutofit/>
           </a:bodyPr>
           <a:p>
-            <a:pPr indent="0">
-              <a:buNone/>
-            </a:pPr>
-            <a:endParaRPr b="0" lang="en-US" sz="1800" spc="-1" strike="noStrike">
-              <a:solidFill>
-                <a:srgbClr val="000000"/>
-              </a:solidFill>
-              <a:latin typeface="Calibri"/>
+            <a:pPr indent="0" algn="ctr">
+              <a:buNone/>
+            </a:pPr>
+            <a:endParaRPr b="0" lang="en-US" sz="4400" spc="-1" strike="noStrike">
+              <a:solidFill>
+                <a:srgbClr val="000000"/>
+              </a:solidFill>
+              <a:latin typeface="Arial"/>
             </a:endParaRPr>
           </a:p>
         </p:txBody>
@@ -696,8 +677,8 @@
         </p:nvSpPr>
         <p:spPr>
           <a:xfrm>
-            <a:off x="838080" y="1825560"/>
-            <a:ext cx="3385800" cy="2075040"/>
+            <a:off x="609480" y="1604520"/>
+            <a:ext cx="3533040" cy="1896840"/>
           </a:xfrm>
           <a:prstGeom prst="rect">
             <a:avLst/>
@@ -713,19 +694,16 @@
           </a:bodyPr>
           <a:p>
             <a:pPr indent="0">
-              <a:lnSpc>
-                <a:spcPct val="90000"/>
-              </a:lnSpc>
               <a:spcBef>
                 <a:spcPts val="1417"/>
               </a:spcBef>
               <a:buNone/>
             </a:pPr>
-            <a:endParaRPr b="0" lang="en-US" sz="2800" spc="-1" strike="noStrike">
-              <a:solidFill>
-                <a:srgbClr val="000000"/>
-              </a:solidFill>
-              <a:latin typeface="Calibri"/>
+            <a:endParaRPr b="0" lang="en-US" sz="3200" spc="-1" strike="noStrike">
+              <a:solidFill>
+                <a:srgbClr val="000000"/>
+              </a:solidFill>
+              <a:latin typeface="Arial"/>
             </a:endParaRPr>
           </a:p>
         </p:txBody>
@@ -742,8 +720,8 @@
         </p:nvSpPr>
         <p:spPr>
           <a:xfrm>
-            <a:off x="4393440" y="1825560"/>
-            <a:ext cx="3385800" cy="2075040"/>
+            <a:off x="4319640" y="1604520"/>
+            <a:ext cx="3533040" cy="1896840"/>
           </a:xfrm>
           <a:prstGeom prst="rect">
             <a:avLst/>
@@ -759,19 +737,16 @@
           </a:bodyPr>
           <a:p>
             <a:pPr indent="0">
-              <a:lnSpc>
-                <a:spcPct val="90000"/>
-              </a:lnSpc>
               <a:spcBef>
                 <a:spcPts val="1417"/>
               </a:spcBef>
               <a:buNone/>
             </a:pPr>
-            <a:endParaRPr b="0" lang="en-US" sz="2800" spc="-1" strike="noStrike">
-              <a:solidFill>
-                <a:srgbClr val="000000"/>
-              </a:solidFill>
-              <a:latin typeface="Calibri"/>
+            <a:endParaRPr b="0" lang="en-US" sz="3200" spc="-1" strike="noStrike">
+              <a:solidFill>
+                <a:srgbClr val="000000"/>
+              </a:solidFill>
+              <a:latin typeface="Arial"/>
             </a:endParaRPr>
           </a:p>
         </p:txBody>
@@ -788,8 +763,8 @@
         </p:nvSpPr>
         <p:spPr>
           <a:xfrm>
-            <a:off x="7949160" y="1825560"/>
-            <a:ext cx="3385800" cy="2075040"/>
+            <a:off x="8029800" y="1604520"/>
+            <a:ext cx="3533040" cy="1896840"/>
           </a:xfrm>
           <a:prstGeom prst="rect">
             <a:avLst/>
@@ -805,19 +780,16 @@
           </a:bodyPr>
           <a:p>
             <a:pPr indent="0">
-              <a:lnSpc>
-                <a:spcPct val="90000"/>
-              </a:lnSpc>
               <a:spcBef>
                 <a:spcPts val="1417"/>
               </a:spcBef>
               <a:buNone/>
             </a:pPr>
-            <a:endParaRPr b="0" lang="en-US" sz="2800" spc="-1" strike="noStrike">
-              <a:solidFill>
-                <a:srgbClr val="000000"/>
-              </a:solidFill>
-              <a:latin typeface="Calibri"/>
+            <a:endParaRPr b="0" lang="en-US" sz="3200" spc="-1" strike="noStrike">
+              <a:solidFill>
+                <a:srgbClr val="000000"/>
+              </a:solidFill>
+              <a:latin typeface="Arial"/>
             </a:endParaRPr>
           </a:p>
         </p:txBody>
@@ -834,8 +806,8 @@
         </p:nvSpPr>
         <p:spPr>
           <a:xfrm>
-            <a:off x="838080" y="4098240"/>
-            <a:ext cx="3385800" cy="2075040"/>
+            <a:off x="609480" y="3682080"/>
+            <a:ext cx="3533040" cy="1896840"/>
           </a:xfrm>
           <a:prstGeom prst="rect">
             <a:avLst/>
@@ -851,19 +823,16 @@
           </a:bodyPr>
           <a:p>
             <a:pPr indent="0">
-              <a:lnSpc>
-                <a:spcPct val="90000"/>
-              </a:lnSpc>
               <a:spcBef>
                 <a:spcPts val="1417"/>
               </a:spcBef>
               <a:buNone/>
             </a:pPr>
-            <a:endParaRPr b="0" lang="en-US" sz="2800" spc="-1" strike="noStrike">
-              <a:solidFill>
-                <a:srgbClr val="000000"/>
-              </a:solidFill>
-              <a:latin typeface="Calibri"/>
+            <a:endParaRPr b="0" lang="en-US" sz="3200" spc="-1" strike="noStrike">
+              <a:solidFill>
+                <a:srgbClr val="000000"/>
+              </a:solidFill>
+              <a:latin typeface="Arial"/>
             </a:endParaRPr>
           </a:p>
         </p:txBody>
@@ -880,8 +849,8 @@
         </p:nvSpPr>
         <p:spPr>
           <a:xfrm>
-            <a:off x="4393440" y="4098240"/>
-            <a:ext cx="3385800" cy="2075040"/>
+            <a:off x="4319640" y="3682080"/>
+            <a:ext cx="3533040" cy="1896840"/>
           </a:xfrm>
           <a:prstGeom prst="rect">
             <a:avLst/>
@@ -897,19 +866,16 @@
           </a:bodyPr>
           <a:p>
             <a:pPr indent="0">
-              <a:lnSpc>
-                <a:spcPct val="90000"/>
-              </a:lnSpc>
               <a:spcBef>
                 <a:spcPts val="1417"/>
               </a:spcBef>
               <a:buNone/>
             </a:pPr>
-            <a:endParaRPr b="0" lang="en-US" sz="2800" spc="-1" strike="noStrike">
-              <a:solidFill>
-                <a:srgbClr val="000000"/>
-              </a:solidFill>
-              <a:latin typeface="Calibri"/>
+            <a:endParaRPr b="0" lang="en-US" sz="3200" spc="-1" strike="noStrike">
+              <a:solidFill>
+                <a:srgbClr val="000000"/>
+              </a:solidFill>
+              <a:latin typeface="Arial"/>
             </a:endParaRPr>
           </a:p>
         </p:txBody>
@@ -926,8 +892,8 @@
         </p:nvSpPr>
         <p:spPr>
           <a:xfrm>
-            <a:off x="7949160" y="4098240"/>
-            <a:ext cx="3385800" cy="2075040"/>
+            <a:off x="8029800" y="3682080"/>
+            <a:ext cx="3533040" cy="1896840"/>
           </a:xfrm>
           <a:prstGeom prst="rect">
             <a:avLst/>
@@ -943,19 +909,16 @@
           </a:bodyPr>
           <a:p>
             <a:pPr indent="0">
-              <a:lnSpc>
-                <a:spcPct val="90000"/>
-              </a:lnSpc>
               <a:spcBef>
                 <a:spcPts val="1417"/>
               </a:spcBef>
               <a:buNone/>
             </a:pPr>
-            <a:endParaRPr b="0" lang="en-US" sz="2800" spc="-1" strike="noStrike">
-              <a:solidFill>
-                <a:srgbClr val="000000"/>
-              </a:solidFill>
-              <a:latin typeface="Calibri"/>
+            <a:endParaRPr b="0" lang="en-US" sz="3200" spc="-1" strike="noStrike">
+              <a:solidFill>
+                <a:srgbClr val="000000"/>
+              </a:solidFill>
+              <a:latin typeface="Arial"/>
             </a:endParaRPr>
           </a:p>
         </p:txBody>
@@ -967,7 +930,7 @@
             <a:spLocks noGrp="1"/>
           </p:cNvSpPr>
           <p:nvPr>
-            <p:ph type="ftr" idx="2"/>
+            <p:ph type="ftr" idx="1"/>
           </p:nvPr>
         </p:nvSpPr>
         <p:spPr/>
@@ -987,14 +950,14 @@
             <a:spLocks noGrp="1"/>
           </p:cNvSpPr>
           <p:nvPr>
-            <p:ph type="sldNum" idx="3"/>
+            <p:ph type="sldNum" idx="2"/>
           </p:nvPr>
         </p:nvSpPr>
         <p:spPr/>
         <p:txBody>
           <a:bodyPr/>
           <a:p>
-            <a:fld id="{71EA8F71-1BAA-4639-A342-C116FEB18081}" type="slidenum">
+            <a:fld id="{1C5C3AE9-E060-4B8B-8494-67DFA6A8B715}" type="slidenum">
               <a:t>&lt;#&gt;</a:t>
             </a:fld>
           </a:p>
@@ -1007,7 +970,7 @@
             <a:spLocks noGrp="1"/>
           </p:cNvSpPr>
           <p:nvPr>
-            <p:ph type="dt" idx="1"/>
+            <p:ph type="dt" idx="3"/>
           </p:nvPr>
         </p:nvSpPr>
         <p:spPr/>
@@ -1050,7 +1013,7 @@
             <a:spLocks noGrp="1"/>
           </p:cNvSpPr>
           <p:nvPr>
-            <p:ph type="ftr" idx="5"/>
+            <p:ph type="ftr" idx="4"/>
           </p:nvPr>
         </p:nvSpPr>
         <p:spPr/>
@@ -1070,14 +1033,14 @@
             <a:spLocks noGrp="1"/>
           </p:cNvSpPr>
           <p:nvPr>
-            <p:ph type="sldNum" idx="6"/>
+            <p:ph type="sldNum" idx="5"/>
           </p:nvPr>
         </p:nvSpPr>
         <p:spPr/>
         <p:txBody>
           <a:bodyPr/>
           <a:p>
-            <a:fld id="{BF35504B-E22E-455B-8186-6EFE2E833360}" type="slidenum">
+            <a:fld id="{44A5DBDA-841F-442E-86DC-673BDAFDA479}" type="slidenum">
               <a:t>&lt;#&gt;</a:t>
             </a:fld>
           </a:p>
@@ -1090,7 +1053,7 @@
             <a:spLocks noGrp="1"/>
           </p:cNvSpPr>
           <p:nvPr>
-            <p:ph type="dt" idx="4"/>
+            <p:ph type="dt" idx="6"/>
           </p:nvPr>
         </p:nvSpPr>
         <p:spPr/>
@@ -1138,8 +1101,8 @@
         </p:nvSpPr>
         <p:spPr>
           <a:xfrm>
-            <a:off x="838080" y="365040"/>
-            <a:ext cx="10515240" cy="1325160"/>
+            <a:off x="609480" y="273600"/>
+            <a:ext cx="10972440" cy="1144800"/>
           </a:xfrm>
           <a:prstGeom prst="rect">
             <a:avLst/>
@@ -1154,14 +1117,14 @@
             <a:noAutofit/>
           </a:bodyPr>
           <a:p>
-            <a:pPr indent="0">
-              <a:buNone/>
-            </a:pPr>
-            <a:endParaRPr b="0" lang="en-US" sz="1800" spc="-1" strike="noStrike">
-              <a:solidFill>
-                <a:srgbClr val="000000"/>
-              </a:solidFill>
-              <a:latin typeface="Calibri"/>
+            <a:pPr indent="0" algn="ctr">
+              <a:buNone/>
+            </a:pPr>
+            <a:endParaRPr b="0" lang="en-US" sz="4400" spc="-1" strike="noStrike">
+              <a:solidFill>
+                <a:srgbClr val="000000"/>
+              </a:solidFill>
+              <a:latin typeface="Arial"/>
             </a:endParaRPr>
           </a:p>
         </p:txBody>
@@ -1178,8 +1141,8 @@
         </p:nvSpPr>
         <p:spPr>
           <a:xfrm>
-            <a:off x="838080" y="1825560"/>
-            <a:ext cx="10515240" cy="4350960"/>
+            <a:off x="609480" y="1604520"/>
+            <a:ext cx="10972440" cy="3977280"/>
           </a:xfrm>
           <a:prstGeom prst="rect">
             <a:avLst/>
@@ -1213,7 +1176,7 @@
             <a:spLocks noGrp="1"/>
           </p:cNvSpPr>
           <p:nvPr>
-            <p:ph type="ftr" idx="5"/>
+            <p:ph type="ftr" idx="4"/>
           </p:nvPr>
         </p:nvSpPr>
         <p:spPr/>
@@ -1233,14 +1196,14 @@
             <a:spLocks noGrp="1"/>
           </p:cNvSpPr>
           <p:nvPr>
-            <p:ph type="sldNum" idx="6"/>
+            <p:ph type="sldNum" idx="5"/>
           </p:nvPr>
         </p:nvSpPr>
         <p:spPr/>
         <p:txBody>
           <a:bodyPr/>
           <a:p>
-            <a:fld id="{9D1F27D9-71FD-4F57-B04E-067FAA583F11}" type="slidenum">
+            <a:fld id="{7EB8C4F0-2B65-4EAF-82B7-756A07834BB3}" type="slidenum">
               <a:t>&lt;#&gt;</a:t>
             </a:fld>
           </a:p>
@@ -1253,7 +1216,7 @@
             <a:spLocks noGrp="1"/>
           </p:cNvSpPr>
           <p:nvPr>
-            <p:ph type="dt" idx="4"/>
+            <p:ph type="dt" idx="6"/>
           </p:nvPr>
         </p:nvSpPr>
         <p:spPr/>
@@ -1301,8 +1264,8 @@
         </p:nvSpPr>
         <p:spPr>
           <a:xfrm>
-            <a:off x="838080" y="365040"/>
-            <a:ext cx="10515240" cy="1325160"/>
+            <a:off x="609480" y="273600"/>
+            <a:ext cx="10972440" cy="1144800"/>
           </a:xfrm>
           <a:prstGeom prst="rect">
             <a:avLst/>
@@ -1317,14 +1280,14 @@
             <a:noAutofit/>
           </a:bodyPr>
           <a:p>
-            <a:pPr indent="0">
-              <a:buNone/>
-            </a:pPr>
-            <a:endParaRPr b="0" lang="en-US" sz="1800" spc="-1" strike="noStrike">
-              <a:solidFill>
-                <a:srgbClr val="000000"/>
-              </a:solidFill>
-              <a:latin typeface="Calibri"/>
+            <a:pPr indent="0" algn="ctr">
+              <a:buNone/>
+            </a:pPr>
+            <a:endParaRPr b="0" lang="en-US" sz="4400" spc="-1" strike="noStrike">
+              <a:solidFill>
+                <a:srgbClr val="000000"/>
+              </a:solidFill>
+              <a:latin typeface="Arial"/>
             </a:endParaRPr>
           </a:p>
         </p:txBody>
@@ -1341,8 +1304,8 @@
         </p:nvSpPr>
         <p:spPr>
           <a:xfrm>
-            <a:off x="838080" y="1825560"/>
-            <a:ext cx="10515240" cy="4350960"/>
+            <a:off x="609480" y="1604520"/>
+            <a:ext cx="10972440" cy="3977280"/>
           </a:xfrm>
           <a:prstGeom prst="rect">
             <a:avLst/>
@@ -1358,19 +1321,16 @@
           </a:bodyPr>
           <a:p>
             <a:pPr indent="0">
-              <a:lnSpc>
-                <a:spcPct val="90000"/>
-              </a:lnSpc>
               <a:spcBef>
                 <a:spcPts val="1417"/>
               </a:spcBef>
               <a:buNone/>
             </a:pPr>
-            <a:endParaRPr b="0" lang="en-US" sz="2800" spc="-1" strike="noStrike">
-              <a:solidFill>
-                <a:srgbClr val="000000"/>
-              </a:solidFill>
-              <a:latin typeface="Calibri"/>
+            <a:endParaRPr b="0" lang="en-US" sz="3200" spc="-1" strike="noStrike">
+              <a:solidFill>
+                <a:srgbClr val="000000"/>
+              </a:solidFill>
+              <a:latin typeface="Arial"/>
             </a:endParaRPr>
           </a:p>
         </p:txBody>
@@ -1382,7 +1342,7 @@
             <a:spLocks noGrp="1"/>
           </p:cNvSpPr>
           <p:nvPr>
-            <p:ph type="ftr" idx="5"/>
+            <p:ph type="ftr" idx="4"/>
           </p:nvPr>
         </p:nvSpPr>
         <p:spPr/>
@@ -1402,14 +1362,14 @@
             <a:spLocks noGrp="1"/>
           </p:cNvSpPr>
           <p:nvPr>
-            <p:ph type="sldNum" idx="6"/>
+            <p:ph type="sldNum" idx="5"/>
           </p:nvPr>
         </p:nvSpPr>
         <p:spPr/>
         <p:txBody>
           <a:bodyPr/>
           <a:p>
-            <a:fld id="{2230C042-6710-403B-8CCC-8349F6BBC7DC}" type="slidenum">
+            <a:fld id="{7D202C8D-B2C1-40DD-9BCD-BF48D4838B71}" type="slidenum">
               <a:t>&lt;#&gt;</a:t>
             </a:fld>
           </a:p>
@@ -1422,7 +1382,7 @@
             <a:spLocks noGrp="1"/>
           </p:cNvSpPr>
           <p:nvPr>
-            <p:ph type="dt" idx="4"/>
+            <p:ph type="dt" idx="6"/>
           </p:nvPr>
         </p:nvSpPr>
         <p:spPr/>
@@ -1470,8 +1430,8 @@
         </p:nvSpPr>
         <p:spPr>
           <a:xfrm>
-            <a:off x="838080" y="365040"/>
-            <a:ext cx="10515240" cy="1325160"/>
+            <a:off x="609480" y="273600"/>
+            <a:ext cx="10972440" cy="1144800"/>
           </a:xfrm>
           <a:prstGeom prst="rect">
             <a:avLst/>
@@ -1486,14 +1446,14 @@
             <a:noAutofit/>
           </a:bodyPr>
           <a:p>
-            <a:pPr indent="0">
-              <a:buNone/>
-            </a:pPr>
-            <a:endParaRPr b="0" lang="en-US" sz="1800" spc="-1" strike="noStrike">
-              <a:solidFill>
-                <a:srgbClr val="000000"/>
-              </a:solidFill>
-              <a:latin typeface="Calibri"/>
+            <a:pPr indent="0" algn="ctr">
+              <a:buNone/>
+            </a:pPr>
+            <a:endParaRPr b="0" lang="en-US" sz="4400" spc="-1" strike="noStrike">
+              <a:solidFill>
+                <a:srgbClr val="000000"/>
+              </a:solidFill>
+              <a:latin typeface="Arial"/>
             </a:endParaRPr>
           </a:p>
         </p:txBody>
@@ -1510,8 +1470,8 @@
         </p:nvSpPr>
         <p:spPr>
           <a:xfrm>
-            <a:off x="838080" y="1825560"/>
-            <a:ext cx="5131080" cy="4350960"/>
+            <a:off x="609480" y="1604520"/>
+            <a:ext cx="5354280" cy="3977280"/>
           </a:xfrm>
           <a:prstGeom prst="rect">
             <a:avLst/>
@@ -1527,19 +1487,16 @@
           </a:bodyPr>
           <a:p>
             <a:pPr indent="0">
-              <a:lnSpc>
-                <a:spcPct val="90000"/>
-              </a:lnSpc>
               <a:spcBef>
                 <a:spcPts val="1417"/>
               </a:spcBef>
               <a:buNone/>
             </a:pPr>
-            <a:endParaRPr b="0" lang="en-US" sz="2800" spc="-1" strike="noStrike">
-              <a:solidFill>
-                <a:srgbClr val="000000"/>
-              </a:solidFill>
-              <a:latin typeface="Calibri"/>
+            <a:endParaRPr b="0" lang="en-US" sz="3200" spc="-1" strike="noStrike">
+              <a:solidFill>
+                <a:srgbClr val="000000"/>
+              </a:solidFill>
+              <a:latin typeface="Arial"/>
             </a:endParaRPr>
           </a:p>
         </p:txBody>
@@ -1556,8 +1513,8 @@
         </p:nvSpPr>
         <p:spPr>
           <a:xfrm>
-            <a:off x="6226200" y="1825560"/>
-            <a:ext cx="5131080" cy="4350960"/>
+            <a:off x="6231960" y="1604520"/>
+            <a:ext cx="5354280" cy="3977280"/>
           </a:xfrm>
           <a:prstGeom prst="rect">
             <a:avLst/>
@@ -1573,19 +1530,16 @@
           </a:bodyPr>
           <a:p>
             <a:pPr indent="0">
-              <a:lnSpc>
-                <a:spcPct val="90000"/>
-              </a:lnSpc>
               <a:spcBef>
                 <a:spcPts val="1417"/>
               </a:spcBef>
               <a:buNone/>
             </a:pPr>
-            <a:endParaRPr b="0" lang="en-US" sz="2800" spc="-1" strike="noStrike">
-              <a:solidFill>
-                <a:srgbClr val="000000"/>
-              </a:solidFill>
-              <a:latin typeface="Calibri"/>
+            <a:endParaRPr b="0" lang="en-US" sz="3200" spc="-1" strike="noStrike">
+              <a:solidFill>
+                <a:srgbClr val="000000"/>
+              </a:solidFill>
+              <a:latin typeface="Arial"/>
             </a:endParaRPr>
           </a:p>
         </p:txBody>
@@ -1597,7 +1551,7 @@
             <a:spLocks noGrp="1"/>
           </p:cNvSpPr>
           <p:nvPr>
-            <p:ph type="ftr" idx="5"/>
+            <p:ph type="ftr" idx="4"/>
           </p:nvPr>
         </p:nvSpPr>
         <p:spPr/>
@@ -1617,14 +1571,14 @@
             <a:spLocks noGrp="1"/>
           </p:cNvSpPr>
           <p:nvPr>
-            <p:ph type="sldNum" idx="6"/>
+            <p:ph type="sldNum" idx="5"/>
           </p:nvPr>
         </p:nvSpPr>
         <p:spPr/>
         <p:txBody>
           <a:bodyPr/>
           <a:p>
-            <a:fld id="{83C039CF-150C-4D64-A512-830BAE99F8FF}" type="slidenum">
+            <a:fld id="{B19594AB-1715-4D69-82D6-EB7639C3BC3D}" type="slidenum">
               <a:t>&lt;#&gt;</a:t>
             </a:fld>
           </a:p>
@@ -1637,7 +1591,7 @@
             <a:spLocks noGrp="1"/>
           </p:cNvSpPr>
           <p:nvPr>
-            <p:ph type="dt" idx="4"/>
+            <p:ph type="dt" idx="6"/>
           </p:nvPr>
         </p:nvSpPr>
         <p:spPr/>
@@ -1685,8 +1639,8 @@
         </p:nvSpPr>
         <p:spPr>
           <a:xfrm>
-            <a:off x="838080" y="365040"/>
-            <a:ext cx="10515240" cy="1325160"/>
+            <a:off x="609480" y="273600"/>
+            <a:ext cx="10972440" cy="1144800"/>
           </a:xfrm>
           <a:prstGeom prst="rect">
             <a:avLst/>
@@ -1701,14 +1655,14 @@
             <a:noAutofit/>
           </a:bodyPr>
           <a:p>
-            <a:pPr indent="0">
-              <a:buNone/>
-            </a:pPr>
-            <a:endParaRPr b="0" lang="en-US" sz="1800" spc="-1" strike="noStrike">
-              <a:solidFill>
-                <a:srgbClr val="000000"/>
-              </a:solidFill>
-              <a:latin typeface="Calibri"/>
+            <a:pPr indent="0" algn="ctr">
+              <a:buNone/>
+            </a:pPr>
+            <a:endParaRPr b="0" lang="en-US" sz="4400" spc="-1" strike="noStrike">
+              <a:solidFill>
+                <a:srgbClr val="000000"/>
+              </a:solidFill>
+              <a:latin typeface="Arial"/>
             </a:endParaRPr>
           </a:p>
         </p:txBody>
@@ -1720,7 +1674,7 @@
             <a:spLocks noGrp="1"/>
           </p:cNvSpPr>
           <p:nvPr>
-            <p:ph type="ftr" idx="5"/>
+            <p:ph type="ftr" idx="4"/>
           </p:nvPr>
         </p:nvSpPr>
         <p:spPr/>
@@ -1740,14 +1694,14 @@
             <a:spLocks noGrp="1"/>
           </p:cNvSpPr>
           <p:nvPr>
-            <p:ph type="sldNum" idx="6"/>
+            <p:ph type="sldNum" idx="5"/>
           </p:nvPr>
         </p:nvSpPr>
         <p:spPr/>
         <p:txBody>
           <a:bodyPr/>
           <a:p>
-            <a:fld id="{C0F6492B-DCC1-4CD5-98D6-DD0D4E4F448E}" type="slidenum">
+            <a:fld id="{DB9B9E4B-BA32-4A06-873A-B7BB19970EB0}" type="slidenum">
               <a:t>&lt;#&gt;</a:t>
             </a:fld>
           </a:p>
@@ -1760,7 +1714,7 @@
             <a:spLocks noGrp="1"/>
           </p:cNvSpPr>
           <p:nvPr>
-            <p:ph type="dt" idx="4"/>
+            <p:ph type="dt" idx="6"/>
           </p:nvPr>
         </p:nvSpPr>
         <p:spPr/>
@@ -1808,8 +1762,8 @@
         </p:nvSpPr>
         <p:spPr>
           <a:xfrm>
-            <a:off x="838080" y="365040"/>
-            <a:ext cx="10515240" cy="6144120"/>
+            <a:off x="609480" y="273600"/>
+            <a:ext cx="10972440" cy="5307840"/>
           </a:xfrm>
           <a:prstGeom prst="rect">
             <a:avLst/>
@@ -1841,7 +1795,7 @@
             <a:spLocks noGrp="1"/>
           </p:cNvSpPr>
           <p:nvPr>
-            <p:ph type="ftr" idx="5"/>
+            <p:ph type="ftr" idx="4"/>
           </p:nvPr>
         </p:nvSpPr>
         <p:spPr/>
@@ -1861,14 +1815,14 @@
             <a:spLocks noGrp="1"/>
           </p:cNvSpPr>
           <p:nvPr>
-            <p:ph type="sldNum" idx="6"/>
+            <p:ph type="sldNum" idx="5"/>
           </p:nvPr>
         </p:nvSpPr>
         <p:spPr/>
         <p:txBody>
           <a:bodyPr/>
           <a:p>
-            <a:fld id="{45113894-8F1F-45FF-ABC8-B766398E35AC}" type="slidenum">
+            <a:fld id="{4F1566CC-400C-4F80-96F9-B081AB7695D2}" type="slidenum">
               <a:t>&lt;#&gt;</a:t>
             </a:fld>
           </a:p>
@@ -1881,7 +1835,7 @@
             <a:spLocks noGrp="1"/>
           </p:cNvSpPr>
           <p:nvPr>
-            <p:ph type="dt" idx="4"/>
+            <p:ph type="dt" idx="6"/>
           </p:nvPr>
         </p:nvSpPr>
         <p:spPr/>
@@ -1929,8 +1883,8 @@
         </p:nvSpPr>
         <p:spPr>
           <a:xfrm>
-            <a:off x="838080" y="365040"/>
-            <a:ext cx="10515240" cy="1325160"/>
+            <a:off x="609480" y="273600"/>
+            <a:ext cx="10972440" cy="1144800"/>
           </a:xfrm>
           <a:prstGeom prst="rect">
             <a:avLst/>
@@ -1945,14 +1899,14 @@
             <a:noAutofit/>
           </a:bodyPr>
           <a:p>
-            <a:pPr indent="0">
-              <a:buNone/>
-            </a:pPr>
-            <a:endParaRPr b="0" lang="en-US" sz="1800" spc="-1" strike="noStrike">
-              <a:solidFill>
-                <a:srgbClr val="000000"/>
-              </a:solidFill>
-              <a:latin typeface="Calibri"/>
+            <a:pPr indent="0" algn="ctr">
+              <a:buNone/>
+            </a:pPr>
+            <a:endParaRPr b="0" lang="en-US" sz="4400" spc="-1" strike="noStrike">
+              <a:solidFill>
+                <a:srgbClr val="000000"/>
+              </a:solidFill>
+              <a:latin typeface="Arial"/>
             </a:endParaRPr>
           </a:p>
         </p:txBody>
@@ -1969,8 +1923,8 @@
         </p:nvSpPr>
         <p:spPr>
           <a:xfrm>
-            <a:off x="838080" y="1825560"/>
-            <a:ext cx="5131080" cy="2075040"/>
+            <a:off x="609480" y="1604520"/>
+            <a:ext cx="5354280" cy="1896840"/>
           </a:xfrm>
           <a:prstGeom prst="rect">
             <a:avLst/>
@@ -1986,19 +1940,16 @@
           </a:bodyPr>
           <a:p>
             <a:pPr indent="0">
-              <a:lnSpc>
-                <a:spcPct val="90000"/>
-              </a:lnSpc>
               <a:spcBef>
                 <a:spcPts val="1417"/>
               </a:spcBef>
               <a:buNone/>
             </a:pPr>
-            <a:endParaRPr b="0" lang="en-US" sz="2800" spc="-1" strike="noStrike">
-              <a:solidFill>
-                <a:srgbClr val="000000"/>
-              </a:solidFill>
-              <a:latin typeface="Calibri"/>
+            <a:endParaRPr b="0" lang="en-US" sz="3200" spc="-1" strike="noStrike">
+              <a:solidFill>
+                <a:srgbClr val="000000"/>
+              </a:solidFill>
+              <a:latin typeface="Arial"/>
             </a:endParaRPr>
           </a:p>
         </p:txBody>
@@ -2015,8 +1966,8 @@
         </p:nvSpPr>
         <p:spPr>
           <a:xfrm>
-            <a:off x="6226200" y="1825560"/>
-            <a:ext cx="5131080" cy="4350960"/>
+            <a:off x="6231960" y="1604520"/>
+            <a:ext cx="5354280" cy="3977280"/>
           </a:xfrm>
           <a:prstGeom prst="rect">
             <a:avLst/>
@@ -2032,19 +1983,16 @@
           </a:bodyPr>
           <a:p>
             <a:pPr indent="0">
-              <a:lnSpc>
-                <a:spcPct val="90000"/>
-              </a:lnSpc>
               <a:spcBef>
                 <a:spcPts val="1417"/>
               </a:spcBef>
               <a:buNone/>
             </a:pPr>
-            <a:endParaRPr b="0" lang="en-US" sz="2800" spc="-1" strike="noStrike">
-              <a:solidFill>
-                <a:srgbClr val="000000"/>
-              </a:solidFill>
-              <a:latin typeface="Calibri"/>
+            <a:endParaRPr b="0" lang="en-US" sz="3200" spc="-1" strike="noStrike">
+              <a:solidFill>
+                <a:srgbClr val="000000"/>
+              </a:solidFill>
+              <a:latin typeface="Arial"/>
             </a:endParaRPr>
           </a:p>
         </p:txBody>
@@ -2061,8 +2009,8 @@
         </p:nvSpPr>
         <p:spPr>
           <a:xfrm>
-            <a:off x="838080" y="4098240"/>
-            <a:ext cx="5131080" cy="2075040"/>
+            <a:off x="609480" y="3682080"/>
+            <a:ext cx="5354280" cy="1896840"/>
           </a:xfrm>
           <a:prstGeom prst="rect">
             <a:avLst/>
@@ -2078,19 +2026,16 @@
           </a:bodyPr>
           <a:p>
             <a:pPr indent="0">
-              <a:lnSpc>
-                <a:spcPct val="90000"/>
-              </a:lnSpc>
               <a:spcBef>
                 <a:spcPts val="1417"/>
               </a:spcBef>
               <a:buNone/>
             </a:pPr>
-            <a:endParaRPr b="0" lang="en-US" sz="2800" spc="-1" strike="noStrike">
-              <a:solidFill>
-                <a:srgbClr val="000000"/>
-              </a:solidFill>
-              <a:latin typeface="Calibri"/>
+            <a:endParaRPr b="0" lang="en-US" sz="3200" spc="-1" strike="noStrike">
+              <a:solidFill>
+                <a:srgbClr val="000000"/>
+              </a:solidFill>
+              <a:latin typeface="Arial"/>
             </a:endParaRPr>
           </a:p>
         </p:txBody>
@@ -2102,7 +2047,7 @@
             <a:spLocks noGrp="1"/>
           </p:cNvSpPr>
           <p:nvPr>
-            <p:ph type="ftr" idx="5"/>
+            <p:ph type="ftr" idx="4"/>
           </p:nvPr>
         </p:nvSpPr>
         <p:spPr/>
@@ -2122,14 +2067,14 @@
             <a:spLocks noGrp="1"/>
           </p:cNvSpPr>
           <p:nvPr>
-            <p:ph type="sldNum" idx="6"/>
+            <p:ph type="sldNum" idx="5"/>
           </p:nvPr>
         </p:nvSpPr>
         <p:spPr/>
         <p:txBody>
           <a:bodyPr/>
           <a:p>
-            <a:fld id="{C57E35E2-E17D-4097-8677-CAC7CD6D2739}" type="slidenum">
+            <a:fld id="{E62E6681-F3D6-43E8-897A-F864FFAF6462}" type="slidenum">
               <a:t>&lt;#&gt;</a:t>
             </a:fld>
           </a:p>
@@ -2142,7 +2087,7 @@
             <a:spLocks noGrp="1"/>
           </p:cNvSpPr>
           <p:nvPr>
-            <p:ph type="dt" idx="4"/>
+            <p:ph type="dt" idx="6"/>
           </p:nvPr>
         </p:nvSpPr>
         <p:spPr/>
@@ -2190,8 +2135,8 @@
         </p:nvSpPr>
         <p:spPr>
           <a:xfrm>
-            <a:off x="838080" y="365040"/>
-            <a:ext cx="10515240" cy="1325160"/>
+            <a:off x="609480" y="273600"/>
+            <a:ext cx="10972440" cy="1144800"/>
           </a:xfrm>
           <a:prstGeom prst="rect">
             <a:avLst/>
@@ -2206,14 +2151,14 @@
             <a:noAutofit/>
           </a:bodyPr>
           <a:p>
-            <a:pPr indent="0">
-              <a:buNone/>
-            </a:pPr>
-            <a:endParaRPr b="0" lang="en-US" sz="1800" spc="-1" strike="noStrike">
-              <a:solidFill>
-                <a:srgbClr val="000000"/>
-              </a:solidFill>
-              <a:latin typeface="Calibri"/>
+            <a:pPr indent="0" algn="ctr">
+              <a:buNone/>
+            </a:pPr>
+            <a:endParaRPr b="0" lang="en-US" sz="4400" spc="-1" strike="noStrike">
+              <a:solidFill>
+                <a:srgbClr val="000000"/>
+              </a:solidFill>
+              <a:latin typeface="Arial"/>
             </a:endParaRPr>
           </a:p>
         </p:txBody>
@@ -2230,8 +2175,8 @@
         </p:nvSpPr>
         <p:spPr>
           <a:xfrm>
-            <a:off x="838080" y="1825560"/>
-            <a:ext cx="10515240" cy="4350960"/>
+            <a:off x="609480" y="1604520"/>
+            <a:ext cx="10972440" cy="3977280"/>
           </a:xfrm>
           <a:prstGeom prst="rect">
             <a:avLst/>
@@ -2265,7 +2210,7 @@
             <a:spLocks noGrp="1"/>
           </p:cNvSpPr>
           <p:nvPr>
-            <p:ph type="ftr" idx="2"/>
+            <p:ph type="ftr" idx="1"/>
           </p:nvPr>
         </p:nvSpPr>
         <p:spPr/>
@@ -2285,14 +2230,14 @@
             <a:spLocks noGrp="1"/>
           </p:cNvSpPr>
           <p:nvPr>
-            <p:ph type="sldNum" idx="3"/>
+            <p:ph type="sldNum" idx="2"/>
           </p:nvPr>
         </p:nvSpPr>
         <p:spPr/>
         <p:txBody>
           <a:bodyPr/>
           <a:p>
-            <a:fld id="{F65F4C41-F3F1-4FC2-8AFB-91D8D2DCAB5D}" type="slidenum">
+            <a:fld id="{B9E598CE-A88B-48B4-8F3E-5107B9034EC5}" type="slidenum">
               <a:t>&lt;#&gt;</a:t>
             </a:fld>
           </a:p>
@@ -2305,7 +2250,7 @@
             <a:spLocks noGrp="1"/>
           </p:cNvSpPr>
           <p:nvPr>
-            <p:ph type="dt" idx="1"/>
+            <p:ph type="dt" idx="3"/>
           </p:nvPr>
         </p:nvSpPr>
         <p:spPr/>
@@ -2353,8 +2298,8 @@
         </p:nvSpPr>
         <p:spPr>
           <a:xfrm>
-            <a:off x="838080" y="365040"/>
-            <a:ext cx="10515240" cy="1325160"/>
+            <a:off x="609480" y="273600"/>
+            <a:ext cx="10972440" cy="1144800"/>
           </a:xfrm>
           <a:prstGeom prst="rect">
             <a:avLst/>
@@ -2369,14 +2314,14 @@
             <a:noAutofit/>
           </a:bodyPr>
           <a:p>
-            <a:pPr indent="0">
-              <a:buNone/>
-            </a:pPr>
-            <a:endParaRPr b="0" lang="en-US" sz="1800" spc="-1" strike="noStrike">
-              <a:solidFill>
-                <a:srgbClr val="000000"/>
-              </a:solidFill>
-              <a:latin typeface="Calibri"/>
+            <a:pPr indent="0" algn="ctr">
+              <a:buNone/>
+            </a:pPr>
+            <a:endParaRPr b="0" lang="en-US" sz="4400" spc="-1" strike="noStrike">
+              <a:solidFill>
+                <a:srgbClr val="000000"/>
+              </a:solidFill>
+              <a:latin typeface="Arial"/>
             </a:endParaRPr>
           </a:p>
         </p:txBody>
@@ -2393,8 +2338,8 @@
         </p:nvSpPr>
         <p:spPr>
           <a:xfrm>
-            <a:off x="838080" y="1825560"/>
-            <a:ext cx="5131080" cy="4350960"/>
+            <a:off x="609480" y="1604520"/>
+            <a:ext cx="5354280" cy="3977280"/>
           </a:xfrm>
           <a:prstGeom prst="rect">
             <a:avLst/>
@@ -2410,19 +2355,16 @@
           </a:bodyPr>
           <a:p>
             <a:pPr indent="0">
-              <a:lnSpc>
-                <a:spcPct val="90000"/>
-              </a:lnSpc>
               <a:spcBef>
                 <a:spcPts val="1417"/>
               </a:spcBef>
               <a:buNone/>
             </a:pPr>
-            <a:endParaRPr b="0" lang="en-US" sz="2800" spc="-1" strike="noStrike">
-              <a:solidFill>
-                <a:srgbClr val="000000"/>
-              </a:solidFill>
-              <a:latin typeface="Calibri"/>
+            <a:endParaRPr b="0" lang="en-US" sz="3200" spc="-1" strike="noStrike">
+              <a:solidFill>
+                <a:srgbClr val="000000"/>
+              </a:solidFill>
+              <a:latin typeface="Arial"/>
             </a:endParaRPr>
           </a:p>
         </p:txBody>
@@ -2439,8 +2381,8 @@
         </p:nvSpPr>
         <p:spPr>
           <a:xfrm>
-            <a:off x="6226200" y="1825560"/>
-            <a:ext cx="5131080" cy="2075040"/>
+            <a:off x="6231960" y="1604520"/>
+            <a:ext cx="5354280" cy="1896840"/>
           </a:xfrm>
           <a:prstGeom prst="rect">
             <a:avLst/>
@@ -2456,19 +2398,16 @@
           </a:bodyPr>
           <a:p>
             <a:pPr indent="0">
-              <a:lnSpc>
-                <a:spcPct val="90000"/>
-              </a:lnSpc>
               <a:spcBef>
                 <a:spcPts val="1417"/>
               </a:spcBef>
               <a:buNone/>
             </a:pPr>
-            <a:endParaRPr b="0" lang="en-US" sz="2800" spc="-1" strike="noStrike">
-              <a:solidFill>
-                <a:srgbClr val="000000"/>
-              </a:solidFill>
-              <a:latin typeface="Calibri"/>
+            <a:endParaRPr b="0" lang="en-US" sz="3200" spc="-1" strike="noStrike">
+              <a:solidFill>
+                <a:srgbClr val="000000"/>
+              </a:solidFill>
+              <a:latin typeface="Arial"/>
             </a:endParaRPr>
           </a:p>
         </p:txBody>
@@ -2485,8 +2424,8 @@
         </p:nvSpPr>
         <p:spPr>
           <a:xfrm>
-            <a:off x="6226200" y="4098240"/>
-            <a:ext cx="5131080" cy="2075040"/>
+            <a:off x="6231960" y="3682080"/>
+            <a:ext cx="5354280" cy="1896840"/>
           </a:xfrm>
           <a:prstGeom prst="rect">
             <a:avLst/>
@@ -2502,19 +2441,16 @@
           </a:bodyPr>
           <a:p>
             <a:pPr indent="0">
-              <a:lnSpc>
-                <a:spcPct val="90000"/>
-              </a:lnSpc>
               <a:spcBef>
                 <a:spcPts val="1417"/>
               </a:spcBef>
               <a:buNone/>
             </a:pPr>
-            <a:endParaRPr b="0" lang="en-US" sz="2800" spc="-1" strike="noStrike">
-              <a:solidFill>
-                <a:srgbClr val="000000"/>
-              </a:solidFill>
-              <a:latin typeface="Calibri"/>
+            <a:endParaRPr b="0" lang="en-US" sz="3200" spc="-1" strike="noStrike">
+              <a:solidFill>
+                <a:srgbClr val="000000"/>
+              </a:solidFill>
+              <a:latin typeface="Arial"/>
             </a:endParaRPr>
           </a:p>
         </p:txBody>
@@ -2526,7 +2462,7 @@
             <a:spLocks noGrp="1"/>
           </p:cNvSpPr>
           <p:nvPr>
-            <p:ph type="ftr" idx="5"/>
+            <p:ph type="ftr" idx="4"/>
           </p:nvPr>
         </p:nvSpPr>
         <p:spPr/>
@@ -2546,14 +2482,14 @@
             <a:spLocks noGrp="1"/>
           </p:cNvSpPr>
           <p:nvPr>
-            <p:ph type="sldNum" idx="6"/>
+            <p:ph type="sldNum" idx="5"/>
           </p:nvPr>
         </p:nvSpPr>
         <p:spPr/>
         <p:txBody>
           <a:bodyPr/>
           <a:p>
-            <a:fld id="{BF6FCB75-1885-4C37-ACF1-7FAE7EF0EBEB}" type="slidenum">
+            <a:fld id="{6D8FCC05-0D1C-4007-8A61-159988019074}" type="slidenum">
               <a:t>&lt;#&gt;</a:t>
             </a:fld>
           </a:p>
@@ -2566,7 +2502,7 @@
             <a:spLocks noGrp="1"/>
           </p:cNvSpPr>
           <p:nvPr>
-            <p:ph type="dt" idx="4"/>
+            <p:ph type="dt" idx="6"/>
           </p:nvPr>
         </p:nvSpPr>
         <p:spPr/>
@@ -2614,8 +2550,8 @@
         </p:nvSpPr>
         <p:spPr>
           <a:xfrm>
-            <a:off x="838080" y="365040"/>
-            <a:ext cx="10515240" cy="1325160"/>
+            <a:off x="609480" y="273600"/>
+            <a:ext cx="10972440" cy="1144800"/>
           </a:xfrm>
           <a:prstGeom prst="rect">
             <a:avLst/>
@@ -2630,14 +2566,14 @@
             <a:noAutofit/>
           </a:bodyPr>
           <a:p>
-            <a:pPr indent="0">
-              <a:buNone/>
-            </a:pPr>
-            <a:endParaRPr b="0" lang="en-US" sz="1800" spc="-1" strike="noStrike">
-              <a:solidFill>
-                <a:srgbClr val="000000"/>
-              </a:solidFill>
-              <a:latin typeface="Calibri"/>
+            <a:pPr indent="0" algn="ctr">
+              <a:buNone/>
+            </a:pPr>
+            <a:endParaRPr b="0" lang="en-US" sz="4400" spc="-1" strike="noStrike">
+              <a:solidFill>
+                <a:srgbClr val="000000"/>
+              </a:solidFill>
+              <a:latin typeface="Arial"/>
             </a:endParaRPr>
           </a:p>
         </p:txBody>
@@ -2654,8 +2590,8 @@
         </p:nvSpPr>
         <p:spPr>
           <a:xfrm>
-            <a:off x="838080" y="1825560"/>
-            <a:ext cx="5131080" cy="2075040"/>
+            <a:off x="609480" y="1604520"/>
+            <a:ext cx="5354280" cy="1896840"/>
           </a:xfrm>
           <a:prstGeom prst="rect">
             <a:avLst/>
@@ -2671,19 +2607,16 @@
           </a:bodyPr>
           <a:p>
             <a:pPr indent="0">
-              <a:lnSpc>
-                <a:spcPct val="90000"/>
-              </a:lnSpc>
               <a:spcBef>
                 <a:spcPts val="1417"/>
               </a:spcBef>
               <a:buNone/>
             </a:pPr>
-            <a:endParaRPr b="0" lang="en-US" sz="2800" spc="-1" strike="noStrike">
-              <a:solidFill>
-                <a:srgbClr val="000000"/>
-              </a:solidFill>
-              <a:latin typeface="Calibri"/>
+            <a:endParaRPr b="0" lang="en-US" sz="3200" spc="-1" strike="noStrike">
+              <a:solidFill>
+                <a:srgbClr val="000000"/>
+              </a:solidFill>
+              <a:latin typeface="Arial"/>
             </a:endParaRPr>
           </a:p>
         </p:txBody>
@@ -2700,8 +2633,8 @@
         </p:nvSpPr>
         <p:spPr>
           <a:xfrm>
-            <a:off x="6226200" y="1825560"/>
-            <a:ext cx="5131080" cy="2075040"/>
+            <a:off x="6231960" y="1604520"/>
+            <a:ext cx="5354280" cy="1896840"/>
           </a:xfrm>
           <a:prstGeom prst="rect">
             <a:avLst/>
@@ -2717,19 +2650,16 @@
           </a:bodyPr>
           <a:p>
             <a:pPr indent="0">
-              <a:lnSpc>
-                <a:spcPct val="90000"/>
-              </a:lnSpc>
               <a:spcBef>
                 <a:spcPts val="1417"/>
               </a:spcBef>
               <a:buNone/>
             </a:pPr>
-            <a:endParaRPr b="0" lang="en-US" sz="2800" spc="-1" strike="noStrike">
-              <a:solidFill>
-                <a:srgbClr val="000000"/>
-              </a:solidFill>
-              <a:latin typeface="Calibri"/>
+            <a:endParaRPr b="0" lang="en-US" sz="3200" spc="-1" strike="noStrike">
+              <a:solidFill>
+                <a:srgbClr val="000000"/>
+              </a:solidFill>
+              <a:latin typeface="Arial"/>
             </a:endParaRPr>
           </a:p>
         </p:txBody>
@@ -2746,8 +2676,8 @@
         </p:nvSpPr>
         <p:spPr>
           <a:xfrm>
-            <a:off x="838080" y="4098240"/>
-            <a:ext cx="10515240" cy="2075040"/>
+            <a:off x="609480" y="3682080"/>
+            <a:ext cx="10972440" cy="1896840"/>
           </a:xfrm>
           <a:prstGeom prst="rect">
             <a:avLst/>
@@ -2763,19 +2693,16 @@
           </a:bodyPr>
           <a:p>
             <a:pPr indent="0">
-              <a:lnSpc>
-                <a:spcPct val="90000"/>
-              </a:lnSpc>
               <a:spcBef>
                 <a:spcPts val="1417"/>
               </a:spcBef>
               <a:buNone/>
             </a:pPr>
-            <a:endParaRPr b="0" lang="en-US" sz="2800" spc="-1" strike="noStrike">
-              <a:solidFill>
-                <a:srgbClr val="000000"/>
-              </a:solidFill>
-              <a:latin typeface="Calibri"/>
+            <a:endParaRPr b="0" lang="en-US" sz="3200" spc="-1" strike="noStrike">
+              <a:solidFill>
+                <a:srgbClr val="000000"/>
+              </a:solidFill>
+              <a:latin typeface="Arial"/>
             </a:endParaRPr>
           </a:p>
         </p:txBody>
@@ -2787,7 +2714,7 @@
             <a:spLocks noGrp="1"/>
           </p:cNvSpPr>
           <p:nvPr>
-            <p:ph type="ftr" idx="5"/>
+            <p:ph type="ftr" idx="4"/>
           </p:nvPr>
         </p:nvSpPr>
         <p:spPr/>
@@ -2807,14 +2734,14 @@
             <a:spLocks noGrp="1"/>
           </p:cNvSpPr>
           <p:nvPr>
-            <p:ph type="sldNum" idx="6"/>
+            <p:ph type="sldNum" idx="5"/>
           </p:nvPr>
         </p:nvSpPr>
         <p:spPr/>
         <p:txBody>
           <a:bodyPr/>
           <a:p>
-            <a:fld id="{4E6396C6-1584-44E8-9F91-7705258871D8}" type="slidenum">
+            <a:fld id="{BF1B5ACF-3D9C-4ED0-9185-6266E35C3138}" type="slidenum">
               <a:t>&lt;#&gt;</a:t>
             </a:fld>
           </a:p>
@@ -2827,7 +2754,7 @@
             <a:spLocks noGrp="1"/>
           </p:cNvSpPr>
           <p:nvPr>
-            <p:ph type="dt" idx="4"/>
+            <p:ph type="dt" idx="6"/>
           </p:nvPr>
         </p:nvSpPr>
         <p:spPr/>
@@ -2875,8 +2802,8 @@
         </p:nvSpPr>
         <p:spPr>
           <a:xfrm>
-            <a:off x="838080" y="365040"/>
-            <a:ext cx="10515240" cy="1325160"/>
+            <a:off x="609480" y="273600"/>
+            <a:ext cx="10972440" cy="1144800"/>
           </a:xfrm>
           <a:prstGeom prst="rect">
             <a:avLst/>
@@ -2891,14 +2818,14 @@
             <a:noAutofit/>
           </a:bodyPr>
           <a:p>
-            <a:pPr indent="0">
-              <a:buNone/>
-            </a:pPr>
-            <a:endParaRPr b="0" lang="en-US" sz="1800" spc="-1" strike="noStrike">
-              <a:solidFill>
-                <a:srgbClr val="000000"/>
-              </a:solidFill>
-              <a:latin typeface="Calibri"/>
+            <a:pPr indent="0" algn="ctr">
+              <a:buNone/>
+            </a:pPr>
+            <a:endParaRPr b="0" lang="en-US" sz="4400" spc="-1" strike="noStrike">
+              <a:solidFill>
+                <a:srgbClr val="000000"/>
+              </a:solidFill>
+              <a:latin typeface="Arial"/>
             </a:endParaRPr>
           </a:p>
         </p:txBody>
@@ -2915,8 +2842,8 @@
         </p:nvSpPr>
         <p:spPr>
           <a:xfrm>
-            <a:off x="838080" y="1825560"/>
-            <a:ext cx="10515240" cy="2075040"/>
+            <a:off x="609480" y="1604520"/>
+            <a:ext cx="10972440" cy="1896840"/>
           </a:xfrm>
           <a:prstGeom prst="rect">
             <a:avLst/>
@@ -2932,19 +2859,16 @@
           </a:bodyPr>
           <a:p>
             <a:pPr indent="0">
-              <a:lnSpc>
-                <a:spcPct val="90000"/>
-              </a:lnSpc>
               <a:spcBef>
                 <a:spcPts val="1417"/>
               </a:spcBef>
               <a:buNone/>
             </a:pPr>
-            <a:endParaRPr b="0" lang="en-US" sz="2800" spc="-1" strike="noStrike">
-              <a:solidFill>
-                <a:srgbClr val="000000"/>
-              </a:solidFill>
-              <a:latin typeface="Calibri"/>
+            <a:endParaRPr b="0" lang="en-US" sz="3200" spc="-1" strike="noStrike">
+              <a:solidFill>
+                <a:srgbClr val="000000"/>
+              </a:solidFill>
+              <a:latin typeface="Arial"/>
             </a:endParaRPr>
           </a:p>
         </p:txBody>
@@ -2961,8 +2885,8 @@
         </p:nvSpPr>
         <p:spPr>
           <a:xfrm>
-            <a:off x="838080" y="4098240"/>
-            <a:ext cx="10515240" cy="2075040"/>
+            <a:off x="609480" y="3682080"/>
+            <a:ext cx="10972440" cy="1896840"/>
           </a:xfrm>
           <a:prstGeom prst="rect">
             <a:avLst/>
@@ -2978,19 +2902,16 @@
           </a:bodyPr>
           <a:p>
             <a:pPr indent="0">
-              <a:lnSpc>
-                <a:spcPct val="90000"/>
-              </a:lnSpc>
               <a:spcBef>
                 <a:spcPts val="1417"/>
               </a:spcBef>
               <a:buNone/>
             </a:pPr>
-            <a:endParaRPr b="0" lang="en-US" sz="2800" spc="-1" strike="noStrike">
-              <a:solidFill>
-                <a:srgbClr val="000000"/>
-              </a:solidFill>
-              <a:latin typeface="Calibri"/>
+            <a:endParaRPr b="0" lang="en-US" sz="3200" spc="-1" strike="noStrike">
+              <a:solidFill>
+                <a:srgbClr val="000000"/>
+              </a:solidFill>
+              <a:latin typeface="Arial"/>
             </a:endParaRPr>
           </a:p>
         </p:txBody>
@@ -3002,7 +2923,7 @@
             <a:spLocks noGrp="1"/>
           </p:cNvSpPr>
           <p:nvPr>
-            <p:ph type="ftr" idx="5"/>
+            <p:ph type="ftr" idx="4"/>
           </p:nvPr>
         </p:nvSpPr>
         <p:spPr/>
@@ -3022,14 +2943,14 @@
             <a:spLocks noGrp="1"/>
           </p:cNvSpPr>
           <p:nvPr>
-            <p:ph type="sldNum" idx="6"/>
+            <p:ph type="sldNum" idx="5"/>
           </p:nvPr>
         </p:nvSpPr>
         <p:spPr/>
         <p:txBody>
           <a:bodyPr/>
           <a:p>
-            <a:fld id="{23A61257-BCF2-43C7-9E1D-4394CCE66A32}" type="slidenum">
+            <a:fld id="{824A1476-71F6-4810-9017-2AB5238AC557}" type="slidenum">
               <a:t>&lt;#&gt;</a:t>
             </a:fld>
           </a:p>
@@ -3042,7 +2963,7 @@
             <a:spLocks noGrp="1"/>
           </p:cNvSpPr>
           <p:nvPr>
-            <p:ph type="dt" idx="4"/>
+            <p:ph type="dt" idx="6"/>
           </p:nvPr>
         </p:nvSpPr>
         <p:spPr/>
@@ -3090,8 +3011,8 @@
         </p:nvSpPr>
         <p:spPr>
           <a:xfrm>
-            <a:off x="838080" y="365040"/>
-            <a:ext cx="10515240" cy="1325160"/>
+            <a:off x="609480" y="273600"/>
+            <a:ext cx="10972440" cy="1144800"/>
           </a:xfrm>
           <a:prstGeom prst="rect">
             <a:avLst/>
@@ -3106,14 +3027,14 @@
             <a:noAutofit/>
           </a:bodyPr>
           <a:p>
-            <a:pPr indent="0">
-              <a:buNone/>
-            </a:pPr>
-            <a:endParaRPr b="0" lang="en-US" sz="1800" spc="-1" strike="noStrike">
-              <a:solidFill>
-                <a:srgbClr val="000000"/>
-              </a:solidFill>
-              <a:latin typeface="Calibri"/>
+            <a:pPr indent="0" algn="ctr">
+              <a:buNone/>
+            </a:pPr>
+            <a:endParaRPr b="0" lang="en-US" sz="4400" spc="-1" strike="noStrike">
+              <a:solidFill>
+                <a:srgbClr val="000000"/>
+              </a:solidFill>
+              <a:latin typeface="Arial"/>
             </a:endParaRPr>
           </a:p>
         </p:txBody>
@@ -3130,8 +3051,8 @@
         </p:nvSpPr>
         <p:spPr>
           <a:xfrm>
-            <a:off x="838080" y="1825560"/>
-            <a:ext cx="5131080" cy="2075040"/>
+            <a:off x="609480" y="1604520"/>
+            <a:ext cx="5354280" cy="1896840"/>
           </a:xfrm>
           <a:prstGeom prst="rect">
             <a:avLst/>
@@ -3147,19 +3068,16 @@
           </a:bodyPr>
           <a:p>
             <a:pPr indent="0">
-              <a:lnSpc>
-                <a:spcPct val="90000"/>
-              </a:lnSpc>
               <a:spcBef>
                 <a:spcPts val="1417"/>
               </a:spcBef>
               <a:buNone/>
             </a:pPr>
-            <a:endParaRPr b="0" lang="en-US" sz="2800" spc="-1" strike="noStrike">
-              <a:solidFill>
-                <a:srgbClr val="000000"/>
-              </a:solidFill>
-              <a:latin typeface="Calibri"/>
+            <a:endParaRPr b="0" lang="en-US" sz="3200" spc="-1" strike="noStrike">
+              <a:solidFill>
+                <a:srgbClr val="000000"/>
+              </a:solidFill>
+              <a:latin typeface="Arial"/>
             </a:endParaRPr>
           </a:p>
         </p:txBody>
@@ -3176,8 +3094,8 @@
         </p:nvSpPr>
         <p:spPr>
           <a:xfrm>
-            <a:off x="6226200" y="1825560"/>
-            <a:ext cx="5131080" cy="2075040"/>
+            <a:off x="6231960" y="1604520"/>
+            <a:ext cx="5354280" cy="1896840"/>
           </a:xfrm>
           <a:prstGeom prst="rect">
             <a:avLst/>
@@ -3193,19 +3111,16 @@
           </a:bodyPr>
           <a:p>
             <a:pPr indent="0">
-              <a:lnSpc>
-                <a:spcPct val="90000"/>
-              </a:lnSpc>
               <a:spcBef>
                 <a:spcPts val="1417"/>
               </a:spcBef>
               <a:buNone/>
             </a:pPr>
-            <a:endParaRPr b="0" lang="en-US" sz="2800" spc="-1" strike="noStrike">
-              <a:solidFill>
-                <a:srgbClr val="000000"/>
-              </a:solidFill>
-              <a:latin typeface="Calibri"/>
+            <a:endParaRPr b="0" lang="en-US" sz="3200" spc="-1" strike="noStrike">
+              <a:solidFill>
+                <a:srgbClr val="000000"/>
+              </a:solidFill>
+              <a:latin typeface="Arial"/>
             </a:endParaRPr>
           </a:p>
         </p:txBody>
@@ -3222,8 +3137,8 @@
         </p:nvSpPr>
         <p:spPr>
           <a:xfrm>
-            <a:off x="838080" y="4098240"/>
-            <a:ext cx="5131080" cy="2075040"/>
+            <a:off x="609480" y="3682080"/>
+            <a:ext cx="5354280" cy="1896840"/>
           </a:xfrm>
           <a:prstGeom prst="rect">
             <a:avLst/>
@@ -3239,19 +3154,16 @@
           </a:bodyPr>
           <a:p>
             <a:pPr indent="0">
-              <a:lnSpc>
-                <a:spcPct val="90000"/>
-              </a:lnSpc>
               <a:spcBef>
                 <a:spcPts val="1417"/>
               </a:spcBef>
               <a:buNone/>
             </a:pPr>
-            <a:endParaRPr b="0" lang="en-US" sz="2800" spc="-1" strike="noStrike">
-              <a:solidFill>
-                <a:srgbClr val="000000"/>
-              </a:solidFill>
-              <a:latin typeface="Calibri"/>
+            <a:endParaRPr b="0" lang="en-US" sz="3200" spc="-1" strike="noStrike">
+              <a:solidFill>
+                <a:srgbClr val="000000"/>
+              </a:solidFill>
+              <a:latin typeface="Arial"/>
             </a:endParaRPr>
           </a:p>
         </p:txBody>
@@ -3268,8 +3180,8 @@
         </p:nvSpPr>
         <p:spPr>
           <a:xfrm>
-            <a:off x="6226200" y="4098240"/>
-            <a:ext cx="5131080" cy="2075040"/>
+            <a:off x="6231960" y="3682080"/>
+            <a:ext cx="5354280" cy="1896840"/>
           </a:xfrm>
           <a:prstGeom prst="rect">
             <a:avLst/>
@@ -3285,19 +3197,16 @@
           </a:bodyPr>
           <a:p>
             <a:pPr indent="0">
-              <a:lnSpc>
-                <a:spcPct val="90000"/>
-              </a:lnSpc>
               <a:spcBef>
                 <a:spcPts val="1417"/>
               </a:spcBef>
               <a:buNone/>
             </a:pPr>
-            <a:endParaRPr b="0" lang="en-US" sz="2800" spc="-1" strike="noStrike">
-              <a:solidFill>
-                <a:srgbClr val="000000"/>
-              </a:solidFill>
-              <a:latin typeface="Calibri"/>
+            <a:endParaRPr b="0" lang="en-US" sz="3200" spc="-1" strike="noStrike">
+              <a:solidFill>
+                <a:srgbClr val="000000"/>
+              </a:solidFill>
+              <a:latin typeface="Arial"/>
             </a:endParaRPr>
           </a:p>
         </p:txBody>
@@ -3309,7 +3218,7 @@
             <a:spLocks noGrp="1"/>
           </p:cNvSpPr>
           <p:nvPr>
-            <p:ph type="ftr" idx="5"/>
+            <p:ph type="ftr" idx="4"/>
           </p:nvPr>
         </p:nvSpPr>
         <p:spPr/>
@@ -3329,14 +3238,14 @@
             <a:spLocks noGrp="1"/>
           </p:cNvSpPr>
           <p:nvPr>
-            <p:ph type="sldNum" idx="6"/>
+            <p:ph type="sldNum" idx="5"/>
           </p:nvPr>
         </p:nvSpPr>
         <p:spPr/>
         <p:txBody>
           <a:bodyPr/>
           <a:p>
-            <a:fld id="{31E77D30-8DE6-494D-87B8-502E67693570}" type="slidenum">
+            <a:fld id="{65B1F035-F607-4905-864A-78E378451785}" type="slidenum">
               <a:t>&lt;#&gt;</a:t>
             </a:fld>
           </a:p>
@@ -3349,7 +3258,7 @@
             <a:spLocks noGrp="1"/>
           </p:cNvSpPr>
           <p:nvPr>
-            <p:ph type="dt" idx="4"/>
+            <p:ph type="dt" idx="6"/>
           </p:nvPr>
         </p:nvSpPr>
         <p:spPr/>
@@ -3397,8 +3306,8 @@
         </p:nvSpPr>
         <p:spPr>
           <a:xfrm>
-            <a:off x="838080" y="365040"/>
-            <a:ext cx="10515240" cy="1325160"/>
+            <a:off x="609480" y="273600"/>
+            <a:ext cx="10972440" cy="1144800"/>
           </a:xfrm>
           <a:prstGeom prst="rect">
             <a:avLst/>
@@ -3413,14 +3322,14 @@
             <a:noAutofit/>
           </a:bodyPr>
           <a:p>
-            <a:pPr indent="0">
-              <a:buNone/>
-            </a:pPr>
-            <a:endParaRPr b="0" lang="en-US" sz="1800" spc="-1" strike="noStrike">
-              <a:solidFill>
-                <a:srgbClr val="000000"/>
-              </a:solidFill>
-              <a:latin typeface="Calibri"/>
+            <a:pPr indent="0" algn="ctr">
+              <a:buNone/>
+            </a:pPr>
+            <a:endParaRPr b="0" lang="en-US" sz="4400" spc="-1" strike="noStrike">
+              <a:solidFill>
+                <a:srgbClr val="000000"/>
+              </a:solidFill>
+              <a:latin typeface="Arial"/>
             </a:endParaRPr>
           </a:p>
         </p:txBody>
@@ -3437,8 +3346,8 @@
         </p:nvSpPr>
         <p:spPr>
           <a:xfrm>
-            <a:off x="838080" y="1825560"/>
-            <a:ext cx="3385800" cy="2075040"/>
+            <a:off x="609480" y="1604520"/>
+            <a:ext cx="3533040" cy="1896840"/>
           </a:xfrm>
           <a:prstGeom prst="rect">
             <a:avLst/>
@@ -3454,19 +3363,16 @@
           </a:bodyPr>
           <a:p>
             <a:pPr indent="0">
-              <a:lnSpc>
-                <a:spcPct val="90000"/>
-              </a:lnSpc>
               <a:spcBef>
                 <a:spcPts val="1417"/>
               </a:spcBef>
               <a:buNone/>
             </a:pPr>
-            <a:endParaRPr b="0" lang="en-US" sz="2800" spc="-1" strike="noStrike">
-              <a:solidFill>
-                <a:srgbClr val="000000"/>
-              </a:solidFill>
-              <a:latin typeface="Calibri"/>
+            <a:endParaRPr b="0" lang="en-US" sz="3200" spc="-1" strike="noStrike">
+              <a:solidFill>
+                <a:srgbClr val="000000"/>
+              </a:solidFill>
+              <a:latin typeface="Arial"/>
             </a:endParaRPr>
           </a:p>
         </p:txBody>
@@ -3483,8 +3389,8 @@
         </p:nvSpPr>
         <p:spPr>
           <a:xfrm>
-            <a:off x="4393440" y="1825560"/>
-            <a:ext cx="3385800" cy="2075040"/>
+            <a:off x="4319640" y="1604520"/>
+            <a:ext cx="3533040" cy="1896840"/>
           </a:xfrm>
           <a:prstGeom prst="rect">
             <a:avLst/>
@@ -3500,19 +3406,16 @@
           </a:bodyPr>
           <a:p>
             <a:pPr indent="0">
-              <a:lnSpc>
-                <a:spcPct val="90000"/>
-              </a:lnSpc>
               <a:spcBef>
                 <a:spcPts val="1417"/>
               </a:spcBef>
               <a:buNone/>
             </a:pPr>
-            <a:endParaRPr b="0" lang="en-US" sz="2800" spc="-1" strike="noStrike">
-              <a:solidFill>
-                <a:srgbClr val="000000"/>
-              </a:solidFill>
-              <a:latin typeface="Calibri"/>
+            <a:endParaRPr b="0" lang="en-US" sz="3200" spc="-1" strike="noStrike">
+              <a:solidFill>
+                <a:srgbClr val="000000"/>
+              </a:solidFill>
+              <a:latin typeface="Arial"/>
             </a:endParaRPr>
           </a:p>
         </p:txBody>
@@ -3529,8 +3432,8 @@
         </p:nvSpPr>
         <p:spPr>
           <a:xfrm>
-            <a:off x="7949160" y="1825560"/>
-            <a:ext cx="3385800" cy="2075040"/>
+            <a:off x="8029800" y="1604520"/>
+            <a:ext cx="3533040" cy="1896840"/>
           </a:xfrm>
           <a:prstGeom prst="rect">
             <a:avLst/>
@@ -3546,19 +3449,16 @@
           </a:bodyPr>
           <a:p>
             <a:pPr indent="0">
-              <a:lnSpc>
-                <a:spcPct val="90000"/>
-              </a:lnSpc>
               <a:spcBef>
                 <a:spcPts val="1417"/>
               </a:spcBef>
               <a:buNone/>
             </a:pPr>
-            <a:endParaRPr b="0" lang="en-US" sz="2800" spc="-1" strike="noStrike">
-              <a:solidFill>
-                <a:srgbClr val="000000"/>
-              </a:solidFill>
-              <a:latin typeface="Calibri"/>
+            <a:endParaRPr b="0" lang="en-US" sz="3200" spc="-1" strike="noStrike">
+              <a:solidFill>
+                <a:srgbClr val="000000"/>
+              </a:solidFill>
+              <a:latin typeface="Arial"/>
             </a:endParaRPr>
           </a:p>
         </p:txBody>
@@ -3575,8 +3475,8 @@
         </p:nvSpPr>
         <p:spPr>
           <a:xfrm>
-            <a:off x="838080" y="4098240"/>
-            <a:ext cx="3385800" cy="2075040"/>
+            <a:off x="609480" y="3682080"/>
+            <a:ext cx="3533040" cy="1896840"/>
           </a:xfrm>
           <a:prstGeom prst="rect">
             <a:avLst/>
@@ -3592,19 +3492,16 @@
           </a:bodyPr>
           <a:p>
             <a:pPr indent="0">
-              <a:lnSpc>
-                <a:spcPct val="90000"/>
-              </a:lnSpc>
               <a:spcBef>
                 <a:spcPts val="1417"/>
               </a:spcBef>
               <a:buNone/>
             </a:pPr>
-            <a:endParaRPr b="0" lang="en-US" sz="2800" spc="-1" strike="noStrike">
-              <a:solidFill>
-                <a:srgbClr val="000000"/>
-              </a:solidFill>
-              <a:latin typeface="Calibri"/>
+            <a:endParaRPr b="0" lang="en-US" sz="3200" spc="-1" strike="noStrike">
+              <a:solidFill>
+                <a:srgbClr val="000000"/>
+              </a:solidFill>
+              <a:latin typeface="Arial"/>
             </a:endParaRPr>
           </a:p>
         </p:txBody>
@@ -3621,8 +3518,8 @@
         </p:nvSpPr>
         <p:spPr>
           <a:xfrm>
-            <a:off x="4393440" y="4098240"/>
-            <a:ext cx="3385800" cy="2075040"/>
+            <a:off x="4319640" y="3682080"/>
+            <a:ext cx="3533040" cy="1896840"/>
           </a:xfrm>
           <a:prstGeom prst="rect">
             <a:avLst/>
@@ -3638,19 +3535,16 @@
           </a:bodyPr>
           <a:p>
             <a:pPr indent="0">
-              <a:lnSpc>
-                <a:spcPct val="90000"/>
-              </a:lnSpc>
               <a:spcBef>
                 <a:spcPts val="1417"/>
               </a:spcBef>
               <a:buNone/>
             </a:pPr>
-            <a:endParaRPr b="0" lang="en-US" sz="2800" spc="-1" strike="noStrike">
-              <a:solidFill>
-                <a:srgbClr val="000000"/>
-              </a:solidFill>
-              <a:latin typeface="Calibri"/>
+            <a:endParaRPr b="0" lang="en-US" sz="3200" spc="-1" strike="noStrike">
+              <a:solidFill>
+                <a:srgbClr val="000000"/>
+              </a:solidFill>
+              <a:latin typeface="Arial"/>
             </a:endParaRPr>
           </a:p>
         </p:txBody>
@@ -3667,8 +3561,8 @@
         </p:nvSpPr>
         <p:spPr>
           <a:xfrm>
-            <a:off x="7949160" y="4098240"/>
-            <a:ext cx="3385800" cy="2075040"/>
+            <a:off x="8029800" y="3682080"/>
+            <a:ext cx="3533040" cy="1896840"/>
           </a:xfrm>
           <a:prstGeom prst="rect">
             <a:avLst/>
@@ -3684,19 +3578,16 @@
           </a:bodyPr>
           <a:p>
             <a:pPr indent="0">
-              <a:lnSpc>
-                <a:spcPct val="90000"/>
-              </a:lnSpc>
               <a:spcBef>
                 <a:spcPts val="1417"/>
               </a:spcBef>
               <a:buNone/>
             </a:pPr>
-            <a:endParaRPr b="0" lang="en-US" sz="2800" spc="-1" strike="noStrike">
-              <a:solidFill>
-                <a:srgbClr val="000000"/>
-              </a:solidFill>
-              <a:latin typeface="Calibri"/>
+            <a:endParaRPr b="0" lang="en-US" sz="3200" spc="-1" strike="noStrike">
+              <a:solidFill>
+                <a:srgbClr val="000000"/>
+              </a:solidFill>
+              <a:latin typeface="Arial"/>
             </a:endParaRPr>
           </a:p>
         </p:txBody>
@@ -3708,7 +3599,7 @@
             <a:spLocks noGrp="1"/>
           </p:cNvSpPr>
           <p:nvPr>
-            <p:ph type="ftr" idx="5"/>
+            <p:ph type="ftr" idx="4"/>
           </p:nvPr>
         </p:nvSpPr>
         <p:spPr/>
@@ -3728,14 +3619,14 @@
             <a:spLocks noGrp="1"/>
           </p:cNvSpPr>
           <p:nvPr>
-            <p:ph type="sldNum" idx="6"/>
+            <p:ph type="sldNum" idx="5"/>
           </p:nvPr>
         </p:nvSpPr>
         <p:spPr/>
         <p:txBody>
           <a:bodyPr/>
           <a:p>
-            <a:fld id="{822AA618-0704-4872-A6F0-D6FFE5A9915E}" type="slidenum">
+            <a:fld id="{AD2F0CC9-A7AF-4EDA-B2C4-EDFF6CBE491A}" type="slidenum">
               <a:t>&lt;#&gt;</a:t>
             </a:fld>
           </a:p>
@@ -3748,7 +3639,7 @@
             <a:spLocks noGrp="1"/>
           </p:cNvSpPr>
           <p:nvPr>
-            <p:ph type="dt" idx="4"/>
+            <p:ph type="dt" idx="6"/>
           </p:nvPr>
         </p:nvSpPr>
         <p:spPr/>
@@ -3796,8 +3687,8 @@
         </p:nvSpPr>
         <p:spPr>
           <a:xfrm>
-            <a:off x="838080" y="365040"/>
-            <a:ext cx="10515240" cy="1325160"/>
+            <a:off x="609480" y="273600"/>
+            <a:ext cx="10972440" cy="1144800"/>
           </a:xfrm>
           <a:prstGeom prst="rect">
             <a:avLst/>
@@ -3812,14 +3703,14 @@
             <a:noAutofit/>
           </a:bodyPr>
           <a:p>
-            <a:pPr indent="0">
-              <a:buNone/>
-            </a:pPr>
-            <a:endParaRPr b="0" lang="en-US" sz="1800" spc="-1" strike="noStrike">
-              <a:solidFill>
-                <a:srgbClr val="000000"/>
-              </a:solidFill>
-              <a:latin typeface="Calibri"/>
+            <a:pPr indent="0" algn="ctr">
+              <a:buNone/>
+            </a:pPr>
+            <a:endParaRPr b="0" lang="en-US" sz="4400" spc="-1" strike="noStrike">
+              <a:solidFill>
+                <a:srgbClr val="000000"/>
+              </a:solidFill>
+              <a:latin typeface="Arial"/>
             </a:endParaRPr>
           </a:p>
         </p:txBody>
@@ -3836,8 +3727,8 @@
         </p:nvSpPr>
         <p:spPr>
           <a:xfrm>
-            <a:off x="838080" y="1825560"/>
-            <a:ext cx="10515240" cy="4350960"/>
+            <a:off x="609480" y="1604520"/>
+            <a:ext cx="10972440" cy="3977280"/>
           </a:xfrm>
           <a:prstGeom prst="rect">
             <a:avLst/>
@@ -3853,19 +3744,16 @@
           </a:bodyPr>
           <a:p>
             <a:pPr indent="0">
-              <a:lnSpc>
-                <a:spcPct val="90000"/>
-              </a:lnSpc>
               <a:spcBef>
                 <a:spcPts val="1417"/>
               </a:spcBef>
               <a:buNone/>
             </a:pPr>
-            <a:endParaRPr b="0" lang="en-US" sz="2800" spc="-1" strike="noStrike">
-              <a:solidFill>
-                <a:srgbClr val="000000"/>
-              </a:solidFill>
-              <a:latin typeface="Calibri"/>
+            <a:endParaRPr b="0" lang="en-US" sz="3200" spc="-1" strike="noStrike">
+              <a:solidFill>
+                <a:srgbClr val="000000"/>
+              </a:solidFill>
+              <a:latin typeface="Arial"/>
             </a:endParaRPr>
           </a:p>
         </p:txBody>
@@ -3877,7 +3765,7 @@
             <a:spLocks noGrp="1"/>
           </p:cNvSpPr>
           <p:nvPr>
-            <p:ph type="ftr" idx="2"/>
+            <p:ph type="ftr" idx="1"/>
           </p:nvPr>
         </p:nvSpPr>
         <p:spPr/>
@@ -3897,14 +3785,14 @@
             <a:spLocks noGrp="1"/>
           </p:cNvSpPr>
           <p:nvPr>
-            <p:ph type="sldNum" idx="3"/>
+            <p:ph type="sldNum" idx="2"/>
           </p:nvPr>
         </p:nvSpPr>
         <p:spPr/>
         <p:txBody>
           <a:bodyPr/>
           <a:p>
-            <a:fld id="{4B376A5F-23D5-44AD-A231-56E6270D1DB2}" type="slidenum">
+            <a:fld id="{8196E951-654A-454E-9D22-9DD5547F083B}" type="slidenum">
               <a:t>&lt;#&gt;</a:t>
             </a:fld>
           </a:p>
@@ -3917,7 +3805,7 @@
             <a:spLocks noGrp="1"/>
           </p:cNvSpPr>
           <p:nvPr>
-            <p:ph type="dt" idx="1"/>
+            <p:ph type="dt" idx="3"/>
           </p:nvPr>
         </p:nvSpPr>
         <p:spPr/>
@@ -3965,8 +3853,8 @@
         </p:nvSpPr>
         <p:spPr>
           <a:xfrm>
-            <a:off x="838080" y="365040"/>
-            <a:ext cx="10515240" cy="1325160"/>
+            <a:off x="609480" y="273600"/>
+            <a:ext cx="10972440" cy="1144800"/>
           </a:xfrm>
           <a:prstGeom prst="rect">
             <a:avLst/>
@@ -3981,14 +3869,14 @@
             <a:noAutofit/>
           </a:bodyPr>
           <a:p>
-            <a:pPr indent="0">
-              <a:buNone/>
-            </a:pPr>
-            <a:endParaRPr b="0" lang="en-US" sz="1800" spc="-1" strike="noStrike">
-              <a:solidFill>
-                <a:srgbClr val="000000"/>
-              </a:solidFill>
-              <a:latin typeface="Calibri"/>
+            <a:pPr indent="0" algn="ctr">
+              <a:buNone/>
+            </a:pPr>
+            <a:endParaRPr b="0" lang="en-US" sz="4400" spc="-1" strike="noStrike">
+              <a:solidFill>
+                <a:srgbClr val="000000"/>
+              </a:solidFill>
+              <a:latin typeface="Arial"/>
             </a:endParaRPr>
           </a:p>
         </p:txBody>
@@ -4005,8 +3893,8 @@
         </p:nvSpPr>
         <p:spPr>
           <a:xfrm>
-            <a:off x="838080" y="1825560"/>
-            <a:ext cx="5131080" cy="4350960"/>
+            <a:off x="609480" y="1604520"/>
+            <a:ext cx="5354280" cy="3977280"/>
           </a:xfrm>
           <a:prstGeom prst="rect">
             <a:avLst/>
@@ -4022,19 +3910,16 @@
           </a:bodyPr>
           <a:p>
             <a:pPr indent="0">
-              <a:lnSpc>
-                <a:spcPct val="90000"/>
-              </a:lnSpc>
               <a:spcBef>
                 <a:spcPts val="1417"/>
               </a:spcBef>
               <a:buNone/>
             </a:pPr>
-            <a:endParaRPr b="0" lang="en-US" sz="2800" spc="-1" strike="noStrike">
-              <a:solidFill>
-                <a:srgbClr val="000000"/>
-              </a:solidFill>
-              <a:latin typeface="Calibri"/>
+            <a:endParaRPr b="0" lang="en-US" sz="3200" spc="-1" strike="noStrike">
+              <a:solidFill>
+                <a:srgbClr val="000000"/>
+              </a:solidFill>
+              <a:latin typeface="Arial"/>
             </a:endParaRPr>
           </a:p>
         </p:txBody>
@@ -4051,8 +3936,8 @@
         </p:nvSpPr>
         <p:spPr>
           <a:xfrm>
-            <a:off x="6226200" y="1825560"/>
-            <a:ext cx="5131080" cy="4350960"/>
+            <a:off x="6231960" y="1604520"/>
+            <a:ext cx="5354280" cy="3977280"/>
           </a:xfrm>
           <a:prstGeom prst="rect">
             <a:avLst/>
@@ -4068,19 +3953,16 @@
           </a:bodyPr>
           <a:p>
             <a:pPr indent="0">
-              <a:lnSpc>
-                <a:spcPct val="90000"/>
-              </a:lnSpc>
               <a:spcBef>
                 <a:spcPts val="1417"/>
               </a:spcBef>
               <a:buNone/>
             </a:pPr>
-            <a:endParaRPr b="0" lang="en-US" sz="2800" spc="-1" strike="noStrike">
-              <a:solidFill>
-                <a:srgbClr val="000000"/>
-              </a:solidFill>
-              <a:latin typeface="Calibri"/>
+            <a:endParaRPr b="0" lang="en-US" sz="3200" spc="-1" strike="noStrike">
+              <a:solidFill>
+                <a:srgbClr val="000000"/>
+              </a:solidFill>
+              <a:latin typeface="Arial"/>
             </a:endParaRPr>
           </a:p>
         </p:txBody>
@@ -4092,7 +3974,7 @@
             <a:spLocks noGrp="1"/>
           </p:cNvSpPr>
           <p:nvPr>
-            <p:ph type="ftr" idx="2"/>
+            <p:ph type="ftr" idx="1"/>
           </p:nvPr>
         </p:nvSpPr>
         <p:spPr/>
@@ -4112,14 +3994,14 @@
             <a:spLocks noGrp="1"/>
           </p:cNvSpPr>
           <p:nvPr>
-            <p:ph type="sldNum" idx="3"/>
+            <p:ph type="sldNum" idx="2"/>
           </p:nvPr>
         </p:nvSpPr>
         <p:spPr/>
         <p:txBody>
           <a:bodyPr/>
           <a:p>
-            <a:fld id="{CC27E59D-866A-424E-9126-38A17FE0E9BC}" type="slidenum">
+            <a:fld id="{CC6734A4-B7E5-4028-BDA7-29714CD4D184}" type="slidenum">
               <a:t>&lt;#&gt;</a:t>
             </a:fld>
           </a:p>
@@ -4132,7 +4014,7 @@
             <a:spLocks noGrp="1"/>
           </p:cNvSpPr>
           <p:nvPr>
-            <p:ph type="dt" idx="1"/>
+            <p:ph type="dt" idx="3"/>
           </p:nvPr>
         </p:nvSpPr>
         <p:spPr/>
@@ -4180,8 +4062,8 @@
         </p:nvSpPr>
         <p:spPr>
           <a:xfrm>
-            <a:off x="838080" y="365040"/>
-            <a:ext cx="10515240" cy="1325160"/>
+            <a:off x="609480" y="273600"/>
+            <a:ext cx="10972440" cy="1144800"/>
           </a:xfrm>
           <a:prstGeom prst="rect">
             <a:avLst/>
@@ -4196,14 +4078,14 @@
             <a:noAutofit/>
           </a:bodyPr>
           <a:p>
-            <a:pPr indent="0">
-              <a:buNone/>
-            </a:pPr>
-            <a:endParaRPr b="0" lang="en-US" sz="1800" spc="-1" strike="noStrike">
-              <a:solidFill>
-                <a:srgbClr val="000000"/>
-              </a:solidFill>
-              <a:latin typeface="Calibri"/>
+            <a:pPr indent="0" algn="ctr">
+              <a:buNone/>
+            </a:pPr>
+            <a:endParaRPr b="0" lang="en-US" sz="4400" spc="-1" strike="noStrike">
+              <a:solidFill>
+                <a:srgbClr val="000000"/>
+              </a:solidFill>
+              <a:latin typeface="Arial"/>
             </a:endParaRPr>
           </a:p>
         </p:txBody>
@@ -4215,7 +4097,7 @@
             <a:spLocks noGrp="1"/>
           </p:cNvSpPr>
           <p:nvPr>
-            <p:ph type="ftr" idx="2"/>
+            <p:ph type="ftr" idx="1"/>
           </p:nvPr>
         </p:nvSpPr>
         <p:spPr/>
@@ -4235,14 +4117,14 @@
             <a:spLocks noGrp="1"/>
           </p:cNvSpPr>
           <p:nvPr>
-            <p:ph type="sldNum" idx="3"/>
+            <p:ph type="sldNum" idx="2"/>
           </p:nvPr>
         </p:nvSpPr>
         <p:spPr/>
         <p:txBody>
           <a:bodyPr/>
           <a:p>
-            <a:fld id="{CB9C0980-D107-4706-AC11-EA0ECA891AB3}" type="slidenum">
+            <a:fld id="{BE5C9AC5-055C-4E47-827A-7A2D42BC2C14}" type="slidenum">
               <a:t>&lt;#&gt;</a:t>
             </a:fld>
           </a:p>
@@ -4255,7 +4137,7 @@
             <a:spLocks noGrp="1"/>
           </p:cNvSpPr>
           <p:nvPr>
-            <p:ph type="dt" idx="1"/>
+            <p:ph type="dt" idx="3"/>
           </p:nvPr>
         </p:nvSpPr>
         <p:spPr/>
@@ -4303,8 +4185,8 @@
         </p:nvSpPr>
         <p:spPr>
           <a:xfrm>
-            <a:off x="838080" y="365040"/>
-            <a:ext cx="10515240" cy="6144120"/>
+            <a:off x="609480" y="273600"/>
+            <a:ext cx="10972440" cy="5307840"/>
           </a:xfrm>
           <a:prstGeom prst="rect">
             <a:avLst/>
@@ -4336,7 +4218,7 @@
             <a:spLocks noGrp="1"/>
           </p:cNvSpPr>
           <p:nvPr>
-            <p:ph type="ftr" idx="2"/>
+            <p:ph type="ftr" idx="1"/>
           </p:nvPr>
         </p:nvSpPr>
         <p:spPr/>
@@ -4356,14 +4238,14 @@
             <a:spLocks noGrp="1"/>
           </p:cNvSpPr>
           <p:nvPr>
-            <p:ph type="sldNum" idx="3"/>
+            <p:ph type="sldNum" idx="2"/>
           </p:nvPr>
         </p:nvSpPr>
         <p:spPr/>
         <p:txBody>
           <a:bodyPr/>
           <a:p>
-            <a:fld id="{929BC412-BF30-480E-87BB-81AD93E5F38D}" type="slidenum">
+            <a:fld id="{5E09DC50-1745-494B-BF72-959D6EE1B7B4}" type="slidenum">
               <a:t>&lt;#&gt;</a:t>
             </a:fld>
           </a:p>
@@ -4376,7 +4258,7 @@
             <a:spLocks noGrp="1"/>
           </p:cNvSpPr>
           <p:nvPr>
-            <p:ph type="dt" idx="1"/>
+            <p:ph type="dt" idx="3"/>
           </p:nvPr>
         </p:nvSpPr>
         <p:spPr/>
@@ -4424,8 +4306,8 @@
         </p:nvSpPr>
         <p:spPr>
           <a:xfrm>
-            <a:off x="838080" y="365040"/>
-            <a:ext cx="10515240" cy="1325160"/>
+            <a:off x="609480" y="273600"/>
+            <a:ext cx="10972440" cy="1144800"/>
           </a:xfrm>
           <a:prstGeom prst="rect">
             <a:avLst/>
@@ -4440,14 +4322,14 @@
             <a:noAutofit/>
           </a:bodyPr>
           <a:p>
-            <a:pPr indent="0">
-              <a:buNone/>
-            </a:pPr>
-            <a:endParaRPr b="0" lang="en-US" sz="1800" spc="-1" strike="noStrike">
-              <a:solidFill>
-                <a:srgbClr val="000000"/>
-              </a:solidFill>
-              <a:latin typeface="Calibri"/>
+            <a:pPr indent="0" algn="ctr">
+              <a:buNone/>
+            </a:pPr>
+            <a:endParaRPr b="0" lang="en-US" sz="4400" spc="-1" strike="noStrike">
+              <a:solidFill>
+                <a:srgbClr val="000000"/>
+              </a:solidFill>
+              <a:latin typeface="Arial"/>
             </a:endParaRPr>
           </a:p>
         </p:txBody>
@@ -4464,8 +4346,8 @@
         </p:nvSpPr>
         <p:spPr>
           <a:xfrm>
-            <a:off x="838080" y="1825560"/>
-            <a:ext cx="5131080" cy="2075040"/>
+            <a:off x="609480" y="1604520"/>
+            <a:ext cx="5354280" cy="1896840"/>
           </a:xfrm>
           <a:prstGeom prst="rect">
             <a:avLst/>
@@ -4481,19 +4363,16 @@
           </a:bodyPr>
           <a:p>
             <a:pPr indent="0">
-              <a:lnSpc>
-                <a:spcPct val="90000"/>
-              </a:lnSpc>
               <a:spcBef>
                 <a:spcPts val="1417"/>
               </a:spcBef>
               <a:buNone/>
             </a:pPr>
-            <a:endParaRPr b="0" lang="en-US" sz="2800" spc="-1" strike="noStrike">
-              <a:solidFill>
-                <a:srgbClr val="000000"/>
-              </a:solidFill>
-              <a:latin typeface="Calibri"/>
+            <a:endParaRPr b="0" lang="en-US" sz="3200" spc="-1" strike="noStrike">
+              <a:solidFill>
+                <a:srgbClr val="000000"/>
+              </a:solidFill>
+              <a:latin typeface="Arial"/>
             </a:endParaRPr>
           </a:p>
         </p:txBody>
@@ -4510,8 +4389,8 @@
         </p:nvSpPr>
         <p:spPr>
           <a:xfrm>
-            <a:off x="6226200" y="1825560"/>
-            <a:ext cx="5131080" cy="4350960"/>
+            <a:off x="6231960" y="1604520"/>
+            <a:ext cx="5354280" cy="3977280"/>
           </a:xfrm>
           <a:prstGeom prst="rect">
             <a:avLst/>
@@ -4527,19 +4406,16 @@
           </a:bodyPr>
           <a:p>
             <a:pPr indent="0">
-              <a:lnSpc>
-                <a:spcPct val="90000"/>
-              </a:lnSpc>
               <a:spcBef>
                 <a:spcPts val="1417"/>
               </a:spcBef>
               <a:buNone/>
             </a:pPr>
-            <a:endParaRPr b="0" lang="en-US" sz="2800" spc="-1" strike="noStrike">
-              <a:solidFill>
-                <a:srgbClr val="000000"/>
-              </a:solidFill>
-              <a:latin typeface="Calibri"/>
+            <a:endParaRPr b="0" lang="en-US" sz="3200" spc="-1" strike="noStrike">
+              <a:solidFill>
+                <a:srgbClr val="000000"/>
+              </a:solidFill>
+              <a:latin typeface="Arial"/>
             </a:endParaRPr>
           </a:p>
         </p:txBody>
@@ -4556,8 +4432,8 @@
         </p:nvSpPr>
         <p:spPr>
           <a:xfrm>
-            <a:off x="838080" y="4098240"/>
-            <a:ext cx="5131080" cy="2075040"/>
+            <a:off x="609480" y="3682080"/>
+            <a:ext cx="5354280" cy="1896840"/>
           </a:xfrm>
           <a:prstGeom prst="rect">
             <a:avLst/>
@@ -4573,19 +4449,16 @@
           </a:bodyPr>
           <a:p>
             <a:pPr indent="0">
-              <a:lnSpc>
-                <a:spcPct val="90000"/>
-              </a:lnSpc>
               <a:spcBef>
                 <a:spcPts val="1417"/>
               </a:spcBef>
               <a:buNone/>
             </a:pPr>
-            <a:endParaRPr b="0" lang="en-US" sz="2800" spc="-1" strike="noStrike">
-              <a:solidFill>
-                <a:srgbClr val="000000"/>
-              </a:solidFill>
-              <a:latin typeface="Calibri"/>
+            <a:endParaRPr b="0" lang="en-US" sz="3200" spc="-1" strike="noStrike">
+              <a:solidFill>
+                <a:srgbClr val="000000"/>
+              </a:solidFill>
+              <a:latin typeface="Arial"/>
             </a:endParaRPr>
           </a:p>
         </p:txBody>
@@ -4597,7 +4470,7 @@
             <a:spLocks noGrp="1"/>
           </p:cNvSpPr>
           <p:nvPr>
-            <p:ph type="ftr" idx="2"/>
+            <p:ph type="ftr" idx="1"/>
           </p:nvPr>
         </p:nvSpPr>
         <p:spPr/>
@@ -4617,14 +4490,14 @@
             <a:spLocks noGrp="1"/>
           </p:cNvSpPr>
           <p:nvPr>
-            <p:ph type="sldNum" idx="3"/>
+            <p:ph type="sldNum" idx="2"/>
           </p:nvPr>
         </p:nvSpPr>
         <p:spPr/>
         <p:txBody>
           <a:bodyPr/>
           <a:p>
-            <a:fld id="{0BFF1ECF-0787-4478-811B-CC6073A2A826}" type="slidenum">
+            <a:fld id="{948AD3B7-ACEF-48AE-B4FC-6A7790DDBF5A}" type="slidenum">
               <a:t>&lt;#&gt;</a:t>
             </a:fld>
           </a:p>
@@ -4637,7 +4510,7 @@
             <a:spLocks noGrp="1"/>
           </p:cNvSpPr>
           <p:nvPr>
-            <p:ph type="dt" idx="1"/>
+            <p:ph type="dt" idx="3"/>
           </p:nvPr>
         </p:nvSpPr>
         <p:spPr/>
@@ -4685,8 +4558,8 @@
         </p:nvSpPr>
         <p:spPr>
           <a:xfrm>
-            <a:off x="838080" y="365040"/>
-            <a:ext cx="10515240" cy="1325160"/>
+            <a:off x="609480" y="273600"/>
+            <a:ext cx="10972440" cy="1144800"/>
           </a:xfrm>
           <a:prstGeom prst="rect">
             <a:avLst/>
@@ -4701,14 +4574,14 @@
             <a:noAutofit/>
           </a:bodyPr>
           <a:p>
-            <a:pPr indent="0">
-              <a:buNone/>
-            </a:pPr>
-            <a:endParaRPr b="0" lang="en-US" sz="1800" spc="-1" strike="noStrike">
-              <a:solidFill>
-                <a:srgbClr val="000000"/>
-              </a:solidFill>
-              <a:latin typeface="Calibri"/>
+            <a:pPr indent="0" algn="ctr">
+              <a:buNone/>
+            </a:pPr>
+            <a:endParaRPr b="0" lang="en-US" sz="4400" spc="-1" strike="noStrike">
+              <a:solidFill>
+                <a:srgbClr val="000000"/>
+              </a:solidFill>
+              <a:latin typeface="Arial"/>
             </a:endParaRPr>
           </a:p>
         </p:txBody>
@@ -4725,8 +4598,8 @@
         </p:nvSpPr>
         <p:spPr>
           <a:xfrm>
-            <a:off x="838080" y="1825560"/>
-            <a:ext cx="5131080" cy="4350960"/>
+            <a:off x="609480" y="1604520"/>
+            <a:ext cx="5354280" cy="3977280"/>
           </a:xfrm>
           <a:prstGeom prst="rect">
             <a:avLst/>
@@ -4742,19 +4615,16 @@
           </a:bodyPr>
           <a:p>
             <a:pPr indent="0">
-              <a:lnSpc>
-                <a:spcPct val="90000"/>
-              </a:lnSpc>
               <a:spcBef>
                 <a:spcPts val="1417"/>
               </a:spcBef>
               <a:buNone/>
             </a:pPr>
-            <a:endParaRPr b="0" lang="en-US" sz="2800" spc="-1" strike="noStrike">
-              <a:solidFill>
-                <a:srgbClr val="000000"/>
-              </a:solidFill>
-              <a:latin typeface="Calibri"/>
+            <a:endParaRPr b="0" lang="en-US" sz="3200" spc="-1" strike="noStrike">
+              <a:solidFill>
+                <a:srgbClr val="000000"/>
+              </a:solidFill>
+              <a:latin typeface="Arial"/>
             </a:endParaRPr>
           </a:p>
         </p:txBody>
@@ -4771,8 +4641,8 @@
         </p:nvSpPr>
         <p:spPr>
           <a:xfrm>
-            <a:off x="6226200" y="1825560"/>
-            <a:ext cx="5131080" cy="2075040"/>
+            <a:off x="6231960" y="1604520"/>
+            <a:ext cx="5354280" cy="1896840"/>
           </a:xfrm>
           <a:prstGeom prst="rect">
             <a:avLst/>
@@ -4788,19 +4658,16 @@
           </a:bodyPr>
           <a:p>
             <a:pPr indent="0">
-              <a:lnSpc>
-                <a:spcPct val="90000"/>
-              </a:lnSpc>
               <a:spcBef>
                 <a:spcPts val="1417"/>
               </a:spcBef>
               <a:buNone/>
             </a:pPr>
-            <a:endParaRPr b="0" lang="en-US" sz="2800" spc="-1" strike="noStrike">
-              <a:solidFill>
-                <a:srgbClr val="000000"/>
-              </a:solidFill>
-              <a:latin typeface="Calibri"/>
+            <a:endParaRPr b="0" lang="en-US" sz="3200" spc="-1" strike="noStrike">
+              <a:solidFill>
+                <a:srgbClr val="000000"/>
+              </a:solidFill>
+              <a:latin typeface="Arial"/>
             </a:endParaRPr>
           </a:p>
         </p:txBody>
@@ -4817,8 +4684,8 @@
         </p:nvSpPr>
         <p:spPr>
           <a:xfrm>
-            <a:off x="6226200" y="4098240"/>
-            <a:ext cx="5131080" cy="2075040"/>
+            <a:off x="6231960" y="3682080"/>
+            <a:ext cx="5354280" cy="1896840"/>
           </a:xfrm>
           <a:prstGeom prst="rect">
             <a:avLst/>
@@ -4834,19 +4701,16 @@
           </a:bodyPr>
           <a:p>
             <a:pPr indent="0">
-              <a:lnSpc>
-                <a:spcPct val="90000"/>
-              </a:lnSpc>
               <a:spcBef>
                 <a:spcPts val="1417"/>
               </a:spcBef>
               <a:buNone/>
             </a:pPr>
-            <a:endParaRPr b="0" lang="en-US" sz="2800" spc="-1" strike="noStrike">
-              <a:solidFill>
-                <a:srgbClr val="000000"/>
-              </a:solidFill>
-              <a:latin typeface="Calibri"/>
+            <a:endParaRPr b="0" lang="en-US" sz="3200" spc="-1" strike="noStrike">
+              <a:solidFill>
+                <a:srgbClr val="000000"/>
+              </a:solidFill>
+              <a:latin typeface="Arial"/>
             </a:endParaRPr>
           </a:p>
         </p:txBody>
@@ -4858,7 +4722,7 @@
             <a:spLocks noGrp="1"/>
           </p:cNvSpPr>
           <p:nvPr>
-            <p:ph type="ftr" idx="2"/>
+            <p:ph type="ftr" idx="1"/>
           </p:nvPr>
         </p:nvSpPr>
         <p:spPr/>
@@ -4878,14 +4742,14 @@
             <a:spLocks noGrp="1"/>
           </p:cNvSpPr>
           <p:nvPr>
-            <p:ph type="sldNum" idx="3"/>
+            <p:ph type="sldNum" idx="2"/>
           </p:nvPr>
         </p:nvSpPr>
         <p:spPr/>
         <p:txBody>
           <a:bodyPr/>
           <a:p>
-            <a:fld id="{CD417349-3C30-4581-ACF1-49FA8826CC9B}" type="slidenum">
+            <a:fld id="{EC6109C2-51E5-49EF-800A-BA8375CCB564}" type="slidenum">
               <a:t>&lt;#&gt;</a:t>
             </a:fld>
           </a:p>
@@ -4898,7 +4762,7 @@
             <a:spLocks noGrp="1"/>
           </p:cNvSpPr>
           <p:nvPr>
-            <p:ph type="dt" idx="1"/>
+            <p:ph type="dt" idx="3"/>
           </p:nvPr>
         </p:nvSpPr>
         <p:spPr/>
@@ -4946,8 +4810,8 @@
         </p:nvSpPr>
         <p:spPr>
           <a:xfrm>
-            <a:off x="838080" y="365040"/>
-            <a:ext cx="10515240" cy="1325160"/>
+            <a:off x="609480" y="273600"/>
+            <a:ext cx="10972440" cy="1144800"/>
           </a:xfrm>
           <a:prstGeom prst="rect">
             <a:avLst/>
@@ -4962,14 +4826,14 @@
             <a:noAutofit/>
           </a:bodyPr>
           <a:p>
-            <a:pPr indent="0">
-              <a:buNone/>
-            </a:pPr>
-            <a:endParaRPr b="0" lang="en-US" sz="1800" spc="-1" strike="noStrike">
-              <a:solidFill>
-                <a:srgbClr val="000000"/>
-              </a:solidFill>
-              <a:latin typeface="Calibri"/>
+            <a:pPr indent="0" algn="ctr">
+              <a:buNone/>
+            </a:pPr>
+            <a:endParaRPr b="0" lang="en-US" sz="4400" spc="-1" strike="noStrike">
+              <a:solidFill>
+                <a:srgbClr val="000000"/>
+              </a:solidFill>
+              <a:latin typeface="Arial"/>
             </a:endParaRPr>
           </a:p>
         </p:txBody>
@@ -4986,8 +4850,8 @@
         </p:nvSpPr>
         <p:spPr>
           <a:xfrm>
-            <a:off x="838080" y="1825560"/>
-            <a:ext cx="5131080" cy="2075040"/>
+            <a:off x="609480" y="1604520"/>
+            <a:ext cx="5354280" cy="1896840"/>
           </a:xfrm>
           <a:prstGeom prst="rect">
             <a:avLst/>
@@ -5003,19 +4867,16 @@
           </a:bodyPr>
           <a:p>
             <a:pPr indent="0">
-              <a:lnSpc>
-                <a:spcPct val="90000"/>
-              </a:lnSpc>
               <a:spcBef>
                 <a:spcPts val="1417"/>
               </a:spcBef>
               <a:buNone/>
             </a:pPr>
-            <a:endParaRPr b="0" lang="en-US" sz="2800" spc="-1" strike="noStrike">
-              <a:solidFill>
-                <a:srgbClr val="000000"/>
-              </a:solidFill>
-              <a:latin typeface="Calibri"/>
+            <a:endParaRPr b="0" lang="en-US" sz="3200" spc="-1" strike="noStrike">
+              <a:solidFill>
+                <a:srgbClr val="000000"/>
+              </a:solidFill>
+              <a:latin typeface="Arial"/>
             </a:endParaRPr>
           </a:p>
         </p:txBody>
@@ -5032,8 +4893,8 @@
         </p:nvSpPr>
         <p:spPr>
           <a:xfrm>
-            <a:off x="6226200" y="1825560"/>
-            <a:ext cx="5131080" cy="2075040"/>
+            <a:off x="6231960" y="1604520"/>
+            <a:ext cx="5354280" cy="1896840"/>
           </a:xfrm>
           <a:prstGeom prst="rect">
             <a:avLst/>
@@ -5049,19 +4910,16 @@
           </a:bodyPr>
           <a:p>
             <a:pPr indent="0">
-              <a:lnSpc>
-                <a:spcPct val="90000"/>
-              </a:lnSpc>
               <a:spcBef>
                 <a:spcPts val="1417"/>
               </a:spcBef>
               <a:buNone/>
             </a:pPr>
-            <a:endParaRPr b="0" lang="en-US" sz="2800" spc="-1" strike="noStrike">
-              <a:solidFill>
-                <a:srgbClr val="000000"/>
-              </a:solidFill>
-              <a:latin typeface="Calibri"/>
+            <a:endParaRPr b="0" lang="en-US" sz="3200" spc="-1" strike="noStrike">
+              <a:solidFill>
+                <a:srgbClr val="000000"/>
+              </a:solidFill>
+              <a:latin typeface="Arial"/>
             </a:endParaRPr>
           </a:p>
         </p:txBody>
@@ -5078,8 +4936,8 @@
         </p:nvSpPr>
         <p:spPr>
           <a:xfrm>
-            <a:off x="838080" y="4098240"/>
-            <a:ext cx="10515240" cy="2075040"/>
+            <a:off x="609480" y="3682080"/>
+            <a:ext cx="10972440" cy="1896840"/>
           </a:xfrm>
           <a:prstGeom prst="rect">
             <a:avLst/>
@@ -5095,19 +4953,16 @@
           </a:bodyPr>
           <a:p>
             <a:pPr indent="0">
-              <a:lnSpc>
-                <a:spcPct val="90000"/>
-              </a:lnSpc>
               <a:spcBef>
                 <a:spcPts val="1417"/>
               </a:spcBef>
               <a:buNone/>
             </a:pPr>
-            <a:endParaRPr b="0" lang="en-US" sz="2800" spc="-1" strike="noStrike">
-              <a:solidFill>
-                <a:srgbClr val="000000"/>
-              </a:solidFill>
-              <a:latin typeface="Calibri"/>
+            <a:endParaRPr b="0" lang="en-US" sz="3200" spc="-1" strike="noStrike">
+              <a:solidFill>
+                <a:srgbClr val="000000"/>
+              </a:solidFill>
+              <a:latin typeface="Arial"/>
             </a:endParaRPr>
           </a:p>
         </p:txBody>
@@ -5119,7 +4974,7 @@
             <a:spLocks noGrp="1"/>
           </p:cNvSpPr>
           <p:nvPr>
-            <p:ph type="ftr" idx="2"/>
+            <p:ph type="ftr" idx="1"/>
           </p:nvPr>
         </p:nvSpPr>
         <p:spPr/>
@@ -5139,14 +4994,14 @@
             <a:spLocks noGrp="1"/>
           </p:cNvSpPr>
           <p:nvPr>
-            <p:ph type="sldNum" idx="3"/>
+            <p:ph type="sldNum" idx="2"/>
           </p:nvPr>
         </p:nvSpPr>
         <p:spPr/>
         <p:txBody>
           <a:bodyPr/>
           <a:p>
-            <a:fld id="{D7BBF43F-364D-4BE5-B122-DC5C54C7D2C4}" type="slidenum">
+            <a:fld id="{24B25CDA-D871-424D-8E76-96F881517FE2}" type="slidenum">
               <a:t>&lt;#&gt;</a:t>
             </a:fld>
           </a:p>
@@ -5159,7 +5014,7 @@
             <a:spLocks noGrp="1"/>
           </p:cNvSpPr>
           <p:nvPr>
-            <p:ph type="dt" idx="1"/>
+            <p:ph type="dt" idx="3"/>
           </p:nvPr>
         </p:nvSpPr>
         <p:spPr/>
@@ -5217,96 +5072,102 @@
         </p:nvSpPr>
         <p:spPr>
           <a:xfrm>
-            <a:off x="1523880" y="1122480"/>
-            <a:ext cx="9143640" cy="2387160"/>
-          </a:xfrm>
-          <a:prstGeom prst="rect">
-            <a:avLst/>
-          </a:prstGeom>
-          <a:noFill/>
-          <a:ln w="0">
-            <a:noFill/>
-          </a:ln>
-        </p:spPr>
-        <p:txBody>
-          <a:bodyPr anchor="b">
+            <a:off x="838080" y="365040"/>
+            <a:ext cx="10514880" cy="1324800"/>
+          </a:xfrm>
+          <a:prstGeom prst="rect">
+            <a:avLst/>
+          </a:prstGeom>
+          <a:noFill/>
+          <a:ln w="0">
+            <a:noFill/>
+          </a:ln>
+        </p:spPr>
+        <p:txBody>
+          <a:bodyPr lIns="0" rIns="0" tIns="0" bIns="0" anchor="ctr">
             <a:noAutofit/>
           </a:bodyPr>
           <a:p>
-            <a:pPr indent="0" algn="ctr">
-              <a:lnSpc>
-                <a:spcPct val="90000"/>
-              </a:lnSpc>
-              <a:buNone/>
-            </a:pPr>
-            <a:r>
-              <a:rPr b="0" lang="en-US" sz="6000" spc="-1" strike="noStrike">
+            <a:pPr indent="0">
+              <a:buNone/>
+            </a:pPr>
+            <a:r>
+              <a:rPr b="0" lang="en-US" sz="1800" spc="-1" strike="noStrike">
                 <a:solidFill>
                   <a:srgbClr val="000000"/>
                 </a:solidFill>
-                <a:latin typeface="Calibri Light"/>
+                <a:latin typeface="Arial"/>
               </a:rPr>
               <a:t>Click </a:t>
             </a:r>
             <a:r>
-              <a:rPr b="0" lang="en-US" sz="6000" spc="-1" strike="noStrike">
+              <a:rPr b="0" lang="en-US" sz="1800" spc="-1" strike="noStrike">
                 <a:solidFill>
                   <a:srgbClr val="000000"/>
                 </a:solidFill>
-                <a:latin typeface="Calibri Light"/>
+                <a:latin typeface="Arial"/>
               </a:rPr>
               <a:t>to </a:t>
             </a:r>
             <a:r>
-              <a:rPr b="0" lang="en-US" sz="6000" spc="-1" strike="noStrike">
+              <a:rPr b="0" lang="en-US" sz="1800" spc="-1" strike="noStrike">
                 <a:solidFill>
                   <a:srgbClr val="000000"/>
                 </a:solidFill>
-                <a:latin typeface="Calibri Light"/>
+                <a:latin typeface="Arial"/>
               </a:rPr>
               <a:t>edit </a:t>
             </a:r>
             <a:r>
-              <a:rPr b="0" lang="en-US" sz="6000" spc="-1" strike="noStrike">
+              <a:rPr b="0" lang="en-US" sz="1800" spc="-1" strike="noStrike">
                 <a:solidFill>
                   <a:srgbClr val="000000"/>
                 </a:solidFill>
-                <a:latin typeface="Calibri Light"/>
+                <a:latin typeface="Arial"/>
               </a:rPr>
-              <a:t>Mas</a:t>
-            </a:r>
-            <a:r>
-              <a:rPr b="0" lang="en-US" sz="6000" spc="-1" strike="noStrike">
+              <a:t>the </a:t>
+            </a:r>
+            <a:r>
+              <a:rPr b="0" lang="en-US" sz="1800" spc="-1" strike="noStrike">
                 <a:solidFill>
                   <a:srgbClr val="000000"/>
                 </a:solidFill>
-                <a:latin typeface="Calibri Light"/>
+                <a:latin typeface="Arial"/>
               </a:rPr>
-              <a:t>ter </a:t>
-            </a:r>
-            <a:r>
-              <a:rPr b="0" lang="en-US" sz="6000" spc="-1" strike="noStrike">
+              <a:t>title </a:t>
+            </a:r>
+            <a:r>
+              <a:rPr b="0" lang="en-US" sz="1800" spc="-1" strike="noStrike">
                 <a:solidFill>
                   <a:srgbClr val="000000"/>
                 </a:solidFill>
-                <a:latin typeface="Calibri Light"/>
+                <a:latin typeface="Arial"/>
               </a:rPr>
-              <a:t>title </a:t>
-            </a:r>
-            <a:r>
-              <a:rPr b="0" lang="en-US" sz="6000" spc="-1" strike="noStrike">
+              <a:t>text </a:t>
+            </a:r>
+            <a:r>
+              <a:rPr b="0" lang="en-US" sz="1800" spc="-1" strike="noStrike">
                 <a:solidFill>
                   <a:srgbClr val="000000"/>
                 </a:solidFill>
-                <a:latin typeface="Calibri Light"/>
+                <a:latin typeface="Arial"/>
               </a:rPr>
-              <a:t>style</a:t>
-            </a:r>
-            <a:endParaRPr b="0" lang="en-US" sz="6000" spc="-1" strike="noStrike">
-              <a:solidFill>
-                <a:srgbClr val="000000"/>
-              </a:solidFill>
-              <a:latin typeface="Calibri"/>
+              <a:t>form</a:t>
+            </a:r>
+            <a:r>
+              <a:rPr b="0" lang="en-US" sz="1800" spc="-1" strike="noStrike">
+                <a:solidFill>
+                  <a:srgbClr val="000000"/>
+                </a:solidFill>
+                <a:latin typeface="Arial"/>
+              </a:rPr>
+              <a:t>at</a:t>
+            </a:r>
+            <a:endParaRPr b="0" lang="en-US" sz="1800" spc="-1" strike="noStrike">
+              <a:solidFill>
+                <a:srgbClr val="000000"/>
+              </a:solidFill>
+              <a:latin typeface="Arial"/>
             </a:endParaRPr>
           </a:p>
         </p:txBody>
@@ -5318,32 +5179,107 @@
             <a:spLocks noGrp="1"/>
           </p:cNvSpPr>
           <p:nvPr>
-            <p:ph type="dt" idx="1"/>
-          </p:nvPr>
-        </p:nvSpPr>
-        <p:spPr>
-          <a:xfrm>
-            <a:off x="838080" y="6356520"/>
-            <a:ext cx="2742840" cy="364680"/>
-          </a:xfrm>
-          <a:prstGeom prst="rect">
-            <a:avLst/>
-          </a:prstGeom>
-          <a:noFill/>
-          <a:ln w="0">
-            <a:noFill/>
-          </a:ln>
-        </p:spPr>
-        <p:txBody>
-          <a:bodyPr anchor="ctr">
+            <p:ph type="ftr" idx="1"/>
+          </p:nvPr>
+        </p:nvSpPr>
+        <p:spPr>
+          <a:xfrm>
+            <a:off x="4038480" y="6356520"/>
+            <a:ext cx="4114080" cy="364320"/>
+          </a:xfrm>
+          <a:prstGeom prst="rect">
+            <a:avLst/>
+          </a:prstGeom>
+          <a:noFill/>
+          <a:ln w="0">
+            <a:noFill/>
+          </a:ln>
+        </p:spPr>
+        <p:txBody>
+          <a:bodyPr lIns="90000" rIns="90000" tIns="45000" bIns="45000" anchor="ctr">
             <a:noAutofit/>
           </a:bodyPr>
           <a:lstStyle>
-            <a:lvl1pPr indent="0">
+            <a:lvl1pPr indent="0" algn="ctr">
               <a:lnSpc>
                 <a:spcPct val="100000"/>
               </a:lnSpc>
               <a:buNone/>
+              <a:tabLst>
+                <a:tab algn="l" pos="0"/>
+              </a:tabLst>
+              <a:defRPr b="0" lang="en-US" sz="1400" spc="-1" strike="noStrike">
+                <a:solidFill>
+                  <a:srgbClr val="000000"/>
+                </a:solidFill>
+                <a:latin typeface="Times New Roman"/>
+              </a:defRPr>
+            </a:lvl1pPr>
+          </a:lstStyle>
+          <a:p>
+            <a:pPr indent="0" algn="ctr">
+              <a:lnSpc>
+                <a:spcPct val="100000"/>
+              </a:lnSpc>
+              <a:buNone/>
+              <a:tabLst>
+                <a:tab algn="l" pos="0"/>
+              </a:tabLst>
+            </a:pPr>
+            <a:r>
+              <a:rPr b="0" lang="en-US" sz="1400" spc="-1" strike="noStrike">
+                <a:solidFill>
+                  <a:srgbClr val="000000"/>
+                </a:solidFill>
+                <a:latin typeface="Times New Roman"/>
+              </a:rPr>
+              <a:t>&lt;footer&gt;</a:t>
+            </a:r>
+            <a:endParaRPr b="0" lang="en-US" sz="1400" spc="-1" strike="noStrike">
+              <a:solidFill>
+                <a:srgbClr val="000000"/>
+              </a:solidFill>
+              <a:latin typeface="Times New Roman"/>
+            </a:endParaRPr>
+          </a:p>
+        </p:txBody>
+      </p:sp>
+      <p:sp>
+        <p:nvSpPr>
+          <p:cNvPr id="2" name="PlaceHolder 3"/>
+          <p:cNvSpPr>
+            <a:spLocks noGrp="1"/>
+          </p:cNvSpPr>
+          <p:nvPr>
+            <p:ph type="sldNum" idx="2"/>
+          </p:nvPr>
+        </p:nvSpPr>
+        <p:spPr>
+          <a:xfrm>
+            <a:off x="8610480" y="6356520"/>
+            <a:ext cx="2742480" cy="364320"/>
+          </a:xfrm>
+          <a:prstGeom prst="rect">
+            <a:avLst/>
+          </a:prstGeom>
+          <a:noFill/>
+          <a:ln w="0">
+            <a:noFill/>
+          </a:ln>
+        </p:spPr>
+        <p:txBody>
+          <a:bodyPr lIns="90000" rIns="90000" tIns="45000" bIns="45000" anchor="ctr">
+            <a:noAutofit/>
+          </a:bodyPr>
+          <a:lstStyle>
+            <a:lvl1pPr indent="0" algn="r">
+              <a:lnSpc>
+                <a:spcPct val="100000"/>
+              </a:lnSpc>
+              <a:buNone/>
+              <a:tabLst>
+                <a:tab algn="l" pos="0"/>
+              </a:tabLst>
               <a:defRPr b="0" lang="en-US" sz="1200" spc="-1" strike="noStrike">
                 <a:solidFill>
                   <a:srgbClr val="8b8b8b"/>
@@ -5353,139 +5289,16 @@
             </a:lvl1pPr>
           </a:lstStyle>
           <a:p>
-            <a:pPr indent="0">
-              <a:lnSpc>
-                <a:spcPct val="100000"/>
-              </a:lnSpc>
-              <a:buNone/>
-            </a:pPr>
-            <a:r>
-              <a:rPr b="0" lang="en-US" sz="1200" spc="-1" strike="noStrike">
-                <a:solidFill>
-                  <a:srgbClr val="8b8b8b"/>
-                </a:solidFill>
-                <a:latin typeface="Calibri"/>
-              </a:rPr>
-              <a:t>&lt;date/time&gt;</a:t>
-            </a:r>
-            <a:endParaRPr b="0" lang="en-US" sz="1200" spc="-1" strike="noStrike">
-              <a:solidFill>
-                <a:srgbClr val="000000"/>
-              </a:solidFill>
-              <a:latin typeface="Times New Roman"/>
-            </a:endParaRPr>
-          </a:p>
-        </p:txBody>
-      </p:sp>
-      <p:sp>
-        <p:nvSpPr>
-          <p:cNvPr id="2" name="PlaceHolder 3"/>
-          <p:cNvSpPr>
-            <a:spLocks noGrp="1"/>
-          </p:cNvSpPr>
-          <p:nvPr>
-            <p:ph type="ftr" idx="2"/>
-          </p:nvPr>
-        </p:nvSpPr>
-        <p:spPr>
-          <a:xfrm>
-            <a:off x="4038480" y="6356520"/>
-            <a:ext cx="4114440" cy="364680"/>
-          </a:xfrm>
-          <a:prstGeom prst="rect">
-            <a:avLst/>
-          </a:prstGeom>
-          <a:noFill/>
-          <a:ln w="0">
-            <a:noFill/>
-          </a:ln>
-        </p:spPr>
-        <p:txBody>
-          <a:bodyPr anchor="ctr">
-            <a:noAutofit/>
-          </a:bodyPr>
-          <a:lstStyle>
-            <a:lvl1pPr indent="0" algn="ctr">
-              <a:buNone/>
-              <a:defRPr b="0" lang="en-US" sz="1400" spc="-1" strike="noStrike">
-                <a:solidFill>
-                  <a:srgbClr val="000000"/>
-                </a:solidFill>
-                <a:latin typeface="Times New Roman"/>
-              </a:defRPr>
-            </a:lvl1pPr>
-          </a:lstStyle>
-          <a:p>
-            <a:pPr indent="0" algn="ctr">
-              <a:buNone/>
-            </a:pPr>
-            <a:r>
-              <a:rPr b="0" lang="en-US" sz="1400" spc="-1" strike="noStrike">
-                <a:solidFill>
-                  <a:srgbClr val="000000"/>
-                </a:solidFill>
-                <a:latin typeface="Times New Roman"/>
-              </a:rPr>
-              <a:t>&lt;footer&gt;</a:t>
-            </a:r>
-            <a:endParaRPr b="0" lang="en-US" sz="1400" spc="-1" strike="noStrike">
-              <a:solidFill>
-                <a:srgbClr val="000000"/>
-              </a:solidFill>
-              <a:latin typeface="Times New Roman"/>
-            </a:endParaRPr>
-          </a:p>
-        </p:txBody>
-      </p:sp>
-      <p:sp>
-        <p:nvSpPr>
-          <p:cNvPr id="3" name="PlaceHolder 4"/>
-          <p:cNvSpPr>
-            <a:spLocks noGrp="1"/>
-          </p:cNvSpPr>
-          <p:nvPr>
-            <p:ph type="sldNum" idx="3"/>
-          </p:nvPr>
-        </p:nvSpPr>
-        <p:spPr>
-          <a:xfrm>
-            <a:off x="8610480" y="6356520"/>
-            <a:ext cx="2742840" cy="364680"/>
-          </a:xfrm>
-          <a:prstGeom prst="rect">
-            <a:avLst/>
-          </a:prstGeom>
-          <a:noFill/>
-          <a:ln w="0">
-            <a:noFill/>
-          </a:ln>
-        </p:spPr>
-        <p:txBody>
-          <a:bodyPr anchor="ctr">
-            <a:noAutofit/>
-          </a:bodyPr>
-          <a:lstStyle>
-            <a:lvl1pPr indent="0" algn="r">
-              <a:lnSpc>
-                <a:spcPct val="100000"/>
-              </a:lnSpc>
-              <a:buNone/>
-              <a:defRPr b="0" lang="en-US" sz="1200" spc="-1" strike="noStrike">
-                <a:solidFill>
-                  <a:srgbClr val="8b8b8b"/>
-                </a:solidFill>
-                <a:latin typeface="Calibri"/>
-              </a:defRPr>
-            </a:lvl1pPr>
-          </a:lstStyle>
-          <a:p>
             <a:pPr indent="0" algn="r">
               <a:lnSpc>
                 <a:spcPct val="100000"/>
               </a:lnSpc>
               <a:buNone/>
-            </a:pPr>
-            <a:fld id="{30C1226C-975F-4E11-81E9-A60898FD383F}" type="slidenum">
+              <a:tabLst>
+                <a:tab algn="l" pos="0"/>
+              </a:tabLst>
+            </a:pPr>
+            <a:fld id="{4FA9A7EF-BDF8-4664-89FF-F87FEB037C52}" type="slidenum">
               <a:rPr b="0" lang="en-US" sz="1200" spc="-1" strike="noStrike">
                 <a:solidFill>
                   <a:srgbClr val="8b8b8b"/>
@@ -5505,6 +5318,66 @@
       </p:sp>
       <p:sp>
         <p:nvSpPr>
+          <p:cNvPr id="3" name="PlaceHolder 4"/>
+          <p:cNvSpPr>
+            <a:spLocks noGrp="1"/>
+          </p:cNvSpPr>
+          <p:nvPr>
+            <p:ph type="dt" idx="3"/>
+          </p:nvPr>
+        </p:nvSpPr>
+        <p:spPr>
+          <a:xfrm>
+            <a:off x="838080" y="6356520"/>
+            <a:ext cx="2742480" cy="364320"/>
+          </a:xfrm>
+          <a:prstGeom prst="rect">
+            <a:avLst/>
+          </a:prstGeom>
+          <a:noFill/>
+          <a:ln w="0">
+            <a:noFill/>
+          </a:ln>
+        </p:spPr>
+        <p:txBody>
+          <a:bodyPr lIns="90000" rIns="90000" tIns="45000" bIns="45000" anchor="ctr">
+            <a:noAutofit/>
+          </a:bodyPr>
+          <a:lstStyle>
+            <a:lvl1pPr indent="0">
+              <a:buNone/>
+              <a:defRPr b="0" lang="en-US" sz="1400" spc="-1" strike="noStrike">
+                <a:solidFill>
+                  <a:srgbClr val="000000"/>
+                </a:solidFill>
+                <a:latin typeface="Times New Roman"/>
+              </a:defRPr>
+            </a:lvl1pPr>
+          </a:lstStyle>
+          <a:p>
+            <a:pPr indent="0">
+              <a:buNone/>
+            </a:pPr>
+            <a:r>
+              <a:rPr b="0" lang="en-US" sz="1400" spc="-1" strike="noStrike">
+                <a:solidFill>
+                  <a:srgbClr val="000000"/>
+                </a:solidFill>
+                <a:latin typeface="Times New Roman"/>
+              </a:rPr>
+              <a:t>&lt;date/time&gt;</a:t>
+            </a:r>
+            <a:endParaRPr b="0" lang="en-US" sz="1400" spc="-1" strike="noStrike">
+              <a:solidFill>
+                <a:srgbClr val="000000"/>
+              </a:solidFill>
+              <a:latin typeface="Times New Roman"/>
+            </a:endParaRPr>
+          </a:p>
+        </p:txBody>
+      </p:sp>
+      <p:sp>
+        <p:nvSpPr>
           <p:cNvPr id="4" name="PlaceHolder 5"/>
           <p:cNvSpPr>
             <a:spLocks noGrp="1"/>
@@ -5532,9 +5405,6 @@
           </a:bodyPr>
           <a:p>
             <a:pPr marL="432000" indent="-324000">
-              <a:lnSpc>
-                <a:spcPct val="90000"/>
-              </a:lnSpc>
               <a:spcBef>
                 <a:spcPts val="1417"/>
               </a:spcBef>
@@ -5546,28 +5416,81 @@
               <a:buChar char=""/>
             </a:pPr>
             <a:r>
+              <a:rPr b="0" lang="en-US" sz="3200" spc="-1" strike="noStrike">
+                <a:solidFill>
+                  <a:srgbClr val="000000"/>
+                </a:solidFill>
+                <a:latin typeface="Arial"/>
+              </a:rPr>
+              <a:t>Click to edit the outline text format</a:t>
+            </a:r>
+            <a:endParaRPr b="0" lang="en-US" sz="3200" spc="-1" strike="noStrike">
+              <a:solidFill>
+                <a:srgbClr val="000000"/>
+              </a:solidFill>
+              <a:latin typeface="Arial"/>
+            </a:endParaRPr>
+          </a:p>
+          <a:p>
+            <a:pPr lvl="1" marL="864000" indent="-324000">
+              <a:spcBef>
+                <a:spcPts val="1134"/>
+              </a:spcBef>
+              <a:buClr>
+                <a:srgbClr val="000000"/>
+              </a:buClr>
+              <a:buSzPct val="75000"/>
+              <a:buFont typeface="Symbol" charset="2"/>
+              <a:buChar char=""/>
+            </a:pPr>
+            <a:r>
               <a:rPr b="0" lang="en-US" sz="2800" spc="-1" strike="noStrike">
                 <a:solidFill>
                   <a:srgbClr val="000000"/>
                 </a:solidFill>
-                <a:latin typeface="Calibri"/>
+                <a:latin typeface="Arial"/>
               </a:rPr>
-              <a:t>Click to edit the outline text format</a:t>
+              <a:t>Second Outline Level</a:t>
             </a:r>
             <a:endParaRPr b="0" lang="en-US" sz="2800" spc="-1" strike="noStrike">
               <a:solidFill>
                 <a:srgbClr val="000000"/>
               </a:solidFill>
-              <a:latin typeface="Calibri"/>
-            </a:endParaRPr>
-          </a:p>
-          <a:p>
-            <a:pPr lvl="1" marL="864000" indent="-324000">
-              <a:lnSpc>
-                <a:spcPct val="90000"/>
-              </a:lnSpc>
+              <a:latin typeface="Arial"/>
+            </a:endParaRPr>
+          </a:p>
+          <a:p>
+            <a:pPr lvl="2" marL="1296000" indent="-288000">
               <a:spcBef>
-                <a:spcPts val="1134"/>
+                <a:spcPts val="850"/>
+              </a:spcBef>
+              <a:buClr>
+                <a:srgbClr val="000000"/>
+              </a:buClr>
+              <a:buSzPct val="45000"/>
+              <a:buFont typeface="Wingdings" charset="2"/>
+              <a:buChar char=""/>
+            </a:pPr>
+            <a:r>
+              <a:rPr b="0" lang="en-US" sz="2400" spc="-1" strike="noStrike">
+                <a:solidFill>
+                  <a:srgbClr val="000000"/>
+                </a:solidFill>
+                <a:latin typeface="Arial"/>
+              </a:rPr>
+              <a:t>Third Outline Level</a:t>
+            </a:r>
+            <a:endParaRPr b="0" lang="en-US" sz="2400" spc="-1" strike="noStrike">
+              <a:solidFill>
+                <a:srgbClr val="000000"/>
+              </a:solidFill>
+              <a:latin typeface="Arial"/>
+            </a:endParaRPr>
+          </a:p>
+          <a:p>
+            <a:pPr lvl="3" marL="1728000" indent="-216000">
+              <a:spcBef>
+                <a:spcPts val="567"/>
               </a:spcBef>
               <a:buClr>
                 <a:srgbClr val="000000"/>
@@ -5581,24 +5504,21 @@
                 <a:solidFill>
                   <a:srgbClr val="000000"/>
                 </a:solidFill>
-                <a:latin typeface="Calibri"/>
+                <a:latin typeface="Arial"/>
               </a:rPr>
-              <a:t>Second Outline Level</a:t>
+              <a:t>Fourth Outline Level</a:t>
             </a:r>
             <a:endParaRPr b="0" lang="en-US" sz="2000" spc="-1" strike="noStrike">
               <a:solidFill>
                 <a:srgbClr val="000000"/>
               </a:solidFill>
-              <a:latin typeface="Calibri"/>
-            </a:endParaRPr>
-          </a:p>
-          <a:p>
-            <a:pPr lvl="2" marL="1296000" indent="-288000">
-              <a:lnSpc>
-                <a:spcPct val="90000"/>
-              </a:lnSpc>
+              <a:latin typeface="Arial"/>
+            </a:endParaRPr>
+          </a:p>
+          <a:p>
+            <a:pPr lvl="4" marL="2160000" indent="-216000">
               <a:spcBef>
-                <a:spcPts val="850"/>
+                <a:spcPts val="283"/>
               </a:spcBef>
               <a:buClr>
                 <a:srgbClr val="000000"/>
@@ -5608,57 +5528,23 @@
               <a:buChar char=""/>
             </a:pPr>
             <a:r>
-              <a:rPr b="0" lang="en-US" sz="1800" spc="-1" strike="noStrike">
+              <a:rPr b="0" lang="en-US" sz="2000" spc="-1" strike="noStrike">
                 <a:solidFill>
                   <a:srgbClr val="000000"/>
                 </a:solidFill>
-                <a:latin typeface="Calibri"/>
+                <a:latin typeface="Arial"/>
               </a:rPr>
-              <a:t>Third Outline Level</a:t>
-            </a:r>
-            <a:endParaRPr b="0" lang="en-US" sz="1800" spc="-1" strike="noStrike">
-              <a:solidFill>
-                <a:srgbClr val="000000"/>
-              </a:solidFill>
-              <a:latin typeface="Calibri"/>
-            </a:endParaRPr>
-          </a:p>
-          <a:p>
-            <a:pPr lvl="3" marL="1728000" indent="-216000">
-              <a:lnSpc>
-                <a:spcPct val="90000"/>
-              </a:lnSpc>
-              <a:spcBef>
-                <a:spcPts val="567"/>
-              </a:spcBef>
-              <a:buClr>
-                <a:srgbClr val="000000"/>
-              </a:buClr>
-              <a:buSzPct val="75000"/>
-              <a:buFont typeface="Symbol" charset="2"/>
-              <a:buChar char=""/>
-            </a:pPr>
-            <a:r>
-              <a:rPr b="0" lang="en-US" sz="1800" spc="-1" strike="noStrike">
-                <a:solidFill>
-                  <a:srgbClr val="000000"/>
-                </a:solidFill>
-                <a:latin typeface="Calibri"/>
-              </a:rPr>
-              <a:t>Fourth Outline Level</a:t>
-            </a:r>
-            <a:endParaRPr b="0" lang="en-US" sz="1800" spc="-1" strike="noStrike">
-              <a:solidFill>
-                <a:srgbClr val="000000"/>
-              </a:solidFill>
-              <a:latin typeface="Calibri"/>
-            </a:endParaRPr>
-          </a:p>
-          <a:p>
-            <a:pPr lvl="4" marL="2160000" indent="-216000">
-              <a:lnSpc>
-                <a:spcPct val="90000"/>
-              </a:lnSpc>
+              <a:t>Fifth Outline Level</a:t>
+            </a:r>
+            <a:endParaRPr b="0" lang="en-US" sz="2000" spc="-1" strike="noStrike">
+              <a:solidFill>
+                <a:srgbClr val="000000"/>
+              </a:solidFill>
+              <a:latin typeface="Arial"/>
+            </a:endParaRPr>
+          </a:p>
+          <a:p>
+            <a:pPr lvl="5" marL="2592000" indent="-216000">
               <a:spcBef>
                 <a:spcPts val="283"/>
               </a:spcBef>
@@ -5674,22 +5560,19 @@
                 <a:solidFill>
                   <a:srgbClr val="000000"/>
                 </a:solidFill>
-                <a:latin typeface="Calibri"/>
+                <a:latin typeface="Arial"/>
               </a:rPr>
-              <a:t>Fifth Outline Level</a:t>
+              <a:t>Sixth Outline Level</a:t>
             </a:r>
             <a:endParaRPr b="0" lang="en-US" sz="2000" spc="-1" strike="noStrike">
               <a:solidFill>
                 <a:srgbClr val="000000"/>
               </a:solidFill>
-              <a:latin typeface="Calibri"/>
-            </a:endParaRPr>
-          </a:p>
-          <a:p>
-            <a:pPr lvl="5" marL="2592000" indent="-216000">
-              <a:lnSpc>
-                <a:spcPct val="90000"/>
-              </a:lnSpc>
+              <a:latin typeface="Arial"/>
+            </a:endParaRPr>
+          </a:p>
+          <a:p>
+            <a:pPr lvl="6" marL="3024000" indent="-216000">
               <a:spcBef>
                 <a:spcPts val="283"/>
               </a:spcBef>
@@ -5705,38 +5588,7 @@
                 <a:solidFill>
                   <a:srgbClr val="000000"/>
                 </a:solidFill>
-                <a:latin typeface="Calibri"/>
-              </a:rPr>
-              <a:t>Sixth Outline Level</a:t>
-            </a:r>
-            <a:endParaRPr b="0" lang="en-US" sz="2000" spc="-1" strike="noStrike">
-              <a:solidFill>
-                <a:srgbClr val="000000"/>
-              </a:solidFill>
-              <a:latin typeface="Calibri"/>
-            </a:endParaRPr>
-          </a:p>
-          <a:p>
-            <a:pPr lvl="6" marL="3024000" indent="-216000">
-              <a:lnSpc>
-                <a:spcPct val="90000"/>
-              </a:lnSpc>
-              <a:spcBef>
-                <a:spcPts val="283"/>
-              </a:spcBef>
-              <a:buClr>
-                <a:srgbClr val="000000"/>
-              </a:buClr>
-              <a:buSzPct val="45000"/>
-              <a:buFont typeface="Wingdings" charset="2"/>
-              <a:buChar char=""/>
-            </a:pPr>
-            <a:r>
-              <a:rPr b="0" lang="en-US" sz="2000" spc="-1" strike="noStrike">
-                <a:solidFill>
-                  <a:srgbClr val="000000"/>
-                </a:solidFill>
-                <a:latin typeface="Calibri"/>
+                <a:latin typeface="Arial"/>
               </a:rPr>
               <a:t>Seventh Outline Level</a:t>
             </a:r>
@@ -5744,7 +5596,7 @@
               <a:solidFill>
                 <a:srgbClr val="000000"/>
               </a:solidFill>
-              <a:latin typeface="Calibri"/>
+              <a:latin typeface="Arial"/>
             </a:endParaRPr>
           </a:p>
         </p:txBody>
@@ -5803,263 +5655,107 @@
             <a:spLocks noGrp="1"/>
           </p:cNvSpPr>
           <p:nvPr>
-            <p:ph type="title"/>
-          </p:nvPr>
-        </p:nvSpPr>
-        <p:spPr>
-          <a:xfrm>
-            <a:off x="838080" y="365040"/>
-            <a:ext cx="10515240" cy="1325160"/>
-          </a:xfrm>
-          <a:prstGeom prst="rect">
-            <a:avLst/>
-          </a:prstGeom>
-          <a:noFill/>
-          <a:ln w="0">
-            <a:noFill/>
-          </a:ln>
-        </p:spPr>
-        <p:txBody>
-          <a:bodyPr anchor="ctr">
+            <p:ph type="ftr" idx="4"/>
+          </p:nvPr>
+        </p:nvSpPr>
+        <p:spPr>
+          <a:xfrm>
+            <a:off x="4038480" y="6356520"/>
+            <a:ext cx="4114080" cy="364320"/>
+          </a:xfrm>
+          <a:prstGeom prst="rect">
+            <a:avLst/>
+          </a:prstGeom>
+          <a:noFill/>
+          <a:ln w="0">
+            <a:noFill/>
+          </a:ln>
+        </p:spPr>
+        <p:txBody>
+          <a:bodyPr lIns="90000" rIns="90000" tIns="45000" bIns="45000" anchor="ctr">
             <a:noAutofit/>
           </a:bodyPr>
-          <a:p>
-            <a:pPr indent="0">
+          <a:lstStyle>
+            <a:lvl1pPr indent="0" algn="ctr">
               <a:lnSpc>
-                <a:spcPct val="90000"/>
+                <a:spcPct val="100000"/>
               </a:lnSpc>
               <a:buNone/>
-            </a:pPr>
-            <a:r>
-              <a:rPr b="0" lang="en-US" sz="4400" spc="-1" strike="noStrike">
+              <a:tabLst>
+                <a:tab algn="l" pos="0"/>
+              </a:tabLst>
+              <a:defRPr b="0" lang="en-US" sz="1400" spc="-1" strike="noStrike">
                 <a:solidFill>
                   <a:srgbClr val="000000"/>
                 </a:solidFill>
-                <a:latin typeface="Calibri Light"/>
-              </a:rPr>
-              <a:t>Click to edit Master title style</a:t>
-            </a:r>
-            <a:endParaRPr b="0" lang="en-US" sz="4400" spc="-1" strike="noStrike">
-              <a:solidFill>
-                <a:srgbClr val="000000"/>
-              </a:solidFill>
-              <a:latin typeface="Calibri"/>
-            </a:endParaRPr>
-          </a:p>
-        </p:txBody>
-      </p:sp>
-      <p:sp>
-        <p:nvSpPr>
-          <p:cNvPr id="42" name="PlaceHolder 2"/>
-          <p:cNvSpPr>
-            <a:spLocks noGrp="1"/>
-          </p:cNvSpPr>
-          <p:nvPr>
-            <p:ph type="body"/>
-          </p:nvPr>
-        </p:nvSpPr>
-        <p:spPr>
-          <a:xfrm>
-            <a:off x="838080" y="1825560"/>
-            <a:ext cx="10515240" cy="4350960"/>
-          </a:xfrm>
-          <a:prstGeom prst="rect">
-            <a:avLst/>
-          </a:prstGeom>
-          <a:noFill/>
-          <a:ln w="0">
-            <a:noFill/>
-          </a:ln>
-        </p:spPr>
-        <p:txBody>
-          <a:bodyPr anchor="t">
-            <a:noAutofit/>
-          </a:bodyPr>
-          <a:p>
-            <a:pPr marL="228600" indent="-228600">
+                <a:latin typeface="Times New Roman"/>
+              </a:defRPr>
+            </a:lvl1pPr>
+          </a:lstStyle>
+          <a:p>
+            <a:pPr indent="0" algn="ctr">
               <a:lnSpc>
-                <a:spcPct val="90000"/>
+                <a:spcPct val="100000"/>
               </a:lnSpc>
-              <a:spcBef>
-                <a:spcPts val="1001"/>
-              </a:spcBef>
-              <a:buClr>
-                <a:srgbClr val="000000"/>
-              </a:buClr>
-              <a:buFont typeface="Arial"/>
-              <a:buChar char="•"/>
-            </a:pPr>
-            <a:r>
-              <a:rPr b="0" lang="en-US" sz="2800" spc="-1" strike="noStrike">
+              <a:buNone/>
+              <a:tabLst>
+                <a:tab algn="l" pos="0"/>
+              </a:tabLst>
+            </a:pPr>
+            <a:r>
+              <a:rPr b="0" lang="en-US" sz="1400" spc="-1" strike="noStrike">
                 <a:solidFill>
                   <a:srgbClr val="000000"/>
                 </a:solidFill>
-                <a:latin typeface="Calibri"/>
+                <a:latin typeface="Times New Roman"/>
               </a:rPr>
-              <a:t>Click to edit Master text styles</a:t>
-            </a:r>
-            <a:endParaRPr b="0" lang="en-US" sz="2800" spc="-1" strike="noStrike">
-              <a:solidFill>
-                <a:srgbClr val="000000"/>
-              </a:solidFill>
-              <a:latin typeface="Calibri"/>
-            </a:endParaRPr>
-          </a:p>
-          <a:p>
-            <a:pPr lvl="1" marL="685800" indent="-228600">
-              <a:lnSpc>
-                <a:spcPct val="90000"/>
-              </a:lnSpc>
-              <a:spcBef>
-                <a:spcPts val="499"/>
-              </a:spcBef>
-              <a:buClr>
-                <a:srgbClr val="000000"/>
-              </a:buClr>
-              <a:buFont typeface="Arial"/>
-              <a:buChar char="•"/>
-            </a:pPr>
-            <a:r>
-              <a:rPr b="0" lang="en-US" sz="2400" spc="-1" strike="noStrike">
-                <a:solidFill>
-                  <a:srgbClr val="000000"/>
-                </a:solidFill>
-                <a:latin typeface="Calibri"/>
-              </a:rPr>
-              <a:t>Second level</a:t>
-            </a:r>
-            <a:endParaRPr b="0" lang="en-US" sz="2400" spc="-1" strike="noStrike">
-              <a:solidFill>
-                <a:srgbClr val="000000"/>
-              </a:solidFill>
-              <a:latin typeface="Calibri"/>
-            </a:endParaRPr>
-          </a:p>
-          <a:p>
-            <a:pPr lvl="2" marL="1143000" indent="-228600">
-              <a:lnSpc>
-                <a:spcPct val="90000"/>
-              </a:lnSpc>
-              <a:spcBef>
-                <a:spcPts val="499"/>
-              </a:spcBef>
-              <a:buClr>
-                <a:srgbClr val="000000"/>
-              </a:buClr>
-              <a:buFont typeface="Arial"/>
-              <a:buChar char="•"/>
-            </a:pPr>
-            <a:r>
-              <a:rPr b="0" lang="en-US" sz="2000" spc="-1" strike="noStrike">
-                <a:solidFill>
-                  <a:srgbClr val="000000"/>
-                </a:solidFill>
-                <a:latin typeface="Calibri"/>
-              </a:rPr>
-              <a:t>Third level</a:t>
-            </a:r>
-            <a:endParaRPr b="0" lang="en-US" sz="2000" spc="-1" strike="noStrike">
-              <a:solidFill>
-                <a:srgbClr val="000000"/>
-              </a:solidFill>
-              <a:latin typeface="Calibri"/>
-            </a:endParaRPr>
-          </a:p>
-          <a:p>
-            <a:pPr lvl="3" marL="1600200" indent="-228600">
-              <a:lnSpc>
-                <a:spcPct val="90000"/>
-              </a:lnSpc>
-              <a:spcBef>
-                <a:spcPts val="499"/>
-              </a:spcBef>
-              <a:buClr>
-                <a:srgbClr val="000000"/>
-              </a:buClr>
-              <a:buFont typeface="Arial"/>
-              <a:buChar char="•"/>
-            </a:pPr>
-            <a:r>
-              <a:rPr b="0" lang="en-US" sz="1800" spc="-1" strike="noStrike">
-                <a:solidFill>
-                  <a:srgbClr val="000000"/>
-                </a:solidFill>
-                <a:latin typeface="Calibri"/>
-              </a:rPr>
-              <a:t>Fourth level</a:t>
-            </a:r>
-            <a:endParaRPr b="0" lang="en-US" sz="1800" spc="-1" strike="noStrike">
-              <a:solidFill>
-                <a:srgbClr val="000000"/>
-              </a:solidFill>
-              <a:latin typeface="Calibri"/>
-            </a:endParaRPr>
-          </a:p>
-          <a:p>
-            <a:pPr lvl="4" marL="2057400" indent="-228600">
-              <a:lnSpc>
-                <a:spcPct val="90000"/>
-              </a:lnSpc>
-              <a:spcBef>
-                <a:spcPts val="499"/>
-              </a:spcBef>
-              <a:buClr>
-                <a:srgbClr val="000000"/>
-              </a:buClr>
-              <a:buFont typeface="Arial"/>
-              <a:buChar char="•"/>
-            </a:pPr>
-            <a:r>
-              <a:rPr b="0" lang="en-US" sz="1800" spc="-1" strike="noStrike">
-                <a:solidFill>
-                  <a:srgbClr val="000000"/>
-                </a:solidFill>
-                <a:latin typeface="Calibri"/>
-              </a:rPr>
-              <a:t>Fifth level</a:t>
-            </a:r>
-            <a:endParaRPr b="0" lang="en-US" sz="1800" spc="-1" strike="noStrike">
-              <a:solidFill>
-                <a:srgbClr val="000000"/>
-              </a:solidFill>
-              <a:latin typeface="Calibri"/>
-            </a:endParaRPr>
-          </a:p>
-        </p:txBody>
-      </p:sp>
-      <p:sp>
-        <p:nvSpPr>
-          <p:cNvPr id="43" name="PlaceHolder 3"/>
-          <p:cNvSpPr>
-            <a:spLocks noGrp="1"/>
-          </p:cNvSpPr>
-          <p:nvPr>
-            <p:ph type="dt" idx="4"/>
-          </p:nvPr>
-        </p:nvSpPr>
-        <p:spPr>
-          <a:xfrm>
-            <a:off x="838080" y="6356520"/>
-            <a:ext cx="2742840" cy="364680"/>
-          </a:xfrm>
-          <a:prstGeom prst="rect">
-            <a:avLst/>
-          </a:prstGeom>
-          <a:noFill/>
-          <a:ln w="0">
-            <a:noFill/>
-          </a:ln>
-        </p:spPr>
-        <p:txBody>
-          <a:bodyPr anchor="ctr">
+              <a:t>&lt;footer&gt;</a:t>
+            </a:r>
+            <a:endParaRPr b="0" lang="en-US" sz="1400" spc="-1" strike="noStrike">
+              <a:solidFill>
+                <a:srgbClr val="000000"/>
+              </a:solidFill>
+              <a:latin typeface="Times New Roman"/>
+            </a:endParaRPr>
+          </a:p>
+        </p:txBody>
+      </p:sp>
+      <p:sp>
+        <p:nvSpPr>
+          <p:cNvPr id="42" name="PlaceHolder 2"/>
+          <p:cNvSpPr>
+            <a:spLocks noGrp="1"/>
+          </p:cNvSpPr>
+          <p:nvPr>
+            <p:ph type="sldNum" idx="5"/>
+          </p:nvPr>
+        </p:nvSpPr>
+        <p:spPr>
+          <a:xfrm>
+            <a:off x="8610480" y="6356520"/>
+            <a:ext cx="2742480" cy="364320"/>
+          </a:xfrm>
+          <a:prstGeom prst="rect">
+            <a:avLst/>
+          </a:prstGeom>
+          <a:noFill/>
+          <a:ln w="0">
+            <a:noFill/>
+          </a:ln>
+        </p:spPr>
+        <p:txBody>
+          <a:bodyPr lIns="90000" rIns="90000" tIns="45000" bIns="45000" anchor="ctr">
             <a:noAutofit/>
           </a:bodyPr>
           <a:lstStyle>
-            <a:lvl1pPr indent="0">
+            <a:lvl1pPr indent="0" algn="r">
               <a:lnSpc>
                 <a:spcPct val="100000"/>
               </a:lnSpc>
               <a:buNone/>
+              <a:tabLst>
+                <a:tab algn="l" pos="0"/>
+              </a:tabLst>
               <a:defRPr b="0" lang="en-US" sz="1200" spc="-1" strike="noStrike">
                 <a:solidFill>
                   <a:srgbClr val="8b8b8b"/>
@@ -6069,139 +5765,16 @@
             </a:lvl1pPr>
           </a:lstStyle>
           <a:p>
-            <a:pPr indent="0">
-              <a:lnSpc>
-                <a:spcPct val="100000"/>
-              </a:lnSpc>
-              <a:buNone/>
-            </a:pPr>
-            <a:r>
-              <a:rPr b="0" lang="en-US" sz="1200" spc="-1" strike="noStrike">
-                <a:solidFill>
-                  <a:srgbClr val="8b8b8b"/>
-                </a:solidFill>
-                <a:latin typeface="Calibri"/>
-              </a:rPr>
-              <a:t>&lt;date/time&gt;</a:t>
-            </a:r>
-            <a:endParaRPr b="0" lang="en-US" sz="1200" spc="-1" strike="noStrike">
-              <a:solidFill>
-                <a:srgbClr val="000000"/>
-              </a:solidFill>
-              <a:latin typeface="Times New Roman"/>
-            </a:endParaRPr>
-          </a:p>
-        </p:txBody>
-      </p:sp>
-      <p:sp>
-        <p:nvSpPr>
-          <p:cNvPr id="44" name="PlaceHolder 4"/>
-          <p:cNvSpPr>
-            <a:spLocks noGrp="1"/>
-          </p:cNvSpPr>
-          <p:nvPr>
-            <p:ph type="ftr" idx="5"/>
-          </p:nvPr>
-        </p:nvSpPr>
-        <p:spPr>
-          <a:xfrm>
-            <a:off x="4038480" y="6356520"/>
-            <a:ext cx="4114440" cy="364680"/>
-          </a:xfrm>
-          <a:prstGeom prst="rect">
-            <a:avLst/>
-          </a:prstGeom>
-          <a:noFill/>
-          <a:ln w="0">
-            <a:noFill/>
-          </a:ln>
-        </p:spPr>
-        <p:txBody>
-          <a:bodyPr anchor="ctr">
-            <a:noAutofit/>
-          </a:bodyPr>
-          <a:lstStyle>
-            <a:lvl1pPr indent="0" algn="ctr">
-              <a:buNone/>
-              <a:defRPr b="0" lang="en-US" sz="1400" spc="-1" strike="noStrike">
-                <a:solidFill>
-                  <a:srgbClr val="000000"/>
-                </a:solidFill>
-                <a:latin typeface="Times New Roman"/>
-              </a:defRPr>
-            </a:lvl1pPr>
-          </a:lstStyle>
-          <a:p>
-            <a:pPr indent="0" algn="ctr">
-              <a:buNone/>
-            </a:pPr>
-            <a:r>
-              <a:rPr b="0" lang="en-US" sz="1400" spc="-1" strike="noStrike">
-                <a:solidFill>
-                  <a:srgbClr val="000000"/>
-                </a:solidFill>
-                <a:latin typeface="Times New Roman"/>
-              </a:rPr>
-              <a:t>&lt;footer&gt;</a:t>
-            </a:r>
-            <a:endParaRPr b="0" lang="en-US" sz="1400" spc="-1" strike="noStrike">
-              <a:solidFill>
-                <a:srgbClr val="000000"/>
-              </a:solidFill>
-              <a:latin typeface="Times New Roman"/>
-            </a:endParaRPr>
-          </a:p>
-        </p:txBody>
-      </p:sp>
-      <p:sp>
-        <p:nvSpPr>
-          <p:cNvPr id="45" name="PlaceHolder 5"/>
-          <p:cNvSpPr>
-            <a:spLocks noGrp="1"/>
-          </p:cNvSpPr>
-          <p:nvPr>
-            <p:ph type="sldNum" idx="6"/>
-          </p:nvPr>
-        </p:nvSpPr>
-        <p:spPr>
-          <a:xfrm>
-            <a:off x="8610480" y="6356520"/>
-            <a:ext cx="2742840" cy="364680"/>
-          </a:xfrm>
-          <a:prstGeom prst="rect">
-            <a:avLst/>
-          </a:prstGeom>
-          <a:noFill/>
-          <a:ln w="0">
-            <a:noFill/>
-          </a:ln>
-        </p:spPr>
-        <p:txBody>
-          <a:bodyPr anchor="ctr">
-            <a:noAutofit/>
-          </a:bodyPr>
-          <a:lstStyle>
-            <a:lvl1pPr indent="0" algn="r">
-              <a:lnSpc>
-                <a:spcPct val="100000"/>
-              </a:lnSpc>
-              <a:buNone/>
-              <a:defRPr b="0" lang="en-US" sz="1200" spc="-1" strike="noStrike">
-                <a:solidFill>
-                  <a:srgbClr val="8b8b8b"/>
-                </a:solidFill>
-                <a:latin typeface="Calibri"/>
-              </a:defRPr>
-            </a:lvl1pPr>
-          </a:lstStyle>
-          <a:p>
             <a:pPr indent="0" algn="r">
               <a:lnSpc>
                 <a:spcPct val="100000"/>
               </a:lnSpc>
               <a:buNone/>
-            </a:pPr>
-            <a:fld id="{E4FC200D-E01E-408F-B0D5-305221A85CE7}" type="slidenum">
+              <a:tabLst>
+                <a:tab algn="l" pos="0"/>
+              </a:tabLst>
+            </a:pPr>
+            <a:fld id="{2AEF4277-1467-4F64-83AD-E9641863E1D2}" type="slidenum">
               <a:rPr b="0" lang="en-US" sz="1200" spc="-1" strike="noStrike">
                 <a:solidFill>
                   <a:srgbClr val="8b8b8b"/>
@@ -6215,6 +5788,340 @@
                 <a:srgbClr val="000000"/>
               </a:solidFill>
               <a:latin typeface="Times New Roman"/>
+            </a:endParaRPr>
+          </a:p>
+        </p:txBody>
+      </p:sp>
+      <p:sp>
+        <p:nvSpPr>
+          <p:cNvPr id="43" name="PlaceHolder 3"/>
+          <p:cNvSpPr>
+            <a:spLocks noGrp="1"/>
+          </p:cNvSpPr>
+          <p:nvPr>
+            <p:ph type="dt" idx="6"/>
+          </p:nvPr>
+        </p:nvSpPr>
+        <p:spPr>
+          <a:xfrm>
+            <a:off x="838080" y="6356520"/>
+            <a:ext cx="2742480" cy="364320"/>
+          </a:xfrm>
+          <a:prstGeom prst="rect">
+            <a:avLst/>
+          </a:prstGeom>
+          <a:noFill/>
+          <a:ln w="0">
+            <a:noFill/>
+          </a:ln>
+        </p:spPr>
+        <p:txBody>
+          <a:bodyPr lIns="90000" rIns="90000" tIns="45000" bIns="45000" anchor="ctr">
+            <a:noAutofit/>
+          </a:bodyPr>
+          <a:lstStyle>
+            <a:lvl1pPr indent="0">
+              <a:buNone/>
+              <a:defRPr b="0" lang="en-US" sz="1400" spc="-1" strike="noStrike">
+                <a:solidFill>
+                  <a:srgbClr val="000000"/>
+                </a:solidFill>
+                <a:latin typeface="Times New Roman"/>
+              </a:defRPr>
+            </a:lvl1pPr>
+          </a:lstStyle>
+          <a:p>
+            <a:pPr indent="0">
+              <a:buNone/>
+            </a:pPr>
+            <a:r>
+              <a:rPr b="0" lang="en-US" sz="1400" spc="-1" strike="noStrike">
+                <a:solidFill>
+                  <a:srgbClr val="000000"/>
+                </a:solidFill>
+                <a:latin typeface="Times New Roman"/>
+              </a:rPr>
+              <a:t>&lt;date/time&gt;</a:t>
+            </a:r>
+            <a:endParaRPr b="0" lang="en-US" sz="1400" spc="-1" strike="noStrike">
+              <a:solidFill>
+                <a:srgbClr val="000000"/>
+              </a:solidFill>
+              <a:latin typeface="Times New Roman"/>
+            </a:endParaRPr>
+          </a:p>
+        </p:txBody>
+      </p:sp>
+      <p:sp>
+        <p:nvSpPr>
+          <p:cNvPr id="44" name="PlaceHolder 4"/>
+          <p:cNvSpPr>
+            <a:spLocks noGrp="1"/>
+          </p:cNvSpPr>
+          <p:nvPr>
+            <p:ph type="title"/>
+          </p:nvPr>
+        </p:nvSpPr>
+        <p:spPr>
+          <a:xfrm>
+            <a:off x="609480" y="273600"/>
+            <a:ext cx="10972440" cy="1144800"/>
+          </a:xfrm>
+          <a:prstGeom prst="rect">
+            <a:avLst/>
+          </a:prstGeom>
+          <a:noFill/>
+          <a:ln w="0">
+            <a:noFill/>
+          </a:ln>
+        </p:spPr>
+        <p:txBody>
+          <a:bodyPr lIns="0" rIns="0" tIns="0" bIns="0" anchor="ctr">
+            <a:noAutofit/>
+          </a:bodyPr>
+          <a:p>
+            <a:pPr indent="0" algn="ctr">
+              <a:buNone/>
+            </a:pPr>
+            <a:r>
+              <a:rPr b="0" lang="en-US" sz="4400" spc="-1" strike="noStrike">
+                <a:solidFill>
+                  <a:srgbClr val="000000"/>
+                </a:solidFill>
+                <a:latin typeface="Arial"/>
+              </a:rPr>
+              <a:t>Click to edit the title text format</a:t>
+            </a:r>
+            <a:endParaRPr b="0" lang="en-US" sz="4400" spc="-1" strike="noStrike">
+              <a:solidFill>
+                <a:srgbClr val="000000"/>
+              </a:solidFill>
+              <a:latin typeface="Arial"/>
+            </a:endParaRPr>
+          </a:p>
+        </p:txBody>
+      </p:sp>
+      <p:sp>
+        <p:nvSpPr>
+          <p:cNvPr id="45" name="PlaceHolder 5"/>
+          <p:cNvSpPr>
+            <a:spLocks noGrp="1"/>
+          </p:cNvSpPr>
+          <p:nvPr>
+            <p:ph type="body"/>
+          </p:nvPr>
+        </p:nvSpPr>
+        <p:spPr>
+          <a:xfrm>
+            <a:off x="609480" y="1604520"/>
+            <a:ext cx="10972440" cy="3977280"/>
+          </a:xfrm>
+          <a:prstGeom prst="rect">
+            <a:avLst/>
+          </a:prstGeom>
+          <a:noFill/>
+          <a:ln w="0">
+            <a:noFill/>
+          </a:ln>
+        </p:spPr>
+        <p:txBody>
+          <a:bodyPr lIns="0" rIns="0" tIns="0" bIns="0" anchor="t">
+            <a:normAutofit/>
+          </a:bodyPr>
+          <a:p>
+            <a:pPr marL="432000" indent="-324000">
+              <a:spcBef>
+                <a:spcPts val="1417"/>
+              </a:spcBef>
+              <a:buClr>
+                <a:srgbClr val="000000"/>
+              </a:buClr>
+              <a:buSzPct val="45000"/>
+              <a:buFont typeface="Wingdings" charset="2"/>
+              <a:buChar char=""/>
+            </a:pPr>
+            <a:r>
+              <a:rPr b="0" lang="en-US" sz="3200" spc="-1" strike="noStrike">
+                <a:solidFill>
+                  <a:srgbClr val="000000"/>
+                </a:solidFill>
+                <a:latin typeface="Arial"/>
+              </a:rPr>
+              <a:t>Click to edit the outline text format</a:t>
+            </a:r>
+            <a:endParaRPr b="0" lang="en-US" sz="3200" spc="-1" strike="noStrike">
+              <a:solidFill>
+                <a:srgbClr val="000000"/>
+              </a:solidFill>
+              <a:latin typeface="Arial"/>
+            </a:endParaRPr>
+          </a:p>
+          <a:p>
+            <a:pPr lvl="1" marL="864000" indent="-324000">
+              <a:spcBef>
+                <a:spcPts val="1134"/>
+              </a:spcBef>
+              <a:buClr>
+                <a:srgbClr val="000000"/>
+              </a:buClr>
+              <a:buSzPct val="75000"/>
+              <a:buFont typeface="Symbol" charset="2"/>
+              <a:buChar char=""/>
+            </a:pPr>
+            <a:r>
+              <a:rPr b="0" lang="en-US" sz="2800" spc="-1" strike="noStrike">
+                <a:solidFill>
+                  <a:srgbClr val="000000"/>
+                </a:solidFill>
+                <a:latin typeface="Arial"/>
+              </a:rPr>
+              <a:t>Second Outline Level</a:t>
+            </a:r>
+            <a:endParaRPr b="0" lang="en-US" sz="2800" spc="-1" strike="noStrike">
+              <a:solidFill>
+                <a:srgbClr val="000000"/>
+              </a:solidFill>
+              <a:latin typeface="Arial"/>
+            </a:endParaRPr>
+          </a:p>
+          <a:p>
+            <a:pPr lvl="2" marL="1296000" indent="-288000">
+              <a:spcBef>
+                <a:spcPts val="850"/>
+              </a:spcBef>
+              <a:buClr>
+                <a:srgbClr val="000000"/>
+              </a:buClr>
+              <a:buSzPct val="45000"/>
+              <a:buFont typeface="Wingdings" charset="2"/>
+              <a:buChar char=""/>
+            </a:pPr>
+            <a:r>
+              <a:rPr b="0" lang="en-US" sz="2400" spc="-1" strike="noStrike">
+                <a:solidFill>
+                  <a:srgbClr val="000000"/>
+                </a:solidFill>
+                <a:latin typeface="Arial"/>
+              </a:rPr>
+              <a:t>Third Outline Level</a:t>
+            </a:r>
+            <a:endParaRPr b="0" lang="en-US" sz="2400" spc="-1" strike="noStrike">
+              <a:solidFill>
+                <a:srgbClr val="000000"/>
+              </a:solidFill>
+              <a:latin typeface="Arial"/>
+            </a:endParaRPr>
+          </a:p>
+          <a:p>
+            <a:pPr lvl="3" marL="1728000" indent="-216000">
+              <a:spcBef>
+                <a:spcPts val="567"/>
+              </a:spcBef>
+              <a:buClr>
+                <a:srgbClr val="000000"/>
+              </a:buClr>
+              <a:buSzPct val="75000"/>
+              <a:buFont typeface="Symbol" charset="2"/>
+              <a:buChar char=""/>
+            </a:pPr>
+            <a:r>
+              <a:rPr b="0" lang="en-US" sz="2000" spc="-1" strike="noStrike">
+                <a:solidFill>
+                  <a:srgbClr val="000000"/>
+                </a:solidFill>
+                <a:latin typeface="Arial"/>
+              </a:rPr>
+              <a:t>Fourth Outline Level</a:t>
+            </a:r>
+            <a:endParaRPr b="0" lang="en-US" sz="2000" spc="-1" strike="noStrike">
+              <a:solidFill>
+                <a:srgbClr val="000000"/>
+              </a:solidFill>
+              <a:latin typeface="Arial"/>
+            </a:endParaRPr>
+          </a:p>
+          <a:p>
+            <a:pPr lvl="4" marL="2160000" indent="-216000">
+              <a:spcBef>
+                <a:spcPts val="283"/>
+              </a:spcBef>
+              <a:buClr>
+                <a:srgbClr val="000000"/>
+              </a:buClr>
+              <a:buSzPct val="45000"/>
+              <a:buFont typeface="Wingdings" charset="2"/>
+              <a:buChar char=""/>
+            </a:pPr>
+            <a:r>
+              <a:rPr b="0" lang="en-US" sz="2000" spc="-1" strike="noStrike">
+                <a:solidFill>
+                  <a:srgbClr val="000000"/>
+                </a:solidFill>
+                <a:latin typeface="Arial"/>
+              </a:rPr>
+              <a:t>Fifth Outline Level</a:t>
+            </a:r>
+            <a:endParaRPr b="0" lang="en-US" sz="2000" spc="-1" strike="noStrike">
+              <a:solidFill>
+                <a:srgbClr val="000000"/>
+              </a:solidFill>
+              <a:latin typeface="Arial"/>
+            </a:endParaRPr>
+          </a:p>
+          <a:p>
+            <a:pPr lvl="5" marL="2592000" indent="-216000">
+              <a:spcBef>
+                <a:spcPts val="283"/>
+              </a:spcBef>
+              <a:buClr>
+                <a:srgbClr val="000000"/>
+              </a:buClr>
+              <a:buSzPct val="45000"/>
+              <a:buFont typeface="Wingdings" charset="2"/>
+              <a:buChar char=""/>
+            </a:pPr>
+            <a:r>
+              <a:rPr b="0" lang="en-US" sz="2000" spc="-1" strike="noStrike">
+                <a:solidFill>
+                  <a:srgbClr val="000000"/>
+                </a:solidFill>
+                <a:latin typeface="Arial"/>
+              </a:rPr>
+              <a:t>Sixth Outline Level</a:t>
+            </a:r>
+            <a:endParaRPr b="0" lang="en-US" sz="2000" spc="-1" strike="noStrike">
+              <a:solidFill>
+                <a:srgbClr val="000000"/>
+              </a:solidFill>
+              <a:latin typeface="Arial"/>
+            </a:endParaRPr>
+          </a:p>
+          <a:p>
+            <a:pPr lvl="6" marL="3024000" indent="-216000">
+              <a:spcBef>
+                <a:spcPts val="283"/>
+              </a:spcBef>
+              <a:buClr>
+                <a:srgbClr val="000000"/>
+              </a:buClr>
+              <a:buSzPct val="45000"/>
+              <a:buFont typeface="Wingdings" charset="2"/>
+              <a:buChar char=""/>
+            </a:pPr>
+            <a:r>
+              <a:rPr b="0" lang="en-US" sz="2000" spc="-1" strike="noStrike">
+                <a:solidFill>
+                  <a:srgbClr val="000000"/>
+                </a:solidFill>
+                <a:latin typeface="Arial"/>
+              </a:rPr>
+              <a:t>Seventh Outline Level</a:t>
+            </a:r>
+            <a:endParaRPr b="0" lang="en-US" sz="2000" spc="-1" strike="noStrike">
+              <a:solidFill>
+                <a:srgbClr val="000000"/>
+              </a:solidFill>
+              <a:latin typeface="Arial"/>
             </a:endParaRPr>
           </a:p>
         </p:txBody>
@@ -6269,18 +6176,18 @@
         <p:spPr>
           <a:xfrm>
             <a:off x="1523880" y="-188640"/>
-            <a:ext cx="9143640" cy="2387160"/>
-          </a:xfrm>
-          <a:prstGeom prst="rect">
-            <a:avLst/>
-          </a:prstGeom>
-          <a:noFill/>
-          <a:ln w="0">
-            <a:noFill/>
-          </a:ln>
-        </p:spPr>
-        <p:txBody>
-          <a:bodyPr anchor="b">
+            <a:ext cx="9143280" cy="2386800"/>
+          </a:xfrm>
+          <a:prstGeom prst="rect">
+            <a:avLst/>
+          </a:prstGeom>
+          <a:noFill/>
+          <a:ln w="0">
+            <a:noFill/>
+          </a:ln>
+        </p:spPr>
+        <p:txBody>
+          <a:bodyPr lIns="0" rIns="0" tIns="0" bIns="0" anchor="b">
             <a:noAutofit/>
           </a:bodyPr>
           <a:p>
@@ -6289,6 +6196,9 @@
                 <a:spcPct val="90000"/>
               </a:lnSpc>
               <a:buNone/>
+              <a:tabLst>
+                <a:tab algn="l" pos="0"/>
+              </a:tabLst>
             </a:pPr>
             <a:r>
               <a:rPr b="1" lang="en-US" sz="6000" spc="-1" strike="noStrike">
@@ -6303,7 +6213,7 @@
               <a:solidFill>
                 <a:srgbClr val="000000"/>
               </a:solidFill>
-              <a:latin typeface="Calibri"/>
+              <a:latin typeface="Arial"/>
             </a:endParaRPr>
           </a:p>
         </p:txBody>
@@ -6321,18 +6231,18 @@
         <p:spPr>
           <a:xfrm>
             <a:off x="1523880" y="4196880"/>
-            <a:ext cx="9143640" cy="1655280"/>
-          </a:xfrm>
-          <a:prstGeom prst="rect">
-            <a:avLst/>
-          </a:prstGeom>
-          <a:noFill/>
-          <a:ln w="0">
-            <a:noFill/>
-          </a:ln>
-        </p:spPr>
-        <p:txBody>
-          <a:bodyPr anchor="t">
+            <a:ext cx="9143280" cy="1654920"/>
+          </a:xfrm>
+          <a:prstGeom prst="rect">
+            <a:avLst/>
+          </a:prstGeom>
+          <a:noFill/>
+          <a:ln w="0">
+            <a:noFill/>
+          </a:ln>
+        </p:spPr>
+        <p:txBody>
+          <a:bodyPr lIns="0" rIns="0" tIns="0" bIns="0" anchor="t">
             <a:noAutofit/>
           </a:bodyPr>
           <a:p>
@@ -6391,297 +6301,6 @@
                 <a:srgbClr val="000000"/>
               </a:solidFill>
               <a:latin typeface="Arial"/>
-            </a:endParaRPr>
-          </a:p>
-        </p:txBody>
-      </p:sp>
-    </p:spTree>
-  </p:cSld>
-  <mc:AlternateContent>
-    <mc:Choice Requires="p14">
-      <p:transition spd="slow" p14:dur="2000"/>
-    </mc:Choice>
-    <mc:Fallback>
-      <p:transition spd="slow"/>
-    </mc:Fallback>
-  </mc:AlternateContent>
-</p:sld>
-</file>
-
-<file path=ppt/slides/slide10.xml><?xml version="1.0" encoding="utf-8"?>
-<p:sld xmlns:a="http://schemas.openxmlformats.org/drawingml/2006/main" xmlns:p="http://schemas.openxmlformats.org/presentationml/2006/main" xmlns:r="http://schemas.openxmlformats.org/officeDocument/2006/relationships" xmlns:p14="http://schemas.microsoft.com/office/powerpoint/2010/main" xmlns:p15="http://schemas.microsoft.com/office/powerpoint/2012/main" xmlns:mc="http://schemas.openxmlformats.org/markup-compatibility/2006">
-  <p:cSld>
-    <p:spTree>
-      <p:nvGrpSpPr>
-        <p:cNvPr id="1" name=""/>
-        <p:cNvGrpSpPr/>
-        <p:nvPr/>
-      </p:nvGrpSpPr>
-      <p:grpSpPr>
-        <a:xfrm>
-          <a:off x="0" y="0"/>
-          <a:ext cx="0" cy="0"/>
-          <a:chOff x="0" y="0"/>
-          <a:chExt cx="0" cy="0"/>
-        </a:xfrm>
-      </p:grpSpPr>
-      <p:sp>
-        <p:nvSpPr>
-          <p:cNvPr id="117" name="PlaceHolder 1"/>
-          <p:cNvSpPr>
-            <a:spLocks noGrp="1"/>
-          </p:cNvSpPr>
-          <p:nvPr>
-            <p:ph type="title"/>
-          </p:nvPr>
-        </p:nvSpPr>
-        <p:spPr>
-          <a:xfrm>
-            <a:off x="838080" y="365040"/>
-            <a:ext cx="10515240" cy="1325160"/>
-          </a:xfrm>
-          <a:prstGeom prst="rect">
-            <a:avLst/>
-          </a:prstGeom>
-          <a:noFill/>
-          <a:ln w="0">
-            <a:noFill/>
-          </a:ln>
-        </p:spPr>
-        <p:txBody>
-          <a:bodyPr anchor="ctr">
-            <a:noAutofit/>
-          </a:bodyPr>
-          <a:p>
-            <a:pPr indent="0">
-              <a:lnSpc>
-                <a:spcPct val="90000"/>
-              </a:lnSpc>
-              <a:buNone/>
-            </a:pPr>
-            <a:r>
-              <a:rPr b="1" lang="en-US" sz="4400" spc="-1" strike="noStrike">
-                <a:solidFill>
-                  <a:srgbClr val="000000"/>
-                </a:solidFill>
-                <a:latin typeface="Calibri Light"/>
-              </a:rPr>
-              <a:t>Predicted Impact</a:t>
-            </a:r>
-            <a:endParaRPr b="0" lang="en-US" sz="4400" spc="-1" strike="noStrike">
-              <a:solidFill>
-                <a:srgbClr val="000000"/>
-              </a:solidFill>
-              <a:latin typeface="Calibri"/>
-            </a:endParaRPr>
-          </a:p>
-        </p:txBody>
-      </p:sp>
-      <p:sp>
-        <p:nvSpPr>
-          <p:cNvPr id="118" name="PlaceHolder 2"/>
-          <p:cNvSpPr>
-            <a:spLocks noGrp="1"/>
-          </p:cNvSpPr>
-          <p:nvPr>
-            <p:ph/>
-          </p:nvPr>
-        </p:nvSpPr>
-        <p:spPr>
-          <a:xfrm>
-            <a:off x="838080" y="1825560"/>
-            <a:ext cx="10515240" cy="4350960"/>
-          </a:xfrm>
-          <a:prstGeom prst="rect">
-            <a:avLst/>
-          </a:prstGeom>
-          <a:noFill/>
-          <a:ln w="0">
-            <a:noFill/>
-          </a:ln>
-        </p:spPr>
-        <p:txBody>
-          <a:bodyPr anchor="t">
-            <a:noAutofit/>
-          </a:bodyPr>
-          <a:p>
-            <a:pPr marL="228600" indent="-228600">
-              <a:lnSpc>
-                <a:spcPct val="90000"/>
-              </a:lnSpc>
-              <a:spcBef>
-                <a:spcPts val="1001"/>
-              </a:spcBef>
-              <a:buClr>
-                <a:srgbClr val="000000"/>
-              </a:buClr>
-              <a:buFont typeface="Arial"/>
-              <a:buChar char="•"/>
-            </a:pPr>
-            <a:r>
-              <a:rPr b="0" lang="en-US" sz="2800" spc="-1" strike="noStrike">
-                <a:solidFill>
-                  <a:srgbClr val="000000"/>
-                </a:solidFill>
-                <a:latin typeface="Calibri"/>
-              </a:rPr>
-              <a:t>The meme engine will arm ALL kinds of organizations and influencers with the tools to create powerful memes – both the good and bad</a:t>
-            </a:r>
-            <a:endParaRPr b="0" lang="en-US" sz="2800" spc="-1" strike="noStrike">
-              <a:solidFill>
-                <a:srgbClr val="000000"/>
-              </a:solidFill>
-              <a:latin typeface="Calibri"/>
-            </a:endParaRPr>
-          </a:p>
-          <a:p>
-            <a:pPr lvl="1" marL="685800" indent="-228600">
-              <a:lnSpc>
-                <a:spcPct val="90000"/>
-              </a:lnSpc>
-              <a:spcBef>
-                <a:spcPts val="499"/>
-              </a:spcBef>
-              <a:buClr>
-                <a:srgbClr val="000000"/>
-              </a:buClr>
-              <a:buFont typeface="Arial"/>
-              <a:buChar char="•"/>
-            </a:pPr>
-            <a:r>
-              <a:rPr b="0" lang="en-US" sz="2400" spc="-1" strike="noStrike">
-                <a:solidFill>
-                  <a:srgbClr val="000000"/>
-                </a:solidFill>
-                <a:latin typeface="Calibri"/>
-              </a:rPr>
-              <a:t>This is no different than today</a:t>
-            </a:r>
-            <a:endParaRPr b="0" lang="en-US" sz="2400" spc="-1" strike="noStrike">
-              <a:solidFill>
-                <a:srgbClr val="000000"/>
-              </a:solidFill>
-              <a:latin typeface="Calibri"/>
-            </a:endParaRPr>
-          </a:p>
-          <a:p>
-            <a:pPr lvl="1" marL="685800" indent="-228600">
-              <a:lnSpc>
-                <a:spcPct val="90000"/>
-              </a:lnSpc>
-              <a:spcBef>
-                <a:spcPts val="499"/>
-              </a:spcBef>
-              <a:buClr>
-                <a:srgbClr val="000000"/>
-              </a:buClr>
-              <a:buFont typeface="Arial"/>
-              <a:buChar char="•"/>
-            </a:pPr>
-            <a:r>
-              <a:rPr b="0" lang="en-US" sz="2400" spc="-1" strike="noStrike">
-                <a:solidFill>
-                  <a:srgbClr val="000000"/>
-                </a:solidFill>
-                <a:latin typeface="Calibri"/>
-              </a:rPr>
-              <a:t>Need to be cautious about who gets access to this tool</a:t>
-            </a:r>
-            <a:endParaRPr b="0" lang="en-US" sz="2400" spc="-1" strike="noStrike">
-              <a:solidFill>
-                <a:srgbClr val="000000"/>
-              </a:solidFill>
-              <a:latin typeface="Calibri"/>
-            </a:endParaRPr>
-          </a:p>
-          <a:p>
-            <a:pPr marL="228600" indent="-228600">
-              <a:lnSpc>
-                <a:spcPct val="90000"/>
-              </a:lnSpc>
-              <a:spcBef>
-                <a:spcPts val="1001"/>
-              </a:spcBef>
-              <a:buClr>
-                <a:srgbClr val="000000"/>
-              </a:buClr>
-              <a:buFont typeface="Arial"/>
-              <a:buChar char="•"/>
-            </a:pPr>
-            <a:r>
-              <a:rPr b="0" lang="en-US" sz="2800" spc="-1" strike="noStrike">
-                <a:solidFill>
-                  <a:srgbClr val="000000"/>
-                </a:solidFill>
-                <a:latin typeface="Calibri"/>
-              </a:rPr>
-              <a:t>Our belief is that the most powerful images will “win” in the hearts and minds of the public</a:t>
-            </a:r>
-            <a:endParaRPr b="0" lang="en-US" sz="2800" spc="-1" strike="noStrike">
-              <a:solidFill>
-                <a:srgbClr val="000000"/>
-              </a:solidFill>
-              <a:latin typeface="Calibri"/>
-            </a:endParaRPr>
-          </a:p>
-          <a:p>
-            <a:pPr lvl="1" marL="685800" indent="-228600">
-              <a:lnSpc>
-                <a:spcPct val="90000"/>
-              </a:lnSpc>
-              <a:spcBef>
-                <a:spcPts val="499"/>
-              </a:spcBef>
-              <a:buClr>
-                <a:srgbClr val="000000"/>
-              </a:buClr>
-              <a:buFont typeface="Arial"/>
-              <a:buChar char="•"/>
-            </a:pPr>
-            <a:r>
-              <a:rPr b="0" lang="en-US" sz="2400" spc="-1" strike="noStrike">
-                <a:solidFill>
-                  <a:srgbClr val="000000"/>
-                </a:solidFill>
-                <a:latin typeface="Calibri"/>
-              </a:rPr>
-              <a:t>Winning means that they are more likely to spread online</a:t>
-            </a:r>
-            <a:endParaRPr b="0" lang="en-US" sz="2400" spc="-1" strike="noStrike">
-              <a:solidFill>
-                <a:srgbClr val="000000"/>
-              </a:solidFill>
-              <a:latin typeface="Calibri"/>
-            </a:endParaRPr>
-          </a:p>
-          <a:p>
-            <a:pPr marL="228600" indent="-228600">
-              <a:lnSpc>
-                <a:spcPct val="90000"/>
-              </a:lnSpc>
-              <a:spcBef>
-                <a:spcPts val="1001"/>
-              </a:spcBef>
-              <a:buClr>
-                <a:srgbClr val="000000"/>
-              </a:buClr>
-              <a:buFont typeface="Arial"/>
-              <a:buChar char="•"/>
-            </a:pPr>
-            <a:r>
-              <a:rPr b="0" lang="en-US" sz="2800" spc="-1" strike="noStrike">
-                <a:solidFill>
-                  <a:srgbClr val="000000"/>
-                </a:solidFill>
-                <a:latin typeface="Calibri"/>
-              </a:rPr>
-              <a:t>The “internet audience” is skewed younger so this should skew towards an audience that is concerned about Global Warming</a:t>
-            </a:r>
-            <a:endParaRPr b="0" lang="en-US" sz="2800" spc="-1" strike="noStrike">
-              <a:solidFill>
-                <a:srgbClr val="000000"/>
-              </a:solidFill>
-              <a:latin typeface="Calibri"/>
             </a:endParaRPr>
           </a:p>
         </p:txBody>
@@ -6729,18 +6348,18 @@
         <p:spPr>
           <a:xfrm>
             <a:off x="838080" y="365040"/>
-            <a:ext cx="10515240" cy="1325160"/>
-          </a:xfrm>
-          <a:prstGeom prst="rect">
-            <a:avLst/>
-          </a:prstGeom>
-          <a:noFill/>
-          <a:ln w="0">
-            <a:noFill/>
-          </a:ln>
-        </p:spPr>
-        <p:txBody>
-          <a:bodyPr anchor="ctr">
+            <a:ext cx="10514880" cy="1324800"/>
+          </a:xfrm>
+          <a:prstGeom prst="rect">
+            <a:avLst/>
+          </a:prstGeom>
+          <a:noFill/>
+          <a:ln w="0">
+            <a:noFill/>
+          </a:ln>
+        </p:spPr>
+        <p:txBody>
+          <a:bodyPr lIns="90000" rIns="90000" tIns="45000" bIns="45000" anchor="ctr">
             <a:noAutofit/>
           </a:bodyPr>
           <a:p>
@@ -6749,6 +6368,9 @@
                 <a:spcPct val="90000"/>
               </a:lnSpc>
               <a:buNone/>
+              <a:tabLst>
+                <a:tab algn="l" pos="0"/>
+              </a:tabLst>
             </a:pPr>
             <a:r>
               <a:rPr b="1" lang="en-US" sz="4400" spc="-1" strike="noStrike">
@@ -6763,7 +6385,7 @@
               <a:solidFill>
                 <a:srgbClr val="000000"/>
               </a:solidFill>
-              <a:latin typeface="Calibri"/>
+              <a:latin typeface="Arial"/>
             </a:endParaRPr>
           </a:p>
         </p:txBody>
@@ -6781,18 +6403,18 @@
         <p:spPr>
           <a:xfrm>
             <a:off x="838080" y="1825560"/>
-            <a:ext cx="10515240" cy="4350960"/>
-          </a:xfrm>
-          <a:prstGeom prst="rect">
-            <a:avLst/>
-          </a:prstGeom>
-          <a:noFill/>
-          <a:ln w="0">
-            <a:noFill/>
-          </a:ln>
-        </p:spPr>
-        <p:txBody>
-          <a:bodyPr anchor="t">
+            <a:ext cx="10514880" cy="4350600"/>
+          </a:xfrm>
+          <a:prstGeom prst="rect">
+            <a:avLst/>
+          </a:prstGeom>
+          <a:noFill/>
+          <a:ln w="0">
+            <a:noFill/>
+          </a:ln>
+        </p:spPr>
+        <p:txBody>
+          <a:bodyPr lIns="90000" rIns="90000" tIns="45000" bIns="45000" anchor="t">
             <a:noAutofit/>
           </a:bodyPr>
           <a:p>
@@ -6822,7 +6444,7 @@
               <a:solidFill>
                 <a:srgbClr val="000000"/>
               </a:solidFill>
-              <a:latin typeface="Calibri"/>
+              <a:latin typeface="Arial"/>
             </a:endParaRPr>
           </a:p>
           <a:p>
@@ -6852,7 +6474,7 @@
               <a:solidFill>
                 <a:srgbClr val="000000"/>
               </a:solidFill>
-              <a:latin typeface="Calibri"/>
+              <a:latin typeface="Arial"/>
             </a:endParaRPr>
           </a:p>
         </p:txBody>
@@ -6900,18 +6522,18 @@
         <p:spPr>
           <a:xfrm>
             <a:off x="838080" y="365040"/>
-            <a:ext cx="10515240" cy="1325160"/>
-          </a:xfrm>
-          <a:prstGeom prst="rect">
-            <a:avLst/>
-          </a:prstGeom>
-          <a:noFill/>
-          <a:ln w="0">
-            <a:noFill/>
-          </a:ln>
-        </p:spPr>
-        <p:txBody>
-          <a:bodyPr anchor="ctr">
+            <a:ext cx="10514880" cy="1324800"/>
+          </a:xfrm>
+          <a:prstGeom prst="rect">
+            <a:avLst/>
+          </a:prstGeom>
+          <a:noFill/>
+          <a:ln w="0">
+            <a:noFill/>
+          </a:ln>
+        </p:spPr>
+        <p:txBody>
+          <a:bodyPr lIns="90000" rIns="90000" tIns="45000" bIns="45000" anchor="ctr">
             <a:noAutofit/>
           </a:bodyPr>
           <a:p>
@@ -6920,6 +6542,9 @@
                 <a:spcPct val="90000"/>
               </a:lnSpc>
               <a:buNone/>
+              <a:tabLst>
+                <a:tab algn="l" pos="0"/>
+              </a:tabLst>
             </a:pPr>
             <a:r>
               <a:rPr b="1" lang="en-US" sz="4400" spc="-1" strike="noStrike">
@@ -6934,7 +6559,7 @@
               <a:solidFill>
                 <a:srgbClr val="000000"/>
               </a:solidFill>
-              <a:latin typeface="Calibri"/>
+              <a:latin typeface="Arial"/>
             </a:endParaRPr>
           </a:p>
         </p:txBody>
@@ -6952,18 +6577,18 @@
         <p:spPr>
           <a:xfrm>
             <a:off x="838080" y="1825560"/>
-            <a:ext cx="10515240" cy="4350960"/>
-          </a:xfrm>
-          <a:prstGeom prst="rect">
-            <a:avLst/>
-          </a:prstGeom>
-          <a:noFill/>
-          <a:ln w="0">
-            <a:noFill/>
-          </a:ln>
-        </p:spPr>
-        <p:txBody>
-          <a:bodyPr anchor="t">
+            <a:ext cx="10514880" cy="4350600"/>
+          </a:xfrm>
+          <a:prstGeom prst="rect">
+            <a:avLst/>
+          </a:prstGeom>
+          <a:noFill/>
+          <a:ln w="0">
+            <a:noFill/>
+          </a:ln>
+        </p:spPr>
+        <p:txBody>
+          <a:bodyPr lIns="90000" rIns="90000" tIns="45000" bIns="45000" anchor="t">
             <a:noAutofit/>
           </a:bodyPr>
           <a:p>
@@ -6993,7 +6618,7 @@
               <a:solidFill>
                 <a:srgbClr val="000000"/>
               </a:solidFill>
-              <a:latin typeface="Calibri"/>
+              <a:latin typeface="Arial"/>
             </a:endParaRPr>
           </a:p>
           <a:p>
@@ -7023,7 +6648,7 @@
               <a:solidFill>
                 <a:srgbClr val="000000"/>
               </a:solidFill>
-              <a:latin typeface="Calibri"/>
+              <a:latin typeface="Arial"/>
             </a:endParaRPr>
           </a:p>
           <a:p>
@@ -7053,7 +6678,7 @@
               <a:solidFill>
                 <a:srgbClr val="000000"/>
               </a:solidFill>
-              <a:latin typeface="Calibri"/>
+              <a:latin typeface="Arial"/>
             </a:endParaRPr>
           </a:p>
           <a:p>
@@ -7083,7 +6708,7 @@
               <a:solidFill>
                 <a:srgbClr val="000000"/>
               </a:solidFill>
-              <a:latin typeface="Calibri"/>
+              <a:latin typeface="Arial"/>
             </a:endParaRPr>
           </a:p>
           <a:p>
@@ -7113,7 +6738,24 @@
               <a:solidFill>
                 <a:srgbClr val="000000"/>
               </a:solidFill>
-              <a:latin typeface="Calibri"/>
+              <a:latin typeface="Arial"/>
+            </a:endParaRPr>
+          </a:p>
+          <a:p>
+            <a:pPr marL="228600" indent="0">
+              <a:lnSpc>
+                <a:spcPct val="90000"/>
+              </a:lnSpc>
+              <a:spcBef>
+                <a:spcPts val="1001"/>
+              </a:spcBef>
+              <a:buNone/>
+            </a:pPr>
+            <a:endParaRPr b="0" lang="en-US" sz="2800" spc="-1" strike="noStrike">
+              <a:solidFill>
+                <a:srgbClr val="000000"/>
+              </a:solidFill>
+              <a:latin typeface="Arial"/>
             </a:endParaRPr>
           </a:p>
         </p:txBody>
@@ -7161,18 +6803,18 @@
         <p:spPr>
           <a:xfrm>
             <a:off x="838080" y="365040"/>
-            <a:ext cx="10515240" cy="1325160"/>
-          </a:xfrm>
-          <a:prstGeom prst="rect">
-            <a:avLst/>
-          </a:prstGeom>
-          <a:noFill/>
-          <a:ln w="0">
-            <a:noFill/>
-          </a:ln>
-        </p:spPr>
-        <p:txBody>
-          <a:bodyPr anchor="ctr">
+            <a:ext cx="10514880" cy="1324800"/>
+          </a:xfrm>
+          <a:prstGeom prst="rect">
+            <a:avLst/>
+          </a:prstGeom>
+          <a:noFill/>
+          <a:ln w="0">
+            <a:noFill/>
+          </a:ln>
+        </p:spPr>
+        <p:txBody>
+          <a:bodyPr lIns="90000" rIns="90000" tIns="45000" bIns="45000" anchor="ctr">
             <a:noAutofit/>
           </a:bodyPr>
           <a:p>
@@ -7181,6 +6823,9 @@
                 <a:spcPct val="90000"/>
               </a:lnSpc>
               <a:buNone/>
+              <a:tabLst>
+                <a:tab algn="l" pos="0"/>
+              </a:tabLst>
             </a:pPr>
             <a:r>
               <a:rPr b="1" lang="en-US" sz="4400" spc="-1" strike="noStrike">
@@ -7195,7 +6840,7 @@
               <a:solidFill>
                 <a:srgbClr val="000000"/>
               </a:solidFill>
-              <a:latin typeface="Calibri"/>
+              <a:latin typeface="Arial"/>
             </a:endParaRPr>
           </a:p>
         </p:txBody>
@@ -7213,18 +6858,18 @@
         <p:spPr>
           <a:xfrm>
             <a:off x="838080" y="1825560"/>
-            <a:ext cx="10515240" cy="4350960"/>
-          </a:xfrm>
-          <a:prstGeom prst="rect">
-            <a:avLst/>
-          </a:prstGeom>
-          <a:noFill/>
-          <a:ln w="0">
-            <a:noFill/>
-          </a:ln>
-        </p:spPr>
-        <p:txBody>
-          <a:bodyPr anchor="t">
+            <a:ext cx="10514880" cy="4350600"/>
+          </a:xfrm>
+          <a:prstGeom prst="rect">
+            <a:avLst/>
+          </a:prstGeom>
+          <a:noFill/>
+          <a:ln w="0">
+            <a:noFill/>
+          </a:ln>
+        </p:spPr>
+        <p:txBody>
+          <a:bodyPr lIns="90000" rIns="90000" tIns="45000" bIns="45000" anchor="t">
             <a:normAutofit/>
           </a:bodyPr>
           <a:p>
@@ -7254,7 +6899,7 @@
               <a:solidFill>
                 <a:srgbClr val="000000"/>
               </a:solidFill>
-              <a:latin typeface="Calibri"/>
+              <a:latin typeface="Arial"/>
             </a:endParaRPr>
           </a:p>
           <a:p>
@@ -7284,7 +6929,7 @@
               <a:solidFill>
                 <a:srgbClr val="000000"/>
               </a:solidFill>
-              <a:latin typeface="Calibri"/>
+              <a:latin typeface="Arial"/>
             </a:endParaRPr>
           </a:p>
           <a:p>
@@ -7323,7 +6968,7 @@
               <a:solidFill>
                 <a:srgbClr val="000000"/>
               </a:solidFill>
-              <a:latin typeface="Calibri"/>
+              <a:latin typeface="Arial"/>
             </a:endParaRPr>
           </a:p>
           <a:p>
@@ -7353,7 +6998,7 @@
               <a:solidFill>
                 <a:srgbClr val="000000"/>
               </a:solidFill>
-              <a:latin typeface="Calibri"/>
+              <a:latin typeface="Arial"/>
             </a:endParaRPr>
           </a:p>
           <a:p>
@@ -7410,7 +7055,7 @@
               <a:solidFill>
                 <a:srgbClr val="000000"/>
               </a:solidFill>
-              <a:latin typeface="Calibri"/>
+              <a:latin typeface="Arial"/>
             </a:endParaRPr>
           </a:p>
         </p:txBody>
@@ -7458,18 +7103,18 @@
         <p:spPr>
           <a:xfrm>
             <a:off x="838080" y="365040"/>
-            <a:ext cx="10515240" cy="1325160"/>
-          </a:xfrm>
-          <a:prstGeom prst="rect">
-            <a:avLst/>
-          </a:prstGeom>
-          <a:noFill/>
-          <a:ln w="0">
-            <a:noFill/>
-          </a:ln>
-        </p:spPr>
-        <p:txBody>
-          <a:bodyPr anchor="ctr">
+            <a:ext cx="10514880" cy="1324800"/>
+          </a:xfrm>
+          <a:prstGeom prst="rect">
+            <a:avLst/>
+          </a:prstGeom>
+          <a:noFill/>
+          <a:ln w="0">
+            <a:noFill/>
+          </a:ln>
+        </p:spPr>
+        <p:txBody>
+          <a:bodyPr lIns="90000" rIns="90000" tIns="45000" bIns="45000" anchor="ctr">
             <a:noAutofit/>
           </a:bodyPr>
           <a:p>
@@ -7478,6 +7123,9 @@
                 <a:spcPct val="90000"/>
               </a:lnSpc>
               <a:buNone/>
+              <a:tabLst>
+                <a:tab algn="l" pos="0"/>
+              </a:tabLst>
             </a:pPr>
             <a:r>
               <a:rPr b="1" lang="en-US" sz="4400" spc="-1" strike="noStrike">
@@ -7492,7 +7140,7 @@
               <a:solidFill>
                 <a:srgbClr val="000000"/>
               </a:solidFill>
-              <a:latin typeface="Calibri"/>
+              <a:latin typeface="Arial"/>
             </a:endParaRPr>
           </a:p>
         </p:txBody>
@@ -7510,18 +7158,18 @@
         <p:spPr>
           <a:xfrm>
             <a:off x="838080" y="1825560"/>
-            <a:ext cx="10515240" cy="1603080"/>
-          </a:xfrm>
-          <a:prstGeom prst="rect">
-            <a:avLst/>
-          </a:prstGeom>
-          <a:noFill/>
-          <a:ln w="0">
-            <a:noFill/>
-          </a:ln>
-        </p:spPr>
-        <p:txBody>
-          <a:bodyPr anchor="t">
+            <a:ext cx="10514880" cy="1602720"/>
+          </a:xfrm>
+          <a:prstGeom prst="rect">
+            <a:avLst/>
+          </a:prstGeom>
+          <a:noFill/>
+          <a:ln w="0">
+            <a:noFill/>
+          </a:ln>
+        </p:spPr>
+        <p:txBody>
+          <a:bodyPr lIns="90000" rIns="90000" tIns="45000" bIns="45000" anchor="t">
             <a:normAutofit fontScale="98000"/>
           </a:bodyPr>
           <a:p>
@@ -7551,7 +7199,7 @@
               <a:solidFill>
                 <a:srgbClr val="000000"/>
               </a:solidFill>
-              <a:latin typeface="Calibri"/>
+              <a:latin typeface="Arial"/>
             </a:endParaRPr>
           </a:p>
           <a:p>
@@ -7581,7 +7229,7 @@
               <a:solidFill>
                 <a:srgbClr val="000000"/>
               </a:solidFill>
-              <a:latin typeface="Calibri"/>
+              <a:latin typeface="Arial"/>
             </a:endParaRPr>
           </a:p>
         </p:txBody>
@@ -7594,8 +7242,8 @@
         </p:nvSpPr>
         <p:spPr>
           <a:xfrm>
-            <a:off x="605880" y="4285440"/>
-            <a:ext cx="1850400" cy="858960"/>
+            <a:off x="228600" y="4228560"/>
+            <a:ext cx="2137320" cy="1029240"/>
           </a:xfrm>
           <a:prstGeom prst="flowChartAlternateProcess">
             <a:avLst/>
@@ -7639,6 +7287,7 @@
                   <a:schemeClr val="lt1"/>
                 </a:solidFill>
                 <a:latin typeface="Calibri"/>
+                <a:ea typeface="DejaVu Sans"/>
               </a:rPr>
               <a:t>Generate Climate Change Concept</a:t>
             </a:r>
@@ -7659,8 +7308,8 @@
         </p:nvSpPr>
         <p:spPr>
           <a:xfrm>
-            <a:off x="3248280" y="4169880"/>
-            <a:ext cx="2182680" cy="1090440"/>
+            <a:off x="3200400" y="4114800"/>
+            <a:ext cx="2466720" cy="1145160"/>
           </a:xfrm>
           <a:prstGeom prst="flowChartAlternateProcess">
             <a:avLst/>
@@ -7704,6 +7353,7 @@
                   <a:schemeClr val="lt1"/>
                 </a:solidFill>
                 <a:latin typeface="Calibri"/>
+                <a:ea typeface="DejaVu Sans"/>
               </a:rPr>
               <a:t>Describe a funny image representing this climate change concept</a:t>
             </a:r>
@@ -7724,8 +7374,8 @@
         </p:nvSpPr>
         <p:spPr>
           <a:xfrm>
-            <a:off x="6386040" y="3926160"/>
-            <a:ext cx="2182680" cy="858960"/>
+            <a:off x="6400800" y="3657600"/>
+            <a:ext cx="2167560" cy="1127160"/>
           </a:xfrm>
           <a:prstGeom prst="flowChartAlternateProcess">
             <a:avLst/>
@@ -7769,6 +7419,7 @@
                   <a:schemeClr val="lt1"/>
                 </a:solidFill>
                 <a:latin typeface="Calibri"/>
+                <a:ea typeface="DejaVu Sans"/>
               </a:rPr>
               <a:t>Write a funny caption from this image description</a:t>
             </a:r>
@@ -7789,8 +7440,8 @@
         </p:nvSpPr>
         <p:spPr>
           <a:xfrm>
-            <a:off x="6469200" y="5144760"/>
-            <a:ext cx="2016720" cy="858960"/>
+            <a:off x="6400800" y="5029200"/>
+            <a:ext cx="2084760" cy="1143000"/>
           </a:xfrm>
           <a:prstGeom prst="flowChartAlternateProcess">
             <a:avLst/>
@@ -7836,6 +7487,7 @@
                   <a:schemeClr val="lt1"/>
                 </a:solidFill>
                 <a:latin typeface="Calibri"/>
+                <a:ea typeface="DejaVu Sans"/>
               </a:rPr>
               <a:t>Generate an image from this image description</a:t>
             </a:r>
@@ -7857,7 +7509,7 @@
         <p:spPr>
           <a:xfrm>
             <a:off x="9524160" y="4355640"/>
-            <a:ext cx="2016720" cy="858960"/>
+            <a:ext cx="2016360" cy="1130760"/>
           </a:xfrm>
           <a:prstGeom prst="flowChartAlternateProcess">
             <a:avLst/>
@@ -7903,6 +7555,7 @@
                   <a:schemeClr val="lt1"/>
                 </a:solidFill>
                 <a:latin typeface="Calibri"/>
+                <a:ea typeface="DejaVu Sans"/>
               </a:rPr>
               <a:t>Combine the image and caption into a meme</a:t>
             </a:r>
@@ -7924,7 +7577,7 @@
         <p:spPr>
           <a:xfrm>
             <a:off x="68040" y="6474600"/>
-            <a:ext cx="770760" cy="299880"/>
+            <a:ext cx="770400" cy="299520"/>
           </a:xfrm>
           <a:prstGeom prst="flowChartAlternateProcess">
             <a:avLst/>
@@ -7968,6 +7621,7 @@
                   <a:schemeClr val="lt1"/>
                 </a:solidFill>
                 <a:latin typeface="Calibri"/>
+                <a:ea typeface="DejaVu Sans"/>
               </a:rPr>
               <a:t>GPT-3</a:t>
             </a:r>
@@ -7989,7 +7643,7 @@
         <p:spPr>
           <a:xfrm>
             <a:off x="915480" y="6474960"/>
-            <a:ext cx="759960" cy="299880"/>
+            <a:ext cx="759600" cy="299520"/>
           </a:xfrm>
           <a:prstGeom prst="flowChartAlternateProcess">
             <a:avLst/>
@@ -8035,6 +7689,7 @@
                   <a:schemeClr val="lt1"/>
                 </a:solidFill>
                 <a:latin typeface="Calibri"/>
+                <a:ea typeface="DejaVu Sans"/>
               </a:rPr>
               <a:t>Dalle</a:t>
             </a:r>
@@ -8056,7 +7711,7 @@
         <p:spPr>
           <a:xfrm>
             <a:off x="1768320" y="6474960"/>
-            <a:ext cx="892080" cy="299880"/>
+            <a:ext cx="891720" cy="299520"/>
           </a:xfrm>
           <a:prstGeom prst="flowChartAlternateProcess">
             <a:avLst/>
@@ -8102,6 +7757,7 @@
                   <a:schemeClr val="lt1"/>
                 </a:solidFill>
                 <a:latin typeface="Calibri"/>
+                <a:ea typeface="DejaVu Sans"/>
               </a:rPr>
               <a:t>Python</a:t>
             </a:r>
@@ -8123,7 +7779,7 @@
         <p:spPr>
           <a:xfrm>
             <a:off x="2621880" y="4605120"/>
-            <a:ext cx="445680" cy="299880"/>
+            <a:ext cx="445320" cy="299520"/>
           </a:xfrm>
           <a:prstGeom prst="rightArrow">
             <a:avLst>
@@ -8157,7 +7813,7 @@
           <a:fontRef idx="minor"/>
         </p:style>
         <p:txBody>
-          <a:bodyPr lIns="90000" rIns="90000" tIns="90000" bIns="90000" anchor="ctr">
+          <a:bodyPr lIns="90000" rIns="90000" tIns="149760" bIns="149760" anchor="ctr">
             <a:noAutofit/>
           </a:bodyPr>
           <a:p>
@@ -8171,6 +7827,7 @@
                 <a:schemeClr val="lt1"/>
               </a:solidFill>
               <a:latin typeface="Calibri"/>
+              <a:ea typeface="DejaVu Sans"/>
             </a:endParaRPr>
           </a:p>
         </p:txBody>
@@ -8184,7 +7841,7 @@
         <p:spPr>
           <a:xfrm>
             <a:off x="5767200" y="4304880"/>
-            <a:ext cx="445680" cy="299880"/>
+            <a:ext cx="445320" cy="299520"/>
           </a:xfrm>
           <a:prstGeom prst="rightArrow">
             <a:avLst>
@@ -8218,7 +7875,7 @@
           <a:fontRef idx="minor"/>
         </p:style>
         <p:txBody>
-          <a:bodyPr lIns="90000" rIns="90000" tIns="90000" bIns="90000" anchor="ctr">
+          <a:bodyPr lIns="90000" rIns="90000" tIns="149760" bIns="149760" anchor="ctr">
             <a:noAutofit/>
           </a:bodyPr>
           <a:p>
@@ -8232,6 +7889,7 @@
                 <a:schemeClr val="lt1"/>
               </a:solidFill>
               <a:latin typeface="Calibri"/>
+              <a:ea typeface="DejaVu Sans"/>
             </a:endParaRPr>
           </a:p>
         </p:txBody>
@@ -8244,8 +7902,8 @@
         </p:nvSpPr>
         <p:spPr>
           <a:xfrm rot="1717800">
-            <a:off x="5726880" y="4994280"/>
-            <a:ext cx="445680" cy="299880"/>
+            <a:off x="5726880" y="4993920"/>
+            <a:ext cx="445320" cy="299520"/>
           </a:xfrm>
           <a:prstGeom prst="rightArrow">
             <a:avLst>
@@ -8279,7 +7937,7 @@
           <a:fontRef idx="minor"/>
         </p:style>
         <p:txBody>
-          <a:bodyPr lIns="90000" rIns="90000" tIns="90000" bIns="90000" anchor="ctr">
+          <a:bodyPr lIns="90000" rIns="90000" tIns="149760" bIns="149760" anchor="ctr">
             <a:noAutofit/>
           </a:bodyPr>
           <a:p>
@@ -8293,6 +7951,7 @@
                 <a:schemeClr val="lt1"/>
               </a:solidFill>
               <a:latin typeface="Calibri"/>
+              <a:ea typeface="DejaVu Sans"/>
             </a:endParaRPr>
           </a:p>
         </p:txBody>
@@ -8306,7 +7965,7 @@
         <p:spPr>
           <a:xfrm rot="19945200">
             <a:off x="8733240" y="5260680"/>
-            <a:ext cx="445680" cy="299880"/>
+            <a:ext cx="445320" cy="299520"/>
           </a:xfrm>
           <a:prstGeom prst="rightArrow">
             <a:avLst>
@@ -8340,7 +7999,7 @@
           <a:fontRef idx="minor"/>
         </p:style>
         <p:txBody>
-          <a:bodyPr lIns="90000" rIns="90000" tIns="90000" bIns="90000" anchor="ctr">
+          <a:bodyPr lIns="90000" rIns="90000" tIns="149760" bIns="149760" anchor="ctr">
             <a:noAutofit/>
           </a:bodyPr>
           <a:p>
@@ -8354,6 +8013,7 @@
                 <a:schemeClr val="lt1"/>
               </a:solidFill>
               <a:latin typeface="Calibri"/>
+              <a:ea typeface="DejaVu Sans"/>
             </a:endParaRPr>
           </a:p>
         </p:txBody>
@@ -8366,8 +8026,8 @@
         </p:nvSpPr>
         <p:spPr>
           <a:xfrm rot="1232400">
-            <a:off x="8775720" y="4512240"/>
-            <a:ext cx="445680" cy="299880"/>
+            <a:off x="8775360" y="4511880"/>
+            <a:ext cx="445320" cy="299520"/>
           </a:xfrm>
           <a:prstGeom prst="rightArrow">
             <a:avLst>
@@ -8401,7 +8061,7 @@
           <a:fontRef idx="minor"/>
         </p:style>
         <p:txBody>
-          <a:bodyPr lIns="90000" rIns="90000" tIns="90000" bIns="90000" anchor="ctr">
+          <a:bodyPr lIns="90000" rIns="90000" tIns="149760" bIns="149760" anchor="ctr">
             <a:noAutofit/>
           </a:bodyPr>
           <a:p>
@@ -8415,6 +8075,7 @@
                 <a:schemeClr val="lt1"/>
               </a:solidFill>
               <a:latin typeface="Calibri"/>
+              <a:ea typeface="DejaVu Sans"/>
             </a:endParaRPr>
           </a:p>
         </p:txBody>
@@ -8435,6 +8096,13 @@
 <file path=ppt/slides/slide6.xml><?xml version="1.0" encoding="utf-8"?>
 <p:sld xmlns:a="http://schemas.openxmlformats.org/drawingml/2006/main" xmlns:p="http://schemas.openxmlformats.org/presentationml/2006/main" xmlns:r="http://schemas.openxmlformats.org/officeDocument/2006/relationships" xmlns:p14="http://schemas.microsoft.com/office/powerpoint/2010/main" xmlns:p15="http://schemas.microsoft.com/office/powerpoint/2012/main" xmlns:mc="http://schemas.openxmlformats.org/markup-compatibility/2006">
   <p:cSld>
+    <p:bg>
+      <p:bgPr>
+        <a:solidFill>
+          <a:srgbClr val="ffffff"/>
+        </a:solidFill>
+      </p:bgPr>
+    </p:bg>
     <p:spTree>
       <p:nvGrpSpPr>
         <p:cNvPr id="1" name=""/>
@@ -8462,45 +8130,94 @@
         <p:spPr>
           <a:xfrm>
             <a:off x="838080" y="365040"/>
-            <a:ext cx="10515240" cy="1325160"/>
-          </a:xfrm>
-          <a:prstGeom prst="rect">
-            <a:avLst/>
-          </a:prstGeom>
-          <a:noFill/>
-          <a:ln w="0">
-            <a:noFill/>
-          </a:ln>
-        </p:spPr>
-        <p:txBody>
-          <a:bodyPr anchor="ctr">
+            <a:ext cx="10514880" cy="1324800"/>
+          </a:xfrm>
+          <a:prstGeom prst="rect">
+            <a:avLst/>
+          </a:prstGeom>
+          <a:noFill/>
+          <a:ln w="0">
+            <a:noFill/>
+          </a:ln>
+        </p:spPr>
+        <p:txBody>
+          <a:bodyPr lIns="0" rIns="0" tIns="0" bIns="0" anchor="ctr">
             <a:noAutofit/>
           </a:bodyPr>
           <a:p>
             <a:pPr indent="0">
               <a:lnSpc>
-                <a:spcPct val="90000"/>
+                <a:spcPct val="100000"/>
               </a:lnSpc>
               <a:buNone/>
-            </a:pPr>
-            <a:r>
-              <a:rPr b="1" lang="en-US" sz="4400" spc="-1" strike="noStrike">
+              <a:tabLst>
+                <a:tab algn="l" pos="0"/>
+              </a:tabLst>
+            </a:pPr>
+            <a:r>
+              <a:rPr b="1" lang="en-US" sz="4000" spc="-1" strike="noStrike">
                 <a:solidFill>
                   <a:srgbClr val="000000"/>
                 </a:solidFill>
-                <a:latin typeface="Calibri Light"/>
+                <a:latin typeface="Calibri"/>
               </a:rPr>
               <a:t>Demo Time!</a:t>
             </a:r>
-            <a:endParaRPr b="0" lang="en-US" sz="4400" spc="-1" strike="noStrike">
-              <a:solidFill>
-                <a:srgbClr val="000000"/>
-              </a:solidFill>
-              <a:latin typeface="Calibri"/>
-            </a:endParaRPr>
-          </a:p>
-        </p:txBody>
-      </p:sp>
+            <a:endParaRPr b="0" lang="en-US" sz="4000" spc="-1" strike="noStrike">
+              <a:solidFill>
+                <a:srgbClr val="000000"/>
+              </a:solidFill>
+              <a:latin typeface="Arial"/>
+            </a:endParaRPr>
+          </a:p>
+        </p:txBody>
+      </p:sp>
+      <p:pic>
+        <p:nvPicPr>
+          <p:cNvPr id="106" name="" descr=""/>
+          <p:cNvPicPr/>
+          <p:nvPr/>
+        </p:nvPicPr>
+        <p:blipFill>
+          <a:blip r:embed="rId1"/>
+          <a:stretch/>
+        </p:blipFill>
+        <p:spPr>
+          <a:xfrm>
+            <a:off x="838080" y="1825560"/>
+            <a:ext cx="4342680" cy="4342680"/>
+          </a:xfrm>
+          <a:prstGeom prst="rect">
+            <a:avLst/>
+          </a:prstGeom>
+          <a:ln w="0">
+            <a:noFill/>
+          </a:ln>
+        </p:spPr>
+      </p:pic>
+      <p:pic>
+        <p:nvPicPr>
+          <p:cNvPr id="107" name="" descr=""/>
+          <p:cNvPicPr/>
+          <p:nvPr/>
+        </p:nvPicPr>
+        <p:blipFill>
+          <a:blip r:embed="rId2"/>
+          <a:stretch/>
+        </p:blipFill>
+        <p:spPr>
+          <a:xfrm>
+            <a:off x="7029360" y="1825560"/>
+            <a:ext cx="4350600" cy="4350600"/>
+          </a:xfrm>
+          <a:prstGeom prst="rect">
+            <a:avLst/>
+          </a:prstGeom>
+          <a:ln w="0">
+            <a:noFill/>
+          </a:ln>
+        </p:spPr>
+      </p:pic>
     </p:spTree>
   </p:cSld>
   <mc:AlternateContent>
@@ -8540,7 +8257,65 @@
       </p:grpSpPr>
       <p:sp>
         <p:nvSpPr>
-          <p:cNvPr id="106" name="PlaceHolder 1"/>
+          <p:cNvPr id="108" name="Down Arrow 7"/>
+          <p:cNvSpPr/>
+          <p:nvPr/>
+        </p:nvSpPr>
+        <p:spPr>
+          <a:xfrm rot="16200000">
+            <a:off x="800280" y="1492200"/>
+            <a:ext cx="3332880" cy="3498480"/>
+          </a:xfrm>
+          <a:prstGeom prst="downArrow">
+            <a:avLst>
+              <a:gd name="adj1" fmla="val 100000"/>
+              <a:gd name="adj2" fmla="val 15788"/>
+            </a:avLst>
+          </a:prstGeom>
+          <a:solidFill>
+            <a:srgbClr val="404040"/>
+          </a:solidFill>
+          <a:ln w="53975">
+            <a:noFill/>
+          </a:ln>
+        </p:spPr>
+        <p:style>
+          <a:lnRef idx="2">
+            <a:schemeClr val="accent1">
+              <a:shade val="50000"/>
+            </a:schemeClr>
+          </a:lnRef>
+          <a:fillRef idx="1">
+            <a:schemeClr val="accent1"/>
+          </a:fillRef>
+          <a:effectRef idx="0">
+            <a:schemeClr val="accent1"/>
+          </a:effectRef>
+          <a:fontRef idx="minor"/>
+        </p:style>
+        <p:txBody>
+          <a:bodyPr lIns="90000" rIns="90000" tIns="45000" bIns="45000" anchor="ctr">
+            <a:noAutofit/>
+          </a:bodyPr>
+          <a:p>
+            <a:pPr algn="ctr">
+              <a:lnSpc>
+                <a:spcPct val="100000"/>
+              </a:lnSpc>
+            </a:pPr>
+            <a:endParaRPr b="0" lang="en-US" sz="1800" spc="-1" strike="noStrike">
+              <a:solidFill>
+                <a:schemeClr val="lt1"/>
+              </a:solidFill>
+              <a:latin typeface="Calibri"/>
+              <a:ea typeface="DejaVu Sans"/>
+            </a:endParaRPr>
+          </a:p>
+        </p:txBody>
+      </p:sp>
+      <p:sp>
+        <p:nvSpPr>
+          <p:cNvPr id="109" name="PlaceHolder 1"/>
           <p:cNvSpPr>
             <a:spLocks noGrp="1"/>
           </p:cNvSpPr>
@@ -8550,46 +8325,52 @@
         </p:nvSpPr>
         <p:spPr>
           <a:xfrm>
-            <a:off x="838080" y="365040"/>
-            <a:ext cx="10515240" cy="1325160"/>
-          </a:xfrm>
-          <a:prstGeom prst="rect">
-            <a:avLst/>
-          </a:prstGeom>
-          <a:noFill/>
-          <a:ln w="0">
-            <a:noFill/>
-          </a:ln>
-        </p:spPr>
-        <p:txBody>
-          <a:bodyPr lIns="0" rIns="0" tIns="0" bIns="0" anchor="ctr">
-            <a:noAutofit/>
-          </a:bodyPr>
-          <a:p>
-            <a:pPr indent="0">
-              <a:buNone/>
-            </a:pPr>
-            <a:r>
-              <a:rPr b="1" lang="en-US" sz="4000" spc="-1" strike="noStrike">
+            <a:off x="1028880" y="1967400"/>
+            <a:ext cx="2628360" cy="2546640"/>
+          </a:xfrm>
+          <a:prstGeom prst="rect">
+            <a:avLst/>
+          </a:prstGeom>
+          <a:noFill/>
+          <a:ln w="0">
+            <a:noFill/>
+          </a:ln>
+        </p:spPr>
+        <p:txBody>
+          <a:bodyPr lIns="90000" rIns="90000" tIns="45000" bIns="45000" anchor="ctr">
+            <a:normAutofit/>
+          </a:bodyPr>
+          <a:p>
+            <a:pPr indent="0" algn="ctr">
+              <a:lnSpc>
+                <a:spcPct val="90000"/>
+              </a:lnSpc>
+              <a:buNone/>
+              <a:tabLst>
+                <a:tab algn="l" pos="0"/>
+              </a:tabLst>
+            </a:pPr>
+            <a:r>
+              <a:rPr b="1" lang="en-US" sz="3600" spc="-1" strike="noStrike">
                 <a:solidFill>
-                  <a:srgbClr val="000000"/>
+                  <a:srgbClr val="ffffff"/>
                 </a:solidFill>
-                <a:latin typeface="Calibri"/>
+                <a:latin typeface="Calibri Light"/>
               </a:rPr>
-              <a:t>Demo Time!</a:t>
-            </a:r>
-            <a:endParaRPr b="1" lang="en-US" sz="4000" spc="-1" strike="noStrike">
-              <a:solidFill>
-                <a:srgbClr val="000000"/>
-              </a:solidFill>
-              <a:latin typeface="Calibri"/>
+              <a:t>Output Example #2</a:t>
+            </a:r>
+            <a:endParaRPr b="0" lang="en-US" sz="3600" spc="-1" strike="noStrike">
+              <a:solidFill>
+                <a:srgbClr val="000000"/>
+              </a:solidFill>
+              <a:latin typeface="Arial"/>
             </a:endParaRPr>
           </a:p>
         </p:txBody>
       </p:sp>
       <p:pic>
         <p:nvPicPr>
-          <p:cNvPr id="107" name="" descr=""/>
+          <p:cNvPr id="110" name="Picture 4" descr="A penguin on a small iceberg&#10;&#10;Description automatically generated with low confidence"/>
           <p:cNvPicPr/>
           <p:nvPr/>
         </p:nvPicPr>
@@ -8599,8 +8380,8 @@
         </p:blipFill>
         <p:spPr>
           <a:xfrm>
-            <a:off x="838080" y="1825560"/>
-            <a:ext cx="4343040" cy="4343040"/>
+            <a:off x="6318720" y="685800"/>
+            <a:ext cx="5568120" cy="5568120"/>
           </a:xfrm>
           <a:prstGeom prst="rect">
             <a:avLst/>
@@ -8612,7 +8393,7 @@
       </p:pic>
       <p:pic>
         <p:nvPicPr>
-          <p:cNvPr id="108" name="" descr=""/>
+          <p:cNvPr id="111" name="" descr=""/>
           <p:cNvPicPr/>
           <p:nvPr/>
         </p:nvPicPr>
@@ -8622,8 +8403,8 @@
         </p:blipFill>
         <p:spPr>
           <a:xfrm>
-            <a:off x="7029360" y="1825560"/>
-            <a:ext cx="4350960" cy="4350960"/>
+            <a:off x="457200" y="685800"/>
+            <a:ext cx="5553000" cy="5553000"/>
           </a:xfrm>
           <a:prstGeom prst="rect">
             <a:avLst/>
@@ -8672,14 +8453,14 @@
       </p:grpSpPr>
       <p:sp>
         <p:nvSpPr>
-          <p:cNvPr id="109" name="Down Arrow 7"/>
+          <p:cNvPr id="112" name="Down Arrow 7"/>
           <p:cNvSpPr/>
           <p:nvPr/>
         </p:nvSpPr>
         <p:spPr>
           <a:xfrm rot="16200000">
-            <a:off x="800280" y="1491840"/>
-            <a:ext cx="3333240" cy="3498840"/>
+            <a:off x="800280" y="1492200"/>
+            <a:ext cx="3332880" cy="3498480"/>
           </a:xfrm>
           <a:prstGeom prst="downArrow">
             <a:avLst>
@@ -8723,13 +8504,14 @@
                 <a:schemeClr val="lt1"/>
               </a:solidFill>
               <a:latin typeface="Calibri"/>
-            </a:endParaRPr>
-          </a:p>
-        </p:txBody>
-      </p:sp>
-      <p:sp>
-        <p:nvSpPr>
-          <p:cNvPr id="110" name="PlaceHolder 1"/>
+              <a:ea typeface="DejaVu Sans"/>
+            </a:endParaRPr>
+          </a:p>
+        </p:txBody>
+      </p:sp>
+      <p:sp>
+        <p:nvSpPr>
+          <p:cNvPr id="113" name="PlaceHolder 1"/>
           <p:cNvSpPr>
             <a:spLocks noGrp="1"/>
           </p:cNvSpPr>
@@ -8740,18 +8522,18 @@
         <p:spPr>
           <a:xfrm>
             <a:off x="1028880" y="1967400"/>
-            <a:ext cx="2628720" cy="2547000"/>
-          </a:xfrm>
-          <a:prstGeom prst="rect">
-            <a:avLst/>
-          </a:prstGeom>
-          <a:noFill/>
-          <a:ln w="0">
-            <a:noFill/>
-          </a:ln>
-        </p:spPr>
-        <p:txBody>
-          <a:bodyPr anchor="ctr">
+            <a:ext cx="2628360" cy="2546640"/>
+          </a:xfrm>
+          <a:prstGeom prst="rect">
+            <a:avLst/>
+          </a:prstGeom>
+          <a:noFill/>
+          <a:ln w="0">
+            <a:noFill/>
+          </a:ln>
+        </p:spPr>
+        <p:txBody>
+          <a:bodyPr lIns="90000" rIns="90000" tIns="45000" bIns="45000" anchor="ctr">
             <a:normAutofit/>
           </a:bodyPr>
           <a:p>
@@ -8760,6 +8542,9 @@
                 <a:spcPct val="90000"/>
               </a:lnSpc>
               <a:buNone/>
+              <a:tabLst>
+                <a:tab algn="l" pos="0"/>
+              </a:tabLst>
             </a:pPr>
             <a:r>
               <a:rPr b="1" lang="en-US" sz="3600" spc="-1" strike="noStrike">
@@ -8768,20 +8553,20 @@
                 </a:solidFill>
                 <a:latin typeface="Calibri Light"/>
               </a:rPr>
-              <a:t>Output Example #2</a:t>
+              <a:t>Output Example #3</a:t>
             </a:r>
             <a:endParaRPr b="0" lang="en-US" sz="3600" spc="-1" strike="noStrike">
               <a:solidFill>
                 <a:srgbClr val="000000"/>
               </a:solidFill>
-              <a:latin typeface="Calibri"/>
+              <a:latin typeface="Arial"/>
             </a:endParaRPr>
           </a:p>
         </p:txBody>
       </p:sp>
       <p:pic>
         <p:nvPicPr>
-          <p:cNvPr id="111" name="Picture 4" descr="A penguin on a small iceberg&#10;&#10;Description automatically generated with low confidence"/>
+          <p:cNvPr id="114" name="Picture 4" descr="A picture containing text, water, swimming&#10;&#10;Description automatically generated"/>
           <p:cNvPicPr/>
           <p:nvPr/>
         </p:nvPicPr>
@@ -8791,8 +8576,8 @@
         </p:blipFill>
         <p:spPr>
           <a:xfrm>
-            <a:off x="6318720" y="685800"/>
-            <a:ext cx="5568480" cy="5568480"/>
+            <a:off x="6172200" y="685800"/>
+            <a:ext cx="5568120" cy="5568120"/>
           </a:xfrm>
           <a:prstGeom prst="rect">
             <a:avLst/>
@@ -8804,18 +8589,19 @@
       </p:pic>
       <p:pic>
         <p:nvPicPr>
-          <p:cNvPr id="112" name="" descr=""/>
+          <p:cNvPr id="115" name="" descr=""/>
           <p:cNvPicPr/>
           <p:nvPr/>
         </p:nvPicPr>
         <p:blipFill>
           <a:blip r:embed="rId2"/>
+          <a:srcRect l="0" t="0" r="-11" b="3998"/>
           <a:stretch/>
         </p:blipFill>
         <p:spPr>
           <a:xfrm>
-            <a:off x="457200" y="685800"/>
-            <a:ext cx="5553360" cy="5553360"/>
+            <a:off x="350280" y="685800"/>
+            <a:ext cx="5378400" cy="5485680"/>
           </a:xfrm>
           <a:prstGeom prst="rect">
             <a:avLst/>
@@ -8841,13 +8627,6 @@
 <file path=ppt/slides/slide9.xml><?xml version="1.0" encoding="utf-8"?>
 <p:sld xmlns:a="http://schemas.openxmlformats.org/drawingml/2006/main" xmlns:p="http://schemas.openxmlformats.org/presentationml/2006/main" xmlns:r="http://schemas.openxmlformats.org/officeDocument/2006/relationships" xmlns:p14="http://schemas.microsoft.com/office/powerpoint/2010/main" xmlns:p15="http://schemas.microsoft.com/office/powerpoint/2012/main" xmlns:mc="http://schemas.openxmlformats.org/markup-compatibility/2006">
   <p:cSld>
-    <p:bg>
-      <p:bgPr>
-        <a:solidFill>
-          <a:srgbClr val="ffffff"/>
-        </a:solidFill>
-      </p:bgPr>
-    </p:bg>
     <p:spTree>
       <p:nvGrpSpPr>
         <p:cNvPr id="1" name=""/>
@@ -8864,160 +8643,268 @@
       </p:grpSpPr>
       <p:sp>
         <p:nvSpPr>
-          <p:cNvPr id="113" name="Down Arrow 7"/>
-          <p:cNvSpPr/>
-          <p:nvPr/>
-        </p:nvSpPr>
-        <p:spPr>
-          <a:xfrm rot="16200000">
-            <a:off x="800280" y="1491840"/>
-            <a:ext cx="3333240" cy="3498840"/>
-          </a:xfrm>
-          <a:prstGeom prst="downArrow">
-            <a:avLst>
-              <a:gd name="adj1" fmla="val 100000"/>
-              <a:gd name="adj2" fmla="val 15788"/>
-            </a:avLst>
-          </a:prstGeom>
-          <a:solidFill>
-            <a:srgbClr val="404040"/>
-          </a:solidFill>
-          <a:ln w="53975">
-            <a:noFill/>
-          </a:ln>
-        </p:spPr>
-        <p:style>
-          <a:lnRef idx="2">
-            <a:schemeClr val="accent1">
-              <a:shade val="50000"/>
-            </a:schemeClr>
-          </a:lnRef>
-          <a:fillRef idx="1">
-            <a:schemeClr val="accent1"/>
-          </a:fillRef>
-          <a:effectRef idx="0">
-            <a:schemeClr val="accent1"/>
-          </a:effectRef>
-          <a:fontRef idx="minor"/>
-        </p:style>
+          <p:cNvPr id="116" name="PlaceHolder 1"/>
+          <p:cNvSpPr>
+            <a:spLocks noGrp="1"/>
+          </p:cNvSpPr>
+          <p:nvPr>
+            <p:ph type="title"/>
+          </p:nvPr>
+        </p:nvSpPr>
+        <p:spPr>
+          <a:xfrm>
+            <a:off x="838080" y="365040"/>
+            <a:ext cx="10514880" cy="1324800"/>
+          </a:xfrm>
+          <a:prstGeom prst="rect">
+            <a:avLst/>
+          </a:prstGeom>
+          <a:noFill/>
+          <a:ln w="0">
+            <a:noFill/>
+          </a:ln>
+        </p:spPr>
         <p:txBody>
           <a:bodyPr lIns="90000" rIns="90000" tIns="45000" bIns="45000" anchor="ctr">
             <a:noAutofit/>
           </a:bodyPr>
           <a:p>
-            <a:pPr algn="ctr">
-              <a:lnSpc>
-                <a:spcPct val="100000"/>
-              </a:lnSpc>
-            </a:pPr>
-            <a:endParaRPr b="0" lang="en-US" sz="1800" spc="-1" strike="noStrike">
-              <a:solidFill>
-                <a:schemeClr val="lt1"/>
-              </a:solidFill>
-              <a:latin typeface="Calibri"/>
-            </a:endParaRPr>
-          </a:p>
-        </p:txBody>
-      </p:sp>
-      <p:sp>
-        <p:nvSpPr>
-          <p:cNvPr id="114" name="PlaceHolder 1"/>
-          <p:cNvSpPr>
-            <a:spLocks noGrp="1"/>
-          </p:cNvSpPr>
-          <p:nvPr>
-            <p:ph type="title"/>
-          </p:nvPr>
-        </p:nvSpPr>
-        <p:spPr>
-          <a:xfrm>
-            <a:off x="1028880" y="1967400"/>
-            <a:ext cx="2628720" cy="2547000"/>
-          </a:xfrm>
-          <a:prstGeom prst="rect">
-            <a:avLst/>
-          </a:prstGeom>
-          <a:noFill/>
-          <a:ln w="0">
-            <a:noFill/>
-          </a:ln>
-        </p:spPr>
-        <p:txBody>
-          <a:bodyPr anchor="ctr">
-            <a:normAutofit/>
-          </a:bodyPr>
-          <a:p>
-            <a:pPr indent="0" algn="ctr">
+            <a:pPr indent="0">
               <a:lnSpc>
                 <a:spcPct val="90000"/>
               </a:lnSpc>
               <a:buNone/>
-            </a:pPr>
-            <a:r>
-              <a:rPr b="1" lang="en-US" sz="3600" spc="-1" strike="noStrike">
+              <a:tabLst>
+                <a:tab algn="l" pos="0"/>
+              </a:tabLst>
+            </a:pPr>
+            <a:r>
+              <a:rPr b="1" lang="en-US" sz="4400" spc="-1" strike="noStrike">
                 <a:solidFill>
-                  <a:srgbClr val="ffffff"/>
+                  <a:srgbClr val="000000"/>
                 </a:solidFill>
                 <a:latin typeface="Calibri Light"/>
               </a:rPr>
-              <a:t>Output Example #3</a:t>
-            </a:r>
-            <a:endParaRPr b="0" lang="en-US" sz="3600" spc="-1" strike="noStrike">
-              <a:solidFill>
-                <a:srgbClr val="000000"/>
-              </a:solidFill>
-              <a:latin typeface="Calibri"/>
-            </a:endParaRPr>
-          </a:p>
-        </p:txBody>
-      </p:sp>
-      <p:pic>
-        <p:nvPicPr>
-          <p:cNvPr id="115" name="Picture 4" descr="A picture containing text, water, swimming&#10;&#10;Description automatically generated"/>
-          <p:cNvPicPr/>
-          <p:nvPr/>
-        </p:nvPicPr>
-        <p:blipFill>
-          <a:blip r:embed="rId1"/>
-          <a:stretch/>
-        </p:blipFill>
-        <p:spPr>
-          <a:xfrm>
-            <a:off x="6172200" y="685800"/>
-            <a:ext cx="5568480" cy="5568480"/>
-          </a:xfrm>
-          <a:prstGeom prst="rect">
-            <a:avLst/>
-          </a:prstGeom>
-          <a:ln w="0">
-            <a:noFill/>
-          </a:ln>
-        </p:spPr>
-      </p:pic>
-      <p:pic>
-        <p:nvPicPr>
-          <p:cNvPr id="116" name="" descr=""/>
-          <p:cNvPicPr/>
-          <p:nvPr/>
-        </p:nvPicPr>
-        <p:blipFill>
-          <a:blip r:embed="rId2"/>
-          <a:srcRect l="0" t="0" r="-11" b="3998"/>
-          <a:stretch/>
-        </p:blipFill>
-        <p:spPr>
-          <a:xfrm>
-            <a:off x="350280" y="685800"/>
-            <a:ext cx="5378760" cy="5486040"/>
-          </a:xfrm>
-          <a:prstGeom prst="rect">
-            <a:avLst/>
-          </a:prstGeom>
-          <a:ln w="0">
-            <a:noFill/>
-          </a:ln>
-        </p:spPr>
-      </p:pic>
+              <a:t>Predicted Impact</a:t>
+            </a:r>
+            <a:endParaRPr b="0" lang="en-US" sz="4400" spc="-1" strike="noStrike">
+              <a:solidFill>
+                <a:srgbClr val="000000"/>
+              </a:solidFill>
+              <a:latin typeface="Arial"/>
+            </a:endParaRPr>
+          </a:p>
+        </p:txBody>
+      </p:sp>
+      <p:sp>
+        <p:nvSpPr>
+          <p:cNvPr id="117" name="PlaceHolder 2"/>
+          <p:cNvSpPr>
+            <a:spLocks noGrp="1"/>
+          </p:cNvSpPr>
+          <p:nvPr>
+            <p:ph/>
+          </p:nvPr>
+        </p:nvSpPr>
+        <p:spPr>
+          <a:xfrm>
+            <a:off x="838080" y="1825560"/>
+            <a:ext cx="10514880" cy="4350600"/>
+          </a:xfrm>
+          <a:prstGeom prst="rect">
+            <a:avLst/>
+          </a:prstGeom>
+          <a:noFill/>
+          <a:ln w="0">
+            <a:noFill/>
+          </a:ln>
+        </p:spPr>
+        <p:txBody>
+          <a:bodyPr lIns="90000" rIns="90000" tIns="45000" bIns="45000" anchor="t">
+            <a:noAutofit/>
+          </a:bodyPr>
+          <a:p>
+            <a:pPr marL="228600" indent="-228600">
+              <a:lnSpc>
+                <a:spcPct val="90000"/>
+              </a:lnSpc>
+              <a:spcBef>
+                <a:spcPts val="1001"/>
+              </a:spcBef>
+              <a:buClr>
+                <a:srgbClr val="000000"/>
+              </a:buClr>
+              <a:buFont typeface="Arial"/>
+              <a:buChar char="•"/>
+            </a:pPr>
+            <a:r>
+              <a:rPr b="0" lang="en-US" sz="2800" spc="-1" strike="noStrike">
+                <a:solidFill>
+                  <a:srgbClr val="000000"/>
+                </a:solidFill>
+                <a:latin typeface="Calibri"/>
+              </a:rPr>
+              <a:t>The meme engine will arm ALL kinds of organizations and influencers with the tools to create powerful memes – both the good and bad</a:t>
+            </a:r>
+            <a:endParaRPr b="0" lang="en-US" sz="2800" spc="-1" strike="noStrike">
+              <a:solidFill>
+                <a:srgbClr val="000000"/>
+              </a:solidFill>
+              <a:latin typeface="Arial"/>
+            </a:endParaRPr>
+          </a:p>
+          <a:p>
+            <a:pPr lvl="1" marL="685800" indent="-228600">
+              <a:lnSpc>
+                <a:spcPct val="90000"/>
+              </a:lnSpc>
+              <a:spcBef>
+                <a:spcPts val="499"/>
+              </a:spcBef>
+              <a:buClr>
+                <a:srgbClr val="000000"/>
+              </a:buClr>
+              <a:buFont typeface="Arial"/>
+              <a:buChar char="•"/>
+            </a:pPr>
+            <a:r>
+              <a:rPr b="0" lang="en-US" sz="2400" spc="-1" strike="noStrike">
+                <a:solidFill>
+                  <a:srgbClr val="000000"/>
+                </a:solidFill>
+                <a:latin typeface="Calibri"/>
+              </a:rPr>
+              <a:t>This is no different than today</a:t>
+            </a:r>
+            <a:endParaRPr b="0" lang="en-US" sz="2400" spc="-1" strike="noStrike">
+              <a:solidFill>
+                <a:srgbClr val="000000"/>
+              </a:solidFill>
+              <a:latin typeface="Arial"/>
+            </a:endParaRPr>
+          </a:p>
+          <a:p>
+            <a:pPr lvl="1" marL="685800" indent="-228600">
+              <a:lnSpc>
+                <a:spcPct val="90000"/>
+              </a:lnSpc>
+              <a:spcBef>
+                <a:spcPts val="499"/>
+              </a:spcBef>
+              <a:buClr>
+                <a:srgbClr val="000000"/>
+              </a:buClr>
+              <a:buFont typeface="Arial"/>
+              <a:buChar char="•"/>
+            </a:pPr>
+            <a:r>
+              <a:rPr b="0" lang="en-US" sz="2400" spc="-1" strike="noStrike">
+                <a:solidFill>
+                  <a:srgbClr val="000000"/>
+                </a:solidFill>
+                <a:latin typeface="Calibri"/>
+              </a:rPr>
+              <a:t>Need to be cautious about who gets access to this tool</a:t>
+            </a:r>
+            <a:endParaRPr b="0" lang="en-US" sz="2400" spc="-1" strike="noStrike">
+              <a:solidFill>
+                <a:srgbClr val="000000"/>
+              </a:solidFill>
+              <a:latin typeface="Arial"/>
+            </a:endParaRPr>
+          </a:p>
+          <a:p>
+            <a:pPr marL="228600" indent="-228600">
+              <a:lnSpc>
+                <a:spcPct val="90000"/>
+              </a:lnSpc>
+              <a:spcBef>
+                <a:spcPts val="1001"/>
+              </a:spcBef>
+              <a:buClr>
+                <a:srgbClr val="000000"/>
+              </a:buClr>
+              <a:buFont typeface="Arial"/>
+              <a:buChar char="•"/>
+            </a:pPr>
+            <a:r>
+              <a:rPr b="0" lang="en-US" sz="2800" spc="-1" strike="noStrike">
+                <a:solidFill>
+                  <a:srgbClr val="000000"/>
+                </a:solidFill>
+                <a:latin typeface="Calibri"/>
+              </a:rPr>
+              <a:t>Our belief is that the most powerful images will “win” in the hearts and minds of the public</a:t>
+            </a:r>
+            <a:endParaRPr b="0" lang="en-US" sz="2800" spc="-1" strike="noStrike">
+              <a:solidFill>
+                <a:srgbClr val="000000"/>
+              </a:solidFill>
+              <a:latin typeface="Arial"/>
+            </a:endParaRPr>
+          </a:p>
+          <a:p>
+            <a:pPr lvl="1" marL="685800" indent="-228600">
+              <a:lnSpc>
+                <a:spcPct val="90000"/>
+              </a:lnSpc>
+              <a:spcBef>
+                <a:spcPts val="499"/>
+              </a:spcBef>
+              <a:buClr>
+                <a:srgbClr val="000000"/>
+              </a:buClr>
+              <a:buFont typeface="Arial"/>
+              <a:buChar char="•"/>
+            </a:pPr>
+            <a:r>
+              <a:rPr b="0" lang="en-US" sz="2400" spc="-1" strike="noStrike">
+                <a:solidFill>
+                  <a:srgbClr val="000000"/>
+                </a:solidFill>
+                <a:latin typeface="Calibri"/>
+              </a:rPr>
+              <a:t>Winning means that they are more likely to spread online</a:t>
+            </a:r>
+            <a:endParaRPr b="0" lang="en-US" sz="2400" spc="-1" strike="noStrike">
+              <a:solidFill>
+                <a:srgbClr val="000000"/>
+              </a:solidFill>
+              <a:latin typeface="Arial"/>
+            </a:endParaRPr>
+          </a:p>
+          <a:p>
+            <a:pPr marL="228600" indent="-228600">
+              <a:lnSpc>
+                <a:spcPct val="90000"/>
+              </a:lnSpc>
+              <a:spcBef>
+                <a:spcPts val="1001"/>
+              </a:spcBef>
+              <a:buClr>
+                <a:srgbClr val="000000"/>
+              </a:buClr>
+              <a:buFont typeface="Arial"/>
+              <a:buChar char="•"/>
+            </a:pPr>
+            <a:r>
+              <a:rPr b="0" lang="en-US" sz="2800" spc="-1" strike="noStrike">
+                <a:solidFill>
+                  <a:srgbClr val="000000"/>
+                </a:solidFill>
+                <a:latin typeface="Calibri"/>
+              </a:rPr>
+              <a:t>The “internet audience” is skewed younger so this should skew towards an audience that is concerned about Global Warming</a:t>
+            </a:r>
+            <a:endParaRPr b="0" lang="en-US" sz="2800" spc="-1" strike="noStrike">
+              <a:solidFill>
+                <a:srgbClr val="000000"/>
+              </a:solidFill>
+              <a:latin typeface="Arial"/>
+            </a:endParaRPr>
+          </a:p>
+        </p:txBody>
+      </p:sp>
     </p:spTree>
   </p:cSld>
   <mc:AlternateContent>

--- a/ClimateHackathon_Submission_Nov132022.pptx
+++ b/ClimateHackathon_Submission_Nov132022.pptx
@@ -72,7 +72,7 @@
         <p:txBody>
           <a:bodyPr/>
           <a:p>
-            <a:fld id="{0DB390F3-61CD-4DFC-9FF3-C2A19F5D1B91}" type="slidenum">
+            <a:fld id="{4F39AEB6-ECEA-4FC8-915D-66B1D588297A}" type="slidenum">
               <a:t>&lt;#&gt;</a:t>
             </a:fld>
           </a:p>
@@ -281,7 +281,7 @@
         <p:txBody>
           <a:bodyPr/>
           <a:p>
-            <a:fld id="{A582416D-68F1-4FC9-8D82-74234ABA8CFE}" type="slidenum">
+            <a:fld id="{608AC04F-BCEE-45D0-A96E-5B4CBADB84D0}" type="slidenum">
               <a:t>&lt;#&gt;</a:t>
             </a:fld>
           </a:p>
@@ -576,7 +576,7 @@
         <p:txBody>
           <a:bodyPr/>
           <a:p>
-            <a:fld id="{23C90AB7-3D56-4A25-8A50-25473519878B}" type="slidenum">
+            <a:fld id="{C0389460-D828-4525-A7D9-B5F0420F5B4E}" type="slidenum">
               <a:t>&lt;#&gt;</a:t>
             </a:fld>
           </a:p>
@@ -957,7 +957,7 @@
         <p:txBody>
           <a:bodyPr/>
           <a:p>
-            <a:fld id="{1C5C3AE9-E060-4B8B-8494-67DFA6A8B715}" type="slidenum">
+            <a:fld id="{F90E005B-B8DD-4085-A790-354B9FA44DA8}" type="slidenum">
               <a:t>&lt;#&gt;</a:t>
             </a:fld>
           </a:p>
@@ -1040,7 +1040,7 @@
         <p:txBody>
           <a:bodyPr/>
           <a:p>
-            <a:fld id="{44A5DBDA-841F-442E-86DC-673BDAFDA479}" type="slidenum">
+            <a:fld id="{00DE75C6-FEDB-40DB-B6CF-BC91D75C2623}" type="slidenum">
               <a:t>&lt;#&gt;</a:t>
             </a:fld>
           </a:p>
@@ -1203,7 +1203,7 @@
         <p:txBody>
           <a:bodyPr/>
           <a:p>
-            <a:fld id="{7EB8C4F0-2B65-4EAF-82B7-756A07834BB3}" type="slidenum">
+            <a:fld id="{EC7F6B5E-F161-4A90-80C8-8F4F4CB000D6}" type="slidenum">
               <a:t>&lt;#&gt;</a:t>
             </a:fld>
           </a:p>
@@ -1369,7 +1369,7 @@
         <p:txBody>
           <a:bodyPr/>
           <a:p>
-            <a:fld id="{7D202C8D-B2C1-40DD-9BCD-BF48D4838B71}" type="slidenum">
+            <a:fld id="{0692B7E5-1628-4B9E-8DEA-A6FD70FF1CAE}" type="slidenum">
               <a:t>&lt;#&gt;</a:t>
             </a:fld>
           </a:p>
@@ -1578,7 +1578,7 @@
         <p:txBody>
           <a:bodyPr/>
           <a:p>
-            <a:fld id="{B19594AB-1715-4D69-82D6-EB7639C3BC3D}" type="slidenum">
+            <a:fld id="{CD3739AD-3DB4-4F0D-B936-4FFD0EE1F018}" type="slidenum">
               <a:t>&lt;#&gt;</a:t>
             </a:fld>
           </a:p>
@@ -1701,7 +1701,7 @@
         <p:txBody>
           <a:bodyPr/>
           <a:p>
-            <a:fld id="{DB9B9E4B-BA32-4A06-873A-B7BB19970EB0}" type="slidenum">
+            <a:fld id="{F51142D1-E055-4A85-B94A-C35B8027C954}" type="slidenum">
               <a:t>&lt;#&gt;</a:t>
             </a:fld>
           </a:p>
@@ -1822,7 +1822,7 @@
         <p:txBody>
           <a:bodyPr/>
           <a:p>
-            <a:fld id="{4F1566CC-400C-4F80-96F9-B081AB7695D2}" type="slidenum">
+            <a:fld id="{1A33270A-BA64-4DAE-BB0A-5F1CDBD24FFD}" type="slidenum">
               <a:t>&lt;#&gt;</a:t>
             </a:fld>
           </a:p>
@@ -2074,7 +2074,7 @@
         <p:txBody>
           <a:bodyPr/>
           <a:p>
-            <a:fld id="{E62E6681-F3D6-43E8-897A-F864FFAF6462}" type="slidenum">
+            <a:fld id="{1E26BEE4-6F17-4A1C-8264-CB689DFDC2D6}" type="slidenum">
               <a:t>&lt;#&gt;</a:t>
             </a:fld>
           </a:p>
@@ -2237,7 +2237,7 @@
         <p:txBody>
           <a:bodyPr/>
           <a:p>
-            <a:fld id="{B9E598CE-A88B-48B4-8F3E-5107B9034EC5}" type="slidenum">
+            <a:fld id="{3E7EF54D-1CD8-480D-A56B-3D37013C36FC}" type="slidenum">
               <a:t>&lt;#&gt;</a:t>
             </a:fld>
           </a:p>
@@ -2489,7 +2489,7 @@
         <p:txBody>
           <a:bodyPr/>
           <a:p>
-            <a:fld id="{6D8FCC05-0D1C-4007-8A61-159988019074}" type="slidenum">
+            <a:fld id="{FC01AE40-89A7-4FC4-B77B-329BF626F6C2}" type="slidenum">
               <a:t>&lt;#&gt;</a:t>
             </a:fld>
           </a:p>
@@ -2741,7 +2741,7 @@
         <p:txBody>
           <a:bodyPr/>
           <a:p>
-            <a:fld id="{BF1B5ACF-3D9C-4ED0-9185-6266E35C3138}" type="slidenum">
+            <a:fld id="{6B03FF58-38C5-4413-A82A-C27FCA63A493}" type="slidenum">
               <a:t>&lt;#&gt;</a:t>
             </a:fld>
           </a:p>
@@ -2950,7 +2950,7 @@
         <p:txBody>
           <a:bodyPr/>
           <a:p>
-            <a:fld id="{824A1476-71F6-4810-9017-2AB5238AC557}" type="slidenum">
+            <a:fld id="{89185208-3828-4B39-971B-29B4C1E9E3A6}" type="slidenum">
               <a:t>&lt;#&gt;</a:t>
             </a:fld>
           </a:p>
@@ -3245,7 +3245,7 @@
         <p:txBody>
           <a:bodyPr/>
           <a:p>
-            <a:fld id="{65B1F035-F607-4905-864A-78E378451785}" type="slidenum">
+            <a:fld id="{36F9846D-CCD1-44A9-872F-088FA1466717}" type="slidenum">
               <a:t>&lt;#&gt;</a:t>
             </a:fld>
           </a:p>
@@ -3626,7 +3626,7 @@
         <p:txBody>
           <a:bodyPr/>
           <a:p>
-            <a:fld id="{AD2F0CC9-A7AF-4EDA-B2C4-EDFF6CBE491A}" type="slidenum">
+            <a:fld id="{8A8B8221-A83F-4A4D-B657-70FF945483FB}" type="slidenum">
               <a:t>&lt;#&gt;</a:t>
             </a:fld>
           </a:p>
@@ -3792,7 +3792,7 @@
         <p:txBody>
           <a:bodyPr/>
           <a:p>
-            <a:fld id="{8196E951-654A-454E-9D22-9DD5547F083B}" type="slidenum">
+            <a:fld id="{5947F1D2-DF6C-4808-A446-BAB920ADAD02}" type="slidenum">
               <a:t>&lt;#&gt;</a:t>
             </a:fld>
           </a:p>
@@ -4001,7 +4001,7 @@
         <p:txBody>
           <a:bodyPr/>
           <a:p>
-            <a:fld id="{CC6734A4-B7E5-4028-BDA7-29714CD4D184}" type="slidenum">
+            <a:fld id="{309A2379-2B03-4CEA-9648-4F2642AD5DBB}" type="slidenum">
               <a:t>&lt;#&gt;</a:t>
             </a:fld>
           </a:p>
@@ -4124,7 +4124,7 @@
         <p:txBody>
           <a:bodyPr/>
           <a:p>
-            <a:fld id="{BE5C9AC5-055C-4E47-827A-7A2D42BC2C14}" type="slidenum">
+            <a:fld id="{63DF3220-4B2A-41D1-893C-9C9A7CD1B935}" type="slidenum">
               <a:t>&lt;#&gt;</a:t>
             </a:fld>
           </a:p>
@@ -4245,7 +4245,7 @@
         <p:txBody>
           <a:bodyPr/>
           <a:p>
-            <a:fld id="{5E09DC50-1745-494B-BF72-959D6EE1B7B4}" type="slidenum">
+            <a:fld id="{AC7CA0D4-6200-4F97-98AA-1E84A1CA67D8}" type="slidenum">
               <a:t>&lt;#&gt;</a:t>
             </a:fld>
           </a:p>
@@ -4497,7 +4497,7 @@
         <p:txBody>
           <a:bodyPr/>
           <a:p>
-            <a:fld id="{948AD3B7-ACEF-48AE-B4FC-6A7790DDBF5A}" type="slidenum">
+            <a:fld id="{2F0740E8-62F3-478C-ABE0-1E2ECE858577}" type="slidenum">
               <a:t>&lt;#&gt;</a:t>
             </a:fld>
           </a:p>
@@ -4749,7 +4749,7 @@
         <p:txBody>
           <a:bodyPr/>
           <a:p>
-            <a:fld id="{EC6109C2-51E5-49EF-800A-BA8375CCB564}" type="slidenum">
+            <a:fld id="{8F0F1684-51AB-4FCD-8D5E-1D9AB97EC0E7}" type="slidenum">
               <a:t>&lt;#&gt;</a:t>
             </a:fld>
           </a:p>
@@ -5001,7 +5001,7 @@
         <p:txBody>
           <a:bodyPr/>
           <a:p>
-            <a:fld id="{24B25CDA-D871-424D-8E76-96F881517FE2}" type="slidenum">
+            <a:fld id="{417D8FB2-DB1B-4886-9C9D-AD6F113BC59F}" type="slidenum">
               <a:t>&lt;#&gt;</a:t>
             </a:fld>
           </a:p>
@@ -5098,70 +5098,7 @@
                 </a:solidFill>
                 <a:latin typeface="Arial"/>
               </a:rPr>
-              <a:t>Click </a:t>
-            </a:r>
-            <a:r>
-              <a:rPr b="0" lang="en-US" sz="1800" spc="-1" strike="noStrike">
-                <a:solidFill>
-                  <a:srgbClr val="000000"/>
-                </a:solidFill>
-                <a:latin typeface="Arial"/>
-              </a:rPr>
-              <a:t>to </a:t>
-            </a:r>
-            <a:r>
-              <a:rPr b="0" lang="en-US" sz="1800" spc="-1" strike="noStrike">
-                <a:solidFill>
-                  <a:srgbClr val="000000"/>
-                </a:solidFill>
-                <a:latin typeface="Arial"/>
-              </a:rPr>
-              <a:t>edit </a:t>
-            </a:r>
-            <a:r>
-              <a:rPr b="0" lang="en-US" sz="1800" spc="-1" strike="noStrike">
-                <a:solidFill>
-                  <a:srgbClr val="000000"/>
-                </a:solidFill>
-                <a:latin typeface="Arial"/>
-              </a:rPr>
-              <a:t>the </a:t>
-            </a:r>
-            <a:r>
-              <a:rPr b="0" lang="en-US" sz="1800" spc="-1" strike="noStrike">
-                <a:solidFill>
-                  <a:srgbClr val="000000"/>
-                </a:solidFill>
-                <a:latin typeface="Arial"/>
-              </a:rPr>
-              <a:t>title </a:t>
-            </a:r>
-            <a:r>
-              <a:rPr b="0" lang="en-US" sz="1800" spc="-1" strike="noStrike">
-                <a:solidFill>
-                  <a:srgbClr val="000000"/>
-                </a:solidFill>
-                <a:latin typeface="Arial"/>
-              </a:rPr>
-              <a:t>text </a:t>
-            </a:r>
-            <a:r>
-              <a:rPr b="0" lang="en-US" sz="1800" spc="-1" strike="noStrike">
-                <a:solidFill>
-                  <a:srgbClr val="000000"/>
-                </a:solidFill>
-                <a:latin typeface="Arial"/>
-              </a:rPr>
-              <a:t>form</a:t>
-            </a:r>
-            <a:r>
-              <a:rPr b="0" lang="en-US" sz="1800" spc="-1" strike="noStrike">
-                <a:solidFill>
-                  <a:srgbClr val="000000"/>
-                </a:solidFill>
-                <a:latin typeface="Arial"/>
-              </a:rPr>
-              <a:t>at</a:t>
+              <a:t>Click to edit the title text format</a:t>
             </a:r>
             <a:endParaRPr b="0" lang="en-US" sz="1800" spc="-1" strike="noStrike">
               <a:solidFill>
@@ -5298,7 +5235,7 @@
                 <a:tab algn="l" pos="0"/>
               </a:tabLst>
             </a:pPr>
-            <a:fld id="{4FA9A7EF-BDF8-4664-89FF-F87FEB037C52}" type="slidenum">
+            <a:fld id="{32BFC8FC-91E8-4F93-8835-804FE2995028}" type="slidenum">
               <a:rPr b="0" lang="en-US" sz="1200" spc="-1" strike="noStrike">
                 <a:solidFill>
                   <a:srgbClr val="8b8b8b"/>
@@ -5774,7 +5711,7 @@
                 <a:tab algn="l" pos="0"/>
               </a:tabLst>
             </a:pPr>
-            <a:fld id="{2AEF4277-1467-4F64-83AD-E9641863E1D2}" type="slidenum">
+            <a:fld id="{C76DC778-190F-4A22-A263-9CEE43BEA0AC}" type="slidenum">
               <a:rPr b="0" lang="en-US" sz="1200" spc="-1" strike="noStrike">
                 <a:solidFill>
                   <a:srgbClr val="8b8b8b"/>
@@ -7170,7 +7107,7 @@
         </p:spPr>
         <p:txBody>
           <a:bodyPr lIns="90000" rIns="90000" tIns="45000" bIns="45000" anchor="t">
-            <a:normAutofit fontScale="98000"/>
+            <a:normAutofit fontScale="96000"/>
           </a:bodyPr>
           <a:p>
             <a:pPr marL="228600" indent="-228600">
@@ -7223,7 +7160,7 @@
                 </a:solidFill>
                 <a:latin typeface="Calibri"/>
               </a:rPr>
-              <a:t>The code maximizes variance to encourage creative memes</a:t>
+              <a:t>The code includes style tags to encourge variance and creative memes</a:t>
             </a:r>
             <a:endParaRPr b="0" lang="en-US" sz="2400" spc="-1" strike="noStrike">
               <a:solidFill>
@@ -7289,7 +7226,7 @@
                 <a:latin typeface="Calibri"/>
                 <a:ea typeface="DejaVu Sans"/>
               </a:rPr>
-              <a:t>Generate Climate Change Concept</a:t>
+              <a:t>Generate Climate Change Solution</a:t>
             </a:r>
             <a:endParaRPr b="0" lang="en-US" sz="1800" spc="-1" strike="noStrike">
               <a:solidFill>
@@ -7355,7 +7292,7 @@
                 <a:latin typeface="Calibri"/>
                 <a:ea typeface="DejaVu Sans"/>
               </a:rPr>
-              <a:t>Describe a funny image representing this climate change concept</a:t>
+              <a:t>Describe a image representing this climate change solution</a:t>
             </a:r>
             <a:endParaRPr b="0" lang="en-US" sz="1800" spc="-1" strike="noStrike">
               <a:solidFill>
@@ -8184,8 +8121,8 @@
         </p:blipFill>
         <p:spPr>
           <a:xfrm>
-            <a:off x="838080" y="1825560"/>
-            <a:ext cx="4342680" cy="4342680"/>
+            <a:off x="384120" y="1371600"/>
+            <a:ext cx="5330880" cy="5330880"/>
           </a:xfrm>
           <a:prstGeom prst="rect">
             <a:avLst/>
@@ -8207,8 +8144,8 @@
         </p:blipFill>
         <p:spPr>
           <a:xfrm>
-            <a:off x="7029360" y="1825560"/>
-            <a:ext cx="4350600" cy="4350600"/>
+            <a:off x="6400800" y="1425600"/>
+            <a:ext cx="5203800" cy="5203800"/>
           </a:xfrm>
           <a:prstGeom prst="rect">
             <a:avLst/>
@@ -8576,8 +8513,8 @@
         </p:blipFill>
         <p:spPr>
           <a:xfrm>
-            <a:off x="6172200" y="685800"/>
-            <a:ext cx="5568120" cy="5568120"/>
+            <a:off x="6172200" y="604080"/>
+            <a:ext cx="5796720" cy="5796720"/>
           </a:xfrm>
           <a:prstGeom prst="rect">
             <a:avLst/>
@@ -8600,8 +8537,8 @@
         </p:blipFill>
         <p:spPr>
           <a:xfrm>
-            <a:off x="350280" y="685800"/>
-            <a:ext cx="5378400" cy="5485680"/>
+            <a:off x="228600" y="561600"/>
+            <a:ext cx="5725080" cy="5839200"/>
           </a:xfrm>
           <a:prstGeom prst="rect">
             <a:avLst/>
